--- a/docs/MICRO 2022/figures/TileShapesSize3.pptx
+++ b/docs/MICRO 2022/figures/TileShapesSize3.pptx
@@ -4834,1749 +4834,1644 @@
           <a:chExt cx="0" cy="0"/>
         </a:xfrm>
       </p:grpSpPr>
-      <p:grpSp>
-        <p:nvGrpSpPr>
-          <p:cNvPr id="47" name="Group 46">
-            <a:extLst>
-              <a:ext uri="{FF2B5EF4-FFF2-40B4-BE49-F238E27FC236}">
-                <a16:creationId xmlns:a16="http://schemas.microsoft.com/office/drawing/2014/main" id="{B6033604-0191-4756-AAE7-50A2376E147C}"/>
-              </a:ext>
-            </a:extLst>
-          </p:cNvPr>
-          <p:cNvGrpSpPr/>
+      <p:sp>
+        <p:nvSpPr>
+          <p:cNvPr id="19" name="Oval 18">
+            <a:extLst>
+              <a:ext uri="{FF2B5EF4-FFF2-40B4-BE49-F238E27FC236}">
+                <a16:creationId xmlns:a16="http://schemas.microsoft.com/office/drawing/2014/main" id="{5DBE051D-5AC6-428D-B59E-DB68EE3D3D21}"/>
+              </a:ext>
+            </a:extLst>
+          </p:cNvPr>
+          <p:cNvSpPr/>
           <p:nvPr/>
-        </p:nvGrpSpPr>
-        <p:grpSpPr>
+        </p:nvSpPr>
+        <p:spPr>
+          <a:xfrm rot="3559613">
+            <a:off x="2471407" y="28548"/>
+            <a:ext cx="1486445" cy="4971087"/>
+          </a:xfrm>
+          <a:prstGeom prst="ellipse">
+            <a:avLst/>
+          </a:prstGeom>
+          <a:noFill/>
+          <a:ln w="73025">
+            <a:solidFill>
+              <a:schemeClr val="accent6">
+                <a:lumMod val="60000"/>
+                <a:lumOff val="40000"/>
+              </a:schemeClr>
+            </a:solidFill>
+          </a:ln>
+        </p:spPr>
+        <p:style>
+          <a:lnRef idx="2">
+            <a:schemeClr val="accent1">
+              <a:shade val="50000"/>
+            </a:schemeClr>
+          </a:lnRef>
+          <a:fillRef idx="1">
+            <a:schemeClr val="accent1"/>
+          </a:fillRef>
+          <a:effectRef idx="0">
+            <a:schemeClr val="accent1"/>
+          </a:effectRef>
+          <a:fontRef idx="minor">
+            <a:schemeClr val="lt1"/>
+          </a:fontRef>
+        </p:style>
+        <p:txBody>
+          <a:bodyPr rtlCol="0" anchor="ctr"/>
+          <a:lstStyle/>
+          <a:p>
+            <a:pPr algn="ctr"/>
+            <a:endParaRPr lang="en-IN"/>
+          </a:p>
+        </p:txBody>
+      </p:sp>
+      <p:sp>
+        <p:nvSpPr>
+          <p:cNvPr id="43" name="Isosceles Triangle 42">
+            <a:extLst>
+              <a:ext uri="{FF2B5EF4-FFF2-40B4-BE49-F238E27FC236}">
+                <a16:creationId xmlns:a16="http://schemas.microsoft.com/office/drawing/2014/main" id="{F2E86EA5-8F04-456A-A7C3-0FF608424FDD}"/>
+              </a:ext>
+            </a:extLst>
+          </p:cNvPr>
+          <p:cNvSpPr/>
+          <p:nvPr/>
+        </p:nvSpPr>
+        <p:spPr>
           <a:xfrm>
-            <a:off x="848927" y="1269858"/>
-            <a:ext cx="7520143" cy="4318284"/>
-            <a:chOff x="553652" y="654188"/>
-            <a:chExt cx="7520143" cy="4318284"/>
-          </a:xfrm>
-        </p:grpSpPr>
-        <p:sp>
-          <p:nvSpPr>
-            <p:cNvPr id="19" name="Oval 18">
-              <a:extLst>
-                <a:ext uri="{FF2B5EF4-FFF2-40B4-BE49-F238E27FC236}">
-                  <a16:creationId xmlns:a16="http://schemas.microsoft.com/office/drawing/2014/main" id="{5DBE051D-5AC6-428D-B59E-DB68EE3D3D21}"/>
-                </a:ext>
-              </a:extLst>
-            </p:cNvPr>
-            <p:cNvSpPr/>
-            <p:nvPr/>
-          </p:nvSpPr>
-          <p:spPr>
-            <a:xfrm rot="3030683">
-              <a:off x="2295973" y="-430327"/>
-              <a:ext cx="1486445" cy="4971087"/>
-            </a:xfrm>
-            <a:prstGeom prst="ellipse">
-              <a:avLst/>
-            </a:prstGeom>
-            <a:noFill/>
-            <a:ln w="73025">
+            <a:off x="4529924" y="1637908"/>
+            <a:ext cx="3722702" cy="2279876"/>
+          </a:xfrm>
+          <a:prstGeom prst="triangle">
+            <a:avLst/>
+          </a:prstGeom>
+          <a:noFill/>
+          <a:ln w="73025">
+            <a:solidFill>
+              <a:schemeClr val="accent5">
+                <a:lumMod val="60000"/>
+                <a:lumOff val="40000"/>
+              </a:schemeClr>
+            </a:solidFill>
+          </a:ln>
+        </p:spPr>
+        <p:style>
+          <a:lnRef idx="2">
+            <a:schemeClr val="accent1">
+              <a:shade val="50000"/>
+            </a:schemeClr>
+          </a:lnRef>
+          <a:fillRef idx="1">
+            <a:schemeClr val="accent1"/>
+          </a:fillRef>
+          <a:effectRef idx="0">
+            <a:schemeClr val="accent1"/>
+          </a:effectRef>
+          <a:fontRef idx="minor">
+            <a:schemeClr val="lt1"/>
+          </a:fontRef>
+        </p:style>
+        <p:txBody>
+          <a:bodyPr rtlCol="0" anchor="ctr"/>
+          <a:lstStyle/>
+          <a:p>
+            <a:pPr algn="ctr"/>
+            <a:endParaRPr lang="en-IN"/>
+          </a:p>
+        </p:txBody>
+      </p:sp>
+      <p:sp>
+        <p:nvSpPr>
+          <p:cNvPr id="5" name="Oval 4">
+            <a:extLst>
+              <a:ext uri="{FF2B5EF4-FFF2-40B4-BE49-F238E27FC236}">
+                <a16:creationId xmlns:a16="http://schemas.microsoft.com/office/drawing/2014/main" id="{6950DDE1-1936-44E0-B70A-3F44CC03482E}"/>
+              </a:ext>
+            </a:extLst>
+          </p:cNvPr>
+          <p:cNvSpPr>
+            <a:spLocks noChangeAspect="1"/>
+          </p:cNvSpPr>
+          <p:nvPr/>
+        </p:nvSpPr>
+        <p:spPr>
+          <a:xfrm>
+            <a:off x="4534738" y="1269858"/>
+            <a:ext cx="503150" cy="503150"/>
+          </a:xfrm>
+          <a:prstGeom prst="ellipse">
+            <a:avLst/>
+          </a:prstGeom>
+          <a:noFill/>
+          <a:ln w="38100">
+            <a:solidFill>
+              <a:schemeClr val="tx1"/>
+            </a:solidFill>
+          </a:ln>
+        </p:spPr>
+        <p:style>
+          <a:lnRef idx="2">
+            <a:schemeClr val="accent1">
+              <a:shade val="50000"/>
+            </a:schemeClr>
+          </a:lnRef>
+          <a:fillRef idx="1">
+            <a:schemeClr val="accent1"/>
+          </a:fillRef>
+          <a:effectRef idx="0">
+            <a:schemeClr val="accent1"/>
+          </a:effectRef>
+          <a:fontRef idx="minor">
+            <a:schemeClr val="lt1"/>
+          </a:fontRef>
+        </p:style>
+        <p:txBody>
+          <a:bodyPr rtlCol="0" anchor="ctr"/>
+          <a:lstStyle/>
+          <a:p>
+            <a:pPr algn="ctr"/>
+            <a:r>
+              <a:rPr lang="en-US" sz="2000" b="1" dirty="0">
+                <a:solidFill>
+                  <a:prstClr val="black"/>
+                </a:solidFill>
+                <a:latin typeface="Calibri" panose="020F0502020204030204"/>
+              </a:rPr>
+              <a:t>0</a:t>
+            </a:r>
+            <a:endParaRPr lang="en-IN" sz="2000" b="1" dirty="0">
+              <a:solidFill>
+                <a:prstClr val="black"/>
+              </a:solidFill>
+              <a:latin typeface="Calibri" panose="020F0502020204030204"/>
+            </a:endParaRPr>
+          </a:p>
+        </p:txBody>
+      </p:sp>
+      <p:sp>
+        <p:nvSpPr>
+          <p:cNvPr id="6" name="Oval 5">
+            <a:extLst>
+              <a:ext uri="{FF2B5EF4-FFF2-40B4-BE49-F238E27FC236}">
+                <a16:creationId xmlns:a16="http://schemas.microsoft.com/office/drawing/2014/main" id="{2D1C4D35-DB8A-4E83-9F27-D6C971F6F941}"/>
+              </a:ext>
+            </a:extLst>
+          </p:cNvPr>
+          <p:cNvSpPr>
+            <a:spLocks noChangeAspect="1"/>
+          </p:cNvSpPr>
+          <p:nvPr/>
+        </p:nvSpPr>
+        <p:spPr>
+          <a:xfrm>
+            <a:off x="2671710" y="2063991"/>
+            <a:ext cx="503150" cy="503150"/>
+          </a:xfrm>
+          <a:prstGeom prst="ellipse">
+            <a:avLst/>
+          </a:prstGeom>
+          <a:noFill/>
+          <a:ln w="38100">
+            <a:solidFill>
+              <a:schemeClr val="tx1"/>
+            </a:solidFill>
+          </a:ln>
+        </p:spPr>
+        <p:style>
+          <a:lnRef idx="2">
+            <a:schemeClr val="accent1">
+              <a:shade val="50000"/>
+            </a:schemeClr>
+          </a:lnRef>
+          <a:fillRef idx="1">
+            <a:schemeClr val="accent1"/>
+          </a:fillRef>
+          <a:effectRef idx="0">
+            <a:schemeClr val="accent1"/>
+          </a:effectRef>
+          <a:fontRef idx="minor">
+            <a:schemeClr val="lt1"/>
+          </a:fontRef>
+        </p:style>
+        <p:txBody>
+          <a:bodyPr rtlCol="0" anchor="ctr"/>
+          <a:lstStyle/>
+          <a:p>
+            <a:pPr algn="ctr"/>
+            <a:r>
+              <a:rPr lang="en-US" sz="2000" b="1" dirty="0">
+                <a:solidFill>
+                  <a:prstClr val="black"/>
+                </a:solidFill>
+                <a:latin typeface="Calibri" panose="020F0502020204030204"/>
+              </a:rPr>
+              <a:t>1</a:t>
+            </a:r>
+            <a:endParaRPr lang="en-IN" sz="2000" b="1" dirty="0">
+              <a:solidFill>
+                <a:prstClr val="black"/>
+              </a:solidFill>
+              <a:latin typeface="Calibri" panose="020F0502020204030204"/>
+            </a:endParaRPr>
+          </a:p>
+        </p:txBody>
+      </p:sp>
+      <p:sp>
+        <p:nvSpPr>
+          <p:cNvPr id="7" name="Oval 6">
+            <a:extLst>
+              <a:ext uri="{FF2B5EF4-FFF2-40B4-BE49-F238E27FC236}">
+                <a16:creationId xmlns:a16="http://schemas.microsoft.com/office/drawing/2014/main" id="{70593105-077C-4CD5-936C-20031FE25E42}"/>
+              </a:ext>
+            </a:extLst>
+          </p:cNvPr>
+          <p:cNvSpPr>
+            <a:spLocks noChangeAspect="1"/>
+          </p:cNvSpPr>
+          <p:nvPr/>
+        </p:nvSpPr>
+        <p:spPr>
+          <a:xfrm>
+            <a:off x="1697177" y="3251479"/>
+            <a:ext cx="503150" cy="503150"/>
+          </a:xfrm>
+          <a:prstGeom prst="ellipse">
+            <a:avLst/>
+          </a:prstGeom>
+          <a:noFill/>
+          <a:ln w="38100">
+            <a:solidFill>
+              <a:schemeClr val="tx1"/>
+            </a:solidFill>
+          </a:ln>
+        </p:spPr>
+        <p:style>
+          <a:lnRef idx="2">
+            <a:schemeClr val="accent1">
+              <a:shade val="50000"/>
+            </a:schemeClr>
+          </a:lnRef>
+          <a:fillRef idx="1">
+            <a:schemeClr val="accent1"/>
+          </a:fillRef>
+          <a:effectRef idx="0">
+            <a:schemeClr val="accent1"/>
+          </a:effectRef>
+          <a:fontRef idx="minor">
+            <a:schemeClr val="lt1"/>
+          </a:fontRef>
+        </p:style>
+        <p:txBody>
+          <a:bodyPr rtlCol="0" anchor="ctr"/>
+          <a:lstStyle/>
+          <a:p>
+            <a:pPr algn="ctr"/>
+            <a:r>
+              <a:rPr lang="en-US" sz="2000" b="1" dirty="0">
+                <a:solidFill>
+                  <a:prstClr val="black"/>
+                </a:solidFill>
+                <a:latin typeface="Calibri" panose="020F0502020204030204"/>
+              </a:rPr>
+              <a:t>2</a:t>
+            </a:r>
+            <a:endParaRPr lang="en-IN" sz="2000" b="1" dirty="0">
+              <a:solidFill>
+                <a:prstClr val="black"/>
+              </a:solidFill>
+              <a:latin typeface="Calibri" panose="020F0502020204030204"/>
+            </a:endParaRPr>
+          </a:p>
+        </p:txBody>
+      </p:sp>
+      <p:cxnSp>
+        <p:nvCxnSpPr>
+          <p:cNvPr id="8" name="Straight Connector 7">
+            <a:extLst>
+              <a:ext uri="{FF2B5EF4-FFF2-40B4-BE49-F238E27FC236}">
+                <a16:creationId xmlns:a16="http://schemas.microsoft.com/office/drawing/2014/main" id="{11B69B95-DD16-42A8-8719-43DFCFA18D09}"/>
+              </a:ext>
+            </a:extLst>
+          </p:cNvPr>
+          <p:cNvCxnSpPr>
+            <a:cxnSpLocks/>
+            <a:stCxn id="5" idx="3"/>
+            <a:endCxn id="6" idx="7"/>
+          </p:cNvCxnSpPr>
+          <p:nvPr/>
+        </p:nvCxnSpPr>
+        <p:spPr>
+          <a:xfrm flipH="1">
+            <a:off x="3101175" y="1699323"/>
+            <a:ext cx="1507248" cy="438353"/>
+          </a:xfrm>
+          <a:prstGeom prst="line">
+            <a:avLst/>
+          </a:prstGeom>
+          <a:ln w="38100">
+            <a:solidFill>
+              <a:schemeClr val="bg2">
+                <a:lumMod val="90000"/>
+              </a:schemeClr>
+            </a:solidFill>
+          </a:ln>
+        </p:spPr>
+        <p:style>
+          <a:lnRef idx="1">
+            <a:schemeClr val="accent1"/>
+          </a:lnRef>
+          <a:fillRef idx="0">
+            <a:schemeClr val="accent1"/>
+          </a:fillRef>
+          <a:effectRef idx="0">
+            <a:schemeClr val="accent1"/>
+          </a:effectRef>
+          <a:fontRef idx="minor">
+            <a:schemeClr val="tx1"/>
+          </a:fontRef>
+        </p:style>
+      </p:cxnSp>
+      <p:cxnSp>
+        <p:nvCxnSpPr>
+          <p:cNvPr id="9" name="Straight Connector 8">
+            <a:extLst>
+              <a:ext uri="{FF2B5EF4-FFF2-40B4-BE49-F238E27FC236}">
+                <a16:creationId xmlns:a16="http://schemas.microsoft.com/office/drawing/2014/main" id="{969384A7-42A0-4A26-8046-3C89583E9B29}"/>
+              </a:ext>
+            </a:extLst>
+          </p:cNvPr>
+          <p:cNvCxnSpPr>
+            <a:cxnSpLocks/>
+            <a:stCxn id="6" idx="3"/>
+            <a:endCxn id="7" idx="0"/>
+          </p:cNvCxnSpPr>
+          <p:nvPr/>
+        </p:nvCxnSpPr>
+        <p:spPr>
+          <a:xfrm flipH="1">
+            <a:off x="1948752" y="2493456"/>
+            <a:ext cx="796643" cy="758023"/>
+          </a:xfrm>
+          <a:prstGeom prst="line">
+            <a:avLst/>
+          </a:prstGeom>
+          <a:ln w="38100">
+            <a:solidFill>
+              <a:schemeClr val="bg2">
+                <a:lumMod val="90000"/>
+              </a:schemeClr>
+            </a:solidFill>
+          </a:ln>
+        </p:spPr>
+        <p:style>
+          <a:lnRef idx="1">
+            <a:schemeClr val="accent1"/>
+          </a:lnRef>
+          <a:fillRef idx="0">
+            <a:schemeClr val="accent1"/>
+          </a:fillRef>
+          <a:effectRef idx="0">
+            <a:schemeClr val="accent1"/>
+          </a:effectRef>
+          <a:fontRef idx="minor">
+            <a:schemeClr val="tx1"/>
+          </a:fontRef>
+        </p:style>
+      </p:cxnSp>
+      <p:sp>
+        <p:nvSpPr>
+          <p:cNvPr id="10" name="Oval 9">
+            <a:extLst>
+              <a:ext uri="{FF2B5EF4-FFF2-40B4-BE49-F238E27FC236}">
+                <a16:creationId xmlns:a16="http://schemas.microsoft.com/office/drawing/2014/main" id="{05B8F7F1-E5B8-41BA-A287-1066237B9FF0}"/>
+              </a:ext>
+            </a:extLst>
+          </p:cNvPr>
+          <p:cNvSpPr>
+            <a:spLocks noChangeAspect="1"/>
+          </p:cNvSpPr>
+          <p:nvPr/>
+        </p:nvSpPr>
+        <p:spPr>
+          <a:xfrm>
+            <a:off x="3671835" y="3247400"/>
+            <a:ext cx="503150" cy="503150"/>
+          </a:xfrm>
+          <a:prstGeom prst="ellipse">
+            <a:avLst/>
+          </a:prstGeom>
+          <a:noFill/>
+          <a:ln w="38100">
+            <a:solidFill>
+              <a:schemeClr val="tx1"/>
+            </a:solidFill>
+          </a:ln>
+        </p:spPr>
+        <p:style>
+          <a:lnRef idx="2">
+            <a:schemeClr val="accent1">
+              <a:shade val="50000"/>
+            </a:schemeClr>
+          </a:lnRef>
+          <a:fillRef idx="1">
+            <a:schemeClr val="accent1"/>
+          </a:fillRef>
+          <a:effectRef idx="0">
+            <a:schemeClr val="accent1"/>
+          </a:effectRef>
+          <a:fontRef idx="minor">
+            <a:schemeClr val="lt1"/>
+          </a:fontRef>
+        </p:style>
+        <p:txBody>
+          <a:bodyPr rtlCol="0" anchor="ctr"/>
+          <a:lstStyle/>
+          <a:p>
+            <a:pPr algn="ctr"/>
+            <a:r>
+              <a:rPr lang="en-US" sz="2000" b="1" dirty="0">
+                <a:solidFill>
+                  <a:prstClr val="black"/>
+                </a:solidFill>
+                <a:latin typeface="Calibri" panose="020F0502020204030204"/>
+              </a:rPr>
+              <a:t>l</a:t>
+            </a:r>
+            <a:r>
+              <a:rPr lang="en-US" sz="2000" b="1" baseline="-25000" dirty="0">
+                <a:solidFill>
+                  <a:prstClr val="black"/>
+                </a:solidFill>
+                <a:latin typeface="Calibri" panose="020F0502020204030204"/>
+              </a:rPr>
+              <a:t>3</a:t>
+            </a:r>
+            <a:endParaRPr lang="en-IN" sz="1400" baseline="-25000" dirty="0"/>
+          </a:p>
+        </p:txBody>
+      </p:sp>
+      <p:cxnSp>
+        <p:nvCxnSpPr>
+          <p:cNvPr id="11" name="Straight Connector 10">
+            <a:extLst>
+              <a:ext uri="{FF2B5EF4-FFF2-40B4-BE49-F238E27FC236}">
+                <a16:creationId xmlns:a16="http://schemas.microsoft.com/office/drawing/2014/main" id="{8734530F-2937-4F56-B68F-097FD44A3723}"/>
+              </a:ext>
+            </a:extLst>
+          </p:cNvPr>
+          <p:cNvCxnSpPr>
+            <a:cxnSpLocks/>
+            <a:stCxn id="6" idx="5"/>
+            <a:endCxn id="10" idx="0"/>
+          </p:cNvCxnSpPr>
+          <p:nvPr/>
+        </p:nvCxnSpPr>
+        <p:spPr>
+          <a:xfrm>
+            <a:off x="3101175" y="2493456"/>
+            <a:ext cx="822235" cy="753944"/>
+          </a:xfrm>
+          <a:prstGeom prst="line">
+            <a:avLst/>
+          </a:prstGeom>
+          <a:ln w="38100">
+            <a:solidFill>
+              <a:schemeClr val="bg2">
+                <a:lumMod val="90000"/>
+              </a:schemeClr>
+            </a:solidFill>
+          </a:ln>
+        </p:spPr>
+        <p:style>
+          <a:lnRef idx="1">
+            <a:schemeClr val="accent1"/>
+          </a:lnRef>
+          <a:fillRef idx="0">
+            <a:schemeClr val="accent1"/>
+          </a:fillRef>
+          <a:effectRef idx="0">
+            <a:schemeClr val="accent1"/>
+          </a:effectRef>
+          <a:fontRef idx="minor">
+            <a:schemeClr val="tx1"/>
+          </a:fontRef>
+        </p:style>
+      </p:cxnSp>
+      <p:sp>
+        <p:nvSpPr>
+          <p:cNvPr id="20" name="Oval 19">
+            <a:extLst>
+              <a:ext uri="{FF2B5EF4-FFF2-40B4-BE49-F238E27FC236}">
+                <a16:creationId xmlns:a16="http://schemas.microsoft.com/office/drawing/2014/main" id="{9AE2D35E-CEDA-4EF3-AB04-CCB301B5331C}"/>
+              </a:ext>
+            </a:extLst>
+          </p:cNvPr>
+          <p:cNvSpPr>
+            <a:spLocks noChangeAspect="1"/>
+          </p:cNvSpPr>
+          <p:nvPr/>
+        </p:nvSpPr>
+        <p:spPr>
+          <a:xfrm>
+            <a:off x="967049" y="4322992"/>
+            <a:ext cx="503150" cy="503150"/>
+          </a:xfrm>
+          <a:prstGeom prst="ellipse">
+            <a:avLst/>
+          </a:prstGeom>
+          <a:noFill/>
+          <a:ln w="38100">
+            <a:solidFill>
+              <a:schemeClr val="tx1"/>
+            </a:solidFill>
+          </a:ln>
+        </p:spPr>
+        <p:style>
+          <a:lnRef idx="2">
+            <a:schemeClr val="accent1">
+              <a:shade val="50000"/>
+            </a:schemeClr>
+          </a:lnRef>
+          <a:fillRef idx="1">
+            <a:schemeClr val="accent1"/>
+          </a:fillRef>
+          <a:effectRef idx="0">
+            <a:schemeClr val="accent1"/>
+          </a:effectRef>
+          <a:fontRef idx="minor">
+            <a:schemeClr val="lt1"/>
+          </a:fontRef>
+        </p:style>
+        <p:txBody>
+          <a:bodyPr rtlCol="0" anchor="ctr"/>
+          <a:lstStyle/>
+          <a:p>
+            <a:pPr algn="ctr"/>
+            <a:r>
+              <a:rPr lang="en-US" sz="2000" b="1" dirty="0">
+                <a:solidFill>
+                  <a:prstClr val="black"/>
+                </a:solidFill>
+                <a:latin typeface="Calibri" panose="020F0502020204030204"/>
+              </a:rPr>
+              <a:t>l</a:t>
+            </a:r>
+            <a:r>
+              <a:rPr lang="en-US" sz="2000" b="1" baseline="-25000" dirty="0">
+                <a:solidFill>
+                  <a:prstClr val="black"/>
+                </a:solidFill>
+                <a:latin typeface="Calibri" panose="020F0502020204030204"/>
+              </a:rPr>
+              <a:t>1</a:t>
+            </a:r>
+            <a:endParaRPr lang="en-IN" sz="1400" baseline="-25000" dirty="0"/>
+          </a:p>
+        </p:txBody>
+      </p:sp>
+      <p:cxnSp>
+        <p:nvCxnSpPr>
+          <p:cNvPr id="21" name="Straight Connector 20">
+            <a:extLst>
+              <a:ext uri="{FF2B5EF4-FFF2-40B4-BE49-F238E27FC236}">
+                <a16:creationId xmlns:a16="http://schemas.microsoft.com/office/drawing/2014/main" id="{D304E2D1-CA82-47D1-A903-A9CF0345045C}"/>
+              </a:ext>
+            </a:extLst>
+          </p:cNvPr>
+          <p:cNvCxnSpPr>
+            <a:cxnSpLocks/>
+            <a:stCxn id="7" idx="3"/>
+            <a:endCxn id="20" idx="0"/>
+          </p:cNvCxnSpPr>
+          <p:nvPr/>
+        </p:nvCxnSpPr>
+        <p:spPr>
+          <a:xfrm flipH="1">
+            <a:off x="1218624" y="3680944"/>
+            <a:ext cx="552238" cy="642048"/>
+          </a:xfrm>
+          <a:prstGeom prst="line">
+            <a:avLst/>
+          </a:prstGeom>
+          <a:ln w="38100">
+            <a:solidFill>
+              <a:schemeClr val="bg2">
+                <a:lumMod val="90000"/>
+              </a:schemeClr>
+            </a:solidFill>
+          </a:ln>
+        </p:spPr>
+        <p:style>
+          <a:lnRef idx="1">
+            <a:schemeClr val="accent1"/>
+          </a:lnRef>
+          <a:fillRef idx="0">
+            <a:schemeClr val="accent1"/>
+          </a:fillRef>
+          <a:effectRef idx="0">
+            <a:schemeClr val="accent1"/>
+          </a:effectRef>
+          <a:fontRef idx="minor">
+            <a:schemeClr val="tx1"/>
+          </a:fontRef>
+        </p:style>
+      </p:cxnSp>
+      <p:sp>
+        <p:nvSpPr>
+          <p:cNvPr id="12" name="Oval 11">
+            <a:extLst>
+              <a:ext uri="{FF2B5EF4-FFF2-40B4-BE49-F238E27FC236}">
+                <a16:creationId xmlns:a16="http://schemas.microsoft.com/office/drawing/2014/main" id="{61787934-1776-47B1-9A82-88D991D01AB8}"/>
+              </a:ext>
+            </a:extLst>
+          </p:cNvPr>
+          <p:cNvSpPr>
+            <a:spLocks noChangeAspect="1"/>
+          </p:cNvSpPr>
+          <p:nvPr/>
+        </p:nvSpPr>
+        <p:spPr>
+          <a:xfrm>
+            <a:off x="2322370" y="4322992"/>
+            <a:ext cx="503150" cy="503150"/>
+          </a:xfrm>
+          <a:prstGeom prst="ellipse">
+            <a:avLst/>
+          </a:prstGeom>
+          <a:noFill/>
+          <a:ln w="38100">
+            <a:solidFill>
+              <a:schemeClr val="tx1"/>
+            </a:solidFill>
+          </a:ln>
+        </p:spPr>
+        <p:style>
+          <a:lnRef idx="2">
+            <a:schemeClr val="accent1">
+              <a:shade val="50000"/>
+            </a:schemeClr>
+          </a:lnRef>
+          <a:fillRef idx="1">
+            <a:schemeClr val="accent1"/>
+          </a:fillRef>
+          <a:effectRef idx="0">
+            <a:schemeClr val="accent1"/>
+          </a:effectRef>
+          <a:fontRef idx="minor">
+            <a:schemeClr val="lt1"/>
+          </a:fontRef>
+        </p:style>
+        <p:txBody>
+          <a:bodyPr rtlCol="0" anchor="ctr"/>
+          <a:lstStyle/>
+          <a:p>
+            <a:pPr algn="ctr"/>
+            <a:r>
+              <a:rPr lang="en-US" sz="2000" b="1" dirty="0">
+                <a:solidFill>
+                  <a:prstClr val="black"/>
+                </a:solidFill>
+                <a:latin typeface="Calibri" panose="020F0502020204030204"/>
+              </a:rPr>
+              <a:t>l</a:t>
+            </a:r>
+            <a:r>
+              <a:rPr lang="en-US" sz="2000" b="1" baseline="-25000" dirty="0">
+                <a:solidFill>
+                  <a:prstClr val="black"/>
+                </a:solidFill>
+                <a:latin typeface="Calibri" panose="020F0502020204030204"/>
+              </a:rPr>
+              <a:t>2</a:t>
+            </a:r>
+            <a:endParaRPr lang="en-IN" sz="1400" baseline="-25000" dirty="0"/>
+          </a:p>
+        </p:txBody>
+      </p:sp>
+      <p:cxnSp>
+        <p:nvCxnSpPr>
+          <p:cNvPr id="13" name="Straight Connector 12">
+            <a:extLst>
+              <a:ext uri="{FF2B5EF4-FFF2-40B4-BE49-F238E27FC236}">
+                <a16:creationId xmlns:a16="http://schemas.microsoft.com/office/drawing/2014/main" id="{472B5577-D041-42C4-B6C5-CA9A7A8E4E61}"/>
+              </a:ext>
+            </a:extLst>
+          </p:cNvPr>
+          <p:cNvCxnSpPr>
+            <a:cxnSpLocks/>
+            <a:stCxn id="7" idx="5"/>
+            <a:endCxn id="12" idx="0"/>
+          </p:cNvCxnSpPr>
+          <p:nvPr/>
+        </p:nvCxnSpPr>
+        <p:spPr>
+          <a:xfrm>
+            <a:off x="2126642" y="3680944"/>
+            <a:ext cx="447303" cy="642048"/>
+          </a:xfrm>
+          <a:prstGeom prst="line">
+            <a:avLst/>
+          </a:prstGeom>
+          <a:ln w="38100">
+            <a:solidFill>
+              <a:schemeClr val="bg2">
+                <a:lumMod val="90000"/>
+              </a:schemeClr>
+            </a:solidFill>
+          </a:ln>
+        </p:spPr>
+        <p:style>
+          <a:lnRef idx="1">
+            <a:schemeClr val="accent1"/>
+          </a:lnRef>
+          <a:fillRef idx="0">
+            <a:schemeClr val="accent1"/>
+          </a:fillRef>
+          <a:effectRef idx="0">
+            <a:schemeClr val="accent1"/>
+          </a:effectRef>
+          <a:fontRef idx="minor">
+            <a:schemeClr val="tx1"/>
+          </a:fontRef>
+        </p:style>
+      </p:cxnSp>
+      <p:cxnSp>
+        <p:nvCxnSpPr>
+          <p:cNvPr id="22" name="Straight Connector 21">
+            <a:extLst>
+              <a:ext uri="{FF2B5EF4-FFF2-40B4-BE49-F238E27FC236}">
+                <a16:creationId xmlns:a16="http://schemas.microsoft.com/office/drawing/2014/main" id="{6F00F4E0-5EA4-4367-A57B-717789CC8805}"/>
+              </a:ext>
+            </a:extLst>
+          </p:cNvPr>
+          <p:cNvCxnSpPr>
+            <a:cxnSpLocks/>
+            <a:stCxn id="5" idx="5"/>
+            <a:endCxn id="23" idx="0"/>
+          </p:cNvCxnSpPr>
+          <p:nvPr/>
+        </p:nvCxnSpPr>
+        <p:spPr>
+          <a:xfrm>
+            <a:off x="4964203" y="1699323"/>
+            <a:ext cx="1378557" cy="364668"/>
+          </a:xfrm>
+          <a:prstGeom prst="line">
+            <a:avLst/>
+          </a:prstGeom>
+          <a:ln w="38100">
+            <a:solidFill>
+              <a:schemeClr val="bg2">
+                <a:lumMod val="90000"/>
+              </a:schemeClr>
+            </a:solidFill>
+          </a:ln>
+        </p:spPr>
+        <p:style>
+          <a:lnRef idx="1">
+            <a:schemeClr val="accent1"/>
+          </a:lnRef>
+          <a:fillRef idx="0">
+            <a:schemeClr val="accent1"/>
+          </a:fillRef>
+          <a:effectRef idx="0">
+            <a:schemeClr val="accent1"/>
+          </a:effectRef>
+          <a:fontRef idx="minor">
+            <a:schemeClr val="tx1"/>
+          </a:fontRef>
+        </p:style>
+      </p:cxnSp>
+      <p:sp>
+        <p:nvSpPr>
+          <p:cNvPr id="23" name="Oval 22">
+            <a:extLst>
+              <a:ext uri="{FF2B5EF4-FFF2-40B4-BE49-F238E27FC236}">
+                <a16:creationId xmlns:a16="http://schemas.microsoft.com/office/drawing/2014/main" id="{97C7316D-B5DB-400A-B88F-F63FD56289C2}"/>
+              </a:ext>
+            </a:extLst>
+          </p:cNvPr>
+          <p:cNvSpPr>
+            <a:spLocks noChangeAspect="1"/>
+          </p:cNvSpPr>
+          <p:nvPr/>
+        </p:nvSpPr>
+        <p:spPr>
+          <a:xfrm>
+            <a:off x="6091185" y="2063991"/>
+            <a:ext cx="503150" cy="503150"/>
+          </a:xfrm>
+          <a:prstGeom prst="ellipse">
+            <a:avLst/>
+          </a:prstGeom>
+          <a:noFill/>
+          <a:ln w="38100">
+            <a:solidFill>
+              <a:schemeClr val="tx1"/>
+            </a:solidFill>
+          </a:ln>
+        </p:spPr>
+        <p:style>
+          <a:lnRef idx="2">
+            <a:schemeClr val="accent1">
+              <a:shade val="50000"/>
+            </a:schemeClr>
+          </a:lnRef>
+          <a:fillRef idx="1">
+            <a:schemeClr val="accent1"/>
+          </a:fillRef>
+          <a:effectRef idx="0">
+            <a:schemeClr val="accent1"/>
+          </a:effectRef>
+          <a:fontRef idx="minor">
+            <a:schemeClr val="lt1"/>
+          </a:fontRef>
+        </p:style>
+        <p:txBody>
+          <a:bodyPr rtlCol="0" anchor="ctr"/>
+          <a:lstStyle/>
+          <a:p>
+            <a:pPr algn="ctr"/>
+            <a:r>
+              <a:rPr lang="en-US" sz="2000" b="1" dirty="0">
+                <a:solidFill>
+                  <a:prstClr val="black"/>
+                </a:solidFill>
+                <a:latin typeface="Calibri" panose="020F0502020204030204"/>
+              </a:rPr>
+              <a:t>0</a:t>
+            </a:r>
+            <a:endParaRPr lang="en-IN" sz="2000" b="1" dirty="0">
+              <a:solidFill>
+                <a:prstClr val="black"/>
+              </a:solidFill>
+              <a:latin typeface="Calibri" panose="020F0502020204030204"/>
+            </a:endParaRPr>
+          </a:p>
+        </p:txBody>
+      </p:sp>
+      <p:sp>
+        <p:nvSpPr>
+          <p:cNvPr id="24" name="Oval 23">
+            <a:extLst>
+              <a:ext uri="{FF2B5EF4-FFF2-40B4-BE49-F238E27FC236}">
+                <a16:creationId xmlns:a16="http://schemas.microsoft.com/office/drawing/2014/main" id="{3EEC87DB-322F-4762-8F0A-78F2F089E578}"/>
+              </a:ext>
+            </a:extLst>
+          </p:cNvPr>
+          <p:cNvSpPr>
+            <a:spLocks noChangeAspect="1"/>
+          </p:cNvSpPr>
+          <p:nvPr/>
+        </p:nvSpPr>
+        <p:spPr>
+          <a:xfrm>
+            <a:off x="5135702" y="3251479"/>
+            <a:ext cx="503150" cy="503150"/>
+          </a:xfrm>
+          <a:prstGeom prst="ellipse">
+            <a:avLst/>
+          </a:prstGeom>
+          <a:noFill/>
+          <a:ln w="38100">
+            <a:solidFill>
+              <a:schemeClr val="tx1"/>
+            </a:solidFill>
+          </a:ln>
+        </p:spPr>
+        <p:style>
+          <a:lnRef idx="2">
+            <a:schemeClr val="accent1">
+              <a:shade val="50000"/>
+            </a:schemeClr>
+          </a:lnRef>
+          <a:fillRef idx="1">
+            <a:schemeClr val="accent1"/>
+          </a:fillRef>
+          <a:effectRef idx="0">
+            <a:schemeClr val="accent1"/>
+          </a:effectRef>
+          <a:fontRef idx="minor">
+            <a:schemeClr val="lt1"/>
+          </a:fontRef>
+        </p:style>
+        <p:txBody>
+          <a:bodyPr rtlCol="0" anchor="ctr"/>
+          <a:lstStyle/>
+          <a:p>
+            <a:pPr algn="ctr"/>
+            <a:r>
+              <a:rPr lang="en-US" sz="2000" b="1" dirty="0">
+                <a:solidFill>
+                  <a:prstClr val="black"/>
+                </a:solidFill>
+                <a:latin typeface="Calibri" panose="020F0502020204030204"/>
+              </a:rPr>
+              <a:t>1</a:t>
+            </a:r>
+            <a:endParaRPr lang="en-IN" sz="2000" b="1" dirty="0">
+              <a:solidFill>
+                <a:prstClr val="black"/>
+              </a:solidFill>
+              <a:latin typeface="Calibri" panose="020F0502020204030204"/>
+            </a:endParaRPr>
+          </a:p>
+        </p:txBody>
+      </p:sp>
+      <p:cxnSp>
+        <p:nvCxnSpPr>
+          <p:cNvPr id="25" name="Straight Connector 24">
+            <a:extLst>
+              <a:ext uri="{FF2B5EF4-FFF2-40B4-BE49-F238E27FC236}">
+                <a16:creationId xmlns:a16="http://schemas.microsoft.com/office/drawing/2014/main" id="{319F75DB-E2C5-4BEB-BB3E-19891C69C08F}"/>
+              </a:ext>
+            </a:extLst>
+          </p:cNvPr>
+          <p:cNvCxnSpPr>
+            <a:cxnSpLocks/>
+            <a:stCxn id="23" idx="3"/>
+            <a:endCxn id="24" idx="0"/>
+          </p:cNvCxnSpPr>
+          <p:nvPr/>
+        </p:nvCxnSpPr>
+        <p:spPr>
+          <a:xfrm flipH="1">
+            <a:off x="5387277" y="2493456"/>
+            <a:ext cx="777593" cy="758023"/>
+          </a:xfrm>
+          <a:prstGeom prst="line">
+            <a:avLst/>
+          </a:prstGeom>
+          <a:ln w="38100">
+            <a:solidFill>
+              <a:schemeClr val="bg2">
+                <a:lumMod val="90000"/>
+              </a:schemeClr>
+            </a:solidFill>
+          </a:ln>
+        </p:spPr>
+        <p:style>
+          <a:lnRef idx="1">
+            <a:schemeClr val="accent1"/>
+          </a:lnRef>
+          <a:fillRef idx="0">
+            <a:schemeClr val="accent1"/>
+          </a:fillRef>
+          <a:effectRef idx="0">
+            <a:schemeClr val="accent1"/>
+          </a:effectRef>
+          <a:fontRef idx="minor">
+            <a:schemeClr val="tx1"/>
+          </a:fontRef>
+        </p:style>
+      </p:cxnSp>
+      <p:cxnSp>
+        <p:nvCxnSpPr>
+          <p:cNvPr id="27" name="Straight Connector 26">
+            <a:extLst>
+              <a:ext uri="{FF2B5EF4-FFF2-40B4-BE49-F238E27FC236}">
+                <a16:creationId xmlns:a16="http://schemas.microsoft.com/office/drawing/2014/main" id="{D4823082-10E5-4063-8D02-FB0EBCD35DBD}"/>
+              </a:ext>
+            </a:extLst>
+          </p:cNvPr>
+          <p:cNvCxnSpPr>
+            <a:cxnSpLocks/>
+            <a:stCxn id="23" idx="5"/>
+            <a:endCxn id="26" idx="0"/>
+          </p:cNvCxnSpPr>
+          <p:nvPr/>
+        </p:nvCxnSpPr>
+        <p:spPr>
+          <a:xfrm>
+            <a:off x="6520650" y="2493456"/>
+            <a:ext cx="936535" cy="753944"/>
+          </a:xfrm>
+          <a:prstGeom prst="line">
+            <a:avLst/>
+          </a:prstGeom>
+          <a:ln w="38100">
+            <a:solidFill>
+              <a:schemeClr val="bg2">
+                <a:lumMod val="90000"/>
+              </a:schemeClr>
+            </a:solidFill>
+          </a:ln>
+        </p:spPr>
+        <p:style>
+          <a:lnRef idx="1">
+            <a:schemeClr val="accent1"/>
+          </a:lnRef>
+          <a:fillRef idx="0">
+            <a:schemeClr val="accent1"/>
+          </a:fillRef>
+          <a:effectRef idx="0">
+            <a:schemeClr val="accent1"/>
+          </a:effectRef>
+          <a:fontRef idx="minor">
+            <a:schemeClr val="tx1"/>
+          </a:fontRef>
+        </p:style>
+      </p:cxnSp>
+      <p:sp>
+        <p:nvSpPr>
+          <p:cNvPr id="33" name="Oval 32">
+            <a:extLst>
+              <a:ext uri="{FF2B5EF4-FFF2-40B4-BE49-F238E27FC236}">
+                <a16:creationId xmlns:a16="http://schemas.microsoft.com/office/drawing/2014/main" id="{B35F63D9-DB4B-4D10-871A-1A1EF72033AA}"/>
+              </a:ext>
+            </a:extLst>
+          </p:cNvPr>
+          <p:cNvSpPr>
+            <a:spLocks noChangeAspect="1"/>
+          </p:cNvSpPr>
+          <p:nvPr/>
+        </p:nvSpPr>
+        <p:spPr>
+          <a:xfrm>
+            <a:off x="4424624" y="4322992"/>
+            <a:ext cx="503150" cy="503150"/>
+          </a:xfrm>
+          <a:prstGeom prst="ellipse">
+            <a:avLst/>
+          </a:prstGeom>
+          <a:noFill/>
+          <a:ln w="38100">
+            <a:solidFill>
+              <a:schemeClr val="tx1"/>
+            </a:solidFill>
+          </a:ln>
+        </p:spPr>
+        <p:style>
+          <a:lnRef idx="2">
+            <a:schemeClr val="accent1">
+              <a:shade val="50000"/>
+            </a:schemeClr>
+          </a:lnRef>
+          <a:fillRef idx="1">
+            <a:schemeClr val="accent1"/>
+          </a:fillRef>
+          <a:effectRef idx="0">
+            <a:schemeClr val="accent1"/>
+          </a:effectRef>
+          <a:fontRef idx="minor">
+            <a:schemeClr val="lt1"/>
+          </a:fontRef>
+        </p:style>
+        <p:txBody>
+          <a:bodyPr rtlCol="0" anchor="ctr"/>
+          <a:lstStyle/>
+          <a:p>
+            <a:pPr algn="ctr"/>
+            <a:r>
+              <a:rPr lang="en-US" sz="2000" b="1" dirty="0">
+                <a:solidFill>
+                  <a:prstClr val="black"/>
+                </a:solidFill>
+                <a:latin typeface="Calibri" panose="020F0502020204030204"/>
+              </a:rPr>
+              <a:t>l</a:t>
+            </a:r>
+            <a:r>
+              <a:rPr lang="en-US" sz="2000" b="1" baseline="-25000" dirty="0">
+                <a:solidFill>
+                  <a:prstClr val="black"/>
+                </a:solidFill>
+                <a:latin typeface="Calibri" panose="020F0502020204030204"/>
+              </a:rPr>
+              <a:t>4</a:t>
+            </a:r>
+            <a:endParaRPr lang="en-IN" sz="1400" baseline="-25000" dirty="0"/>
+          </a:p>
+        </p:txBody>
+      </p:sp>
+      <p:cxnSp>
+        <p:nvCxnSpPr>
+          <p:cNvPr id="34" name="Straight Connector 33">
+            <a:extLst>
+              <a:ext uri="{FF2B5EF4-FFF2-40B4-BE49-F238E27FC236}">
+                <a16:creationId xmlns:a16="http://schemas.microsoft.com/office/drawing/2014/main" id="{1E00399F-F557-481C-B7AB-EE04A35753BB}"/>
+              </a:ext>
+            </a:extLst>
+          </p:cNvPr>
+          <p:cNvCxnSpPr>
+            <a:cxnSpLocks/>
+            <a:stCxn id="24" idx="3"/>
+            <a:endCxn id="33" idx="0"/>
+          </p:cNvCxnSpPr>
+          <p:nvPr/>
+        </p:nvCxnSpPr>
+        <p:spPr>
+          <a:xfrm flipH="1">
+            <a:off x="4676199" y="3680944"/>
+            <a:ext cx="533188" cy="642048"/>
+          </a:xfrm>
+          <a:prstGeom prst="line">
+            <a:avLst/>
+          </a:prstGeom>
+          <a:ln w="38100">
+            <a:solidFill>
+              <a:schemeClr val="bg2">
+                <a:lumMod val="90000"/>
+              </a:schemeClr>
+            </a:solidFill>
+          </a:ln>
+        </p:spPr>
+        <p:style>
+          <a:lnRef idx="1">
+            <a:schemeClr val="accent1"/>
+          </a:lnRef>
+          <a:fillRef idx="0">
+            <a:schemeClr val="accent1"/>
+          </a:fillRef>
+          <a:effectRef idx="0">
+            <a:schemeClr val="accent1"/>
+          </a:effectRef>
+          <a:fontRef idx="minor">
+            <a:schemeClr val="tx1"/>
+          </a:fontRef>
+        </p:style>
+      </p:cxnSp>
+      <p:sp>
+        <p:nvSpPr>
+          <p:cNvPr id="35" name="Oval 34">
+            <a:extLst>
+              <a:ext uri="{FF2B5EF4-FFF2-40B4-BE49-F238E27FC236}">
+                <a16:creationId xmlns:a16="http://schemas.microsoft.com/office/drawing/2014/main" id="{634B2D6B-9E86-4541-8140-4B9FB4A9F7DD}"/>
+              </a:ext>
+            </a:extLst>
+          </p:cNvPr>
+          <p:cNvSpPr>
+            <a:spLocks noChangeAspect="1"/>
+          </p:cNvSpPr>
+          <p:nvPr/>
+        </p:nvSpPr>
+        <p:spPr>
+          <a:xfrm>
+            <a:off x="5789470" y="4322992"/>
+            <a:ext cx="503150" cy="503150"/>
+          </a:xfrm>
+          <a:prstGeom prst="ellipse">
+            <a:avLst/>
+          </a:prstGeom>
+          <a:noFill/>
+          <a:ln w="38100">
+            <a:solidFill>
+              <a:schemeClr val="tx1"/>
+            </a:solidFill>
+          </a:ln>
+        </p:spPr>
+        <p:style>
+          <a:lnRef idx="2">
+            <a:schemeClr val="accent1">
+              <a:shade val="50000"/>
+            </a:schemeClr>
+          </a:lnRef>
+          <a:fillRef idx="1">
+            <a:schemeClr val="accent1"/>
+          </a:fillRef>
+          <a:effectRef idx="0">
+            <a:schemeClr val="accent1"/>
+          </a:effectRef>
+          <a:fontRef idx="minor">
+            <a:schemeClr val="lt1"/>
+          </a:fontRef>
+        </p:style>
+        <p:txBody>
+          <a:bodyPr rtlCol="0" anchor="ctr"/>
+          <a:lstStyle/>
+          <a:p>
+            <a:pPr algn="ctr"/>
+            <a:r>
+              <a:rPr lang="en-US" sz="2000" b="1" dirty="0">
+                <a:solidFill>
+                  <a:prstClr val="black"/>
+                </a:solidFill>
+                <a:latin typeface="Calibri" panose="020F0502020204030204"/>
+              </a:rPr>
+              <a:t>l</a:t>
+            </a:r>
+            <a:r>
+              <a:rPr lang="en-US" sz="2000" b="1" baseline="-25000" dirty="0">
+                <a:solidFill>
+                  <a:prstClr val="black"/>
+                </a:solidFill>
+                <a:latin typeface="Calibri" panose="020F0502020204030204"/>
+              </a:rPr>
+              <a:t>5</a:t>
+            </a:r>
+            <a:endParaRPr lang="en-IN" sz="1400" baseline="-25000" dirty="0"/>
+          </a:p>
+        </p:txBody>
+      </p:sp>
+      <p:cxnSp>
+        <p:nvCxnSpPr>
+          <p:cNvPr id="36" name="Straight Connector 35">
+            <a:extLst>
+              <a:ext uri="{FF2B5EF4-FFF2-40B4-BE49-F238E27FC236}">
+                <a16:creationId xmlns:a16="http://schemas.microsoft.com/office/drawing/2014/main" id="{C2A8E1C3-B711-4828-BB5F-63B841A050D6}"/>
+              </a:ext>
+            </a:extLst>
+          </p:cNvPr>
+          <p:cNvCxnSpPr>
+            <a:cxnSpLocks/>
+            <a:stCxn id="24" idx="5"/>
+            <a:endCxn id="35" idx="0"/>
+          </p:cNvCxnSpPr>
+          <p:nvPr/>
+        </p:nvCxnSpPr>
+        <p:spPr>
+          <a:xfrm>
+            <a:off x="5565167" y="3680944"/>
+            <a:ext cx="475878" cy="642048"/>
+          </a:xfrm>
+          <a:prstGeom prst="line">
+            <a:avLst/>
+          </a:prstGeom>
+          <a:ln w="38100">
+            <a:solidFill>
+              <a:schemeClr val="bg2">
+                <a:lumMod val="90000"/>
+              </a:schemeClr>
+            </a:solidFill>
+          </a:ln>
+        </p:spPr>
+        <p:style>
+          <a:lnRef idx="1">
+            <a:schemeClr val="accent1"/>
+          </a:lnRef>
+          <a:fillRef idx="0">
+            <a:schemeClr val="accent1"/>
+          </a:fillRef>
+          <a:effectRef idx="0">
+            <a:schemeClr val="accent1"/>
+          </a:effectRef>
+          <a:fontRef idx="minor">
+            <a:schemeClr val="tx1"/>
+          </a:fontRef>
+        </p:style>
+      </p:cxnSp>
+      <p:sp>
+        <p:nvSpPr>
+          <p:cNvPr id="39" name="Oval 38">
+            <a:extLst>
+              <a:ext uri="{FF2B5EF4-FFF2-40B4-BE49-F238E27FC236}">
+                <a16:creationId xmlns:a16="http://schemas.microsoft.com/office/drawing/2014/main" id="{06AAD07B-4702-4E18-8F5E-3DD3B789B64D}"/>
+              </a:ext>
+            </a:extLst>
+          </p:cNvPr>
+          <p:cNvSpPr>
+            <a:spLocks noChangeAspect="1"/>
+          </p:cNvSpPr>
+          <p:nvPr/>
+        </p:nvSpPr>
+        <p:spPr>
+          <a:xfrm>
+            <a:off x="6501074" y="4322992"/>
+            <a:ext cx="503150" cy="503150"/>
+          </a:xfrm>
+          <a:prstGeom prst="ellipse">
+            <a:avLst/>
+          </a:prstGeom>
+          <a:noFill/>
+          <a:ln w="38100">
+            <a:solidFill>
+              <a:schemeClr val="tx1"/>
+            </a:solidFill>
+          </a:ln>
+        </p:spPr>
+        <p:style>
+          <a:lnRef idx="2">
+            <a:schemeClr val="accent1">
+              <a:shade val="50000"/>
+            </a:schemeClr>
+          </a:lnRef>
+          <a:fillRef idx="1">
+            <a:schemeClr val="accent1"/>
+          </a:fillRef>
+          <a:effectRef idx="0">
+            <a:schemeClr val="accent1"/>
+          </a:effectRef>
+          <a:fontRef idx="minor">
+            <a:schemeClr val="lt1"/>
+          </a:fontRef>
+        </p:style>
+        <p:txBody>
+          <a:bodyPr rtlCol="0" anchor="ctr"/>
+          <a:lstStyle/>
+          <a:p>
+            <a:pPr algn="ctr"/>
+            <a:r>
+              <a:rPr lang="en-US" sz="2000" b="1" dirty="0">
+                <a:solidFill>
+                  <a:prstClr val="black"/>
+                </a:solidFill>
+                <a:latin typeface="Calibri" panose="020F0502020204030204"/>
+              </a:rPr>
+              <a:t>l</a:t>
+            </a:r>
+            <a:r>
+              <a:rPr lang="en-US" sz="2000" b="1" baseline="-25000" dirty="0">
+                <a:solidFill>
+                  <a:prstClr val="black"/>
+                </a:solidFill>
+                <a:latin typeface="Calibri" panose="020F0502020204030204"/>
+              </a:rPr>
+              <a:t>6</a:t>
+            </a:r>
+            <a:endParaRPr lang="en-IN" sz="1400" baseline="-25000" dirty="0"/>
+          </a:p>
+        </p:txBody>
+      </p:sp>
+      <p:cxnSp>
+        <p:nvCxnSpPr>
+          <p:cNvPr id="40" name="Straight Connector 39">
+            <a:extLst>
+              <a:ext uri="{FF2B5EF4-FFF2-40B4-BE49-F238E27FC236}">
+                <a16:creationId xmlns:a16="http://schemas.microsoft.com/office/drawing/2014/main" id="{F3AB8360-D6E0-45F7-AEED-5A7540429710}"/>
+              </a:ext>
+            </a:extLst>
+          </p:cNvPr>
+          <p:cNvCxnSpPr>
+            <a:cxnSpLocks/>
+            <a:endCxn id="39" idx="0"/>
+          </p:cNvCxnSpPr>
+          <p:nvPr/>
+        </p:nvCxnSpPr>
+        <p:spPr>
+          <a:xfrm flipH="1">
+            <a:off x="6752649" y="3453092"/>
+            <a:ext cx="637393" cy="869900"/>
+          </a:xfrm>
+          <a:prstGeom prst="line">
+            <a:avLst/>
+          </a:prstGeom>
+          <a:ln w="38100">
+            <a:solidFill>
+              <a:schemeClr val="bg2">
+                <a:lumMod val="90000"/>
+              </a:schemeClr>
+            </a:solidFill>
+          </a:ln>
+        </p:spPr>
+        <p:style>
+          <a:lnRef idx="1">
+            <a:schemeClr val="accent1"/>
+          </a:lnRef>
+          <a:fillRef idx="0">
+            <a:schemeClr val="accent1"/>
+          </a:fillRef>
+          <a:effectRef idx="0">
+            <a:schemeClr val="accent1"/>
+          </a:effectRef>
+          <a:fontRef idx="minor">
+            <a:schemeClr val="tx1"/>
+          </a:fontRef>
+        </p:style>
+      </p:cxnSp>
+      <p:sp>
+        <p:nvSpPr>
+          <p:cNvPr id="41" name="Oval 40">
+            <a:extLst>
+              <a:ext uri="{FF2B5EF4-FFF2-40B4-BE49-F238E27FC236}">
+                <a16:creationId xmlns:a16="http://schemas.microsoft.com/office/drawing/2014/main" id="{E16550BF-4E2C-4633-B77A-BE0875108AAE}"/>
+              </a:ext>
+            </a:extLst>
+          </p:cNvPr>
+          <p:cNvSpPr>
+            <a:spLocks noChangeAspect="1"/>
+          </p:cNvSpPr>
+          <p:nvPr/>
+        </p:nvSpPr>
+        <p:spPr>
+          <a:xfrm>
+            <a:off x="7865920" y="4322992"/>
+            <a:ext cx="503150" cy="503150"/>
+          </a:xfrm>
+          <a:prstGeom prst="ellipse">
+            <a:avLst/>
+          </a:prstGeom>
+          <a:noFill/>
+          <a:ln w="38100">
+            <a:solidFill>
+              <a:schemeClr val="tx1"/>
+            </a:solidFill>
+          </a:ln>
+        </p:spPr>
+        <p:style>
+          <a:lnRef idx="2">
+            <a:schemeClr val="accent1">
+              <a:shade val="50000"/>
+            </a:schemeClr>
+          </a:lnRef>
+          <a:fillRef idx="1">
+            <a:schemeClr val="accent1"/>
+          </a:fillRef>
+          <a:effectRef idx="0">
+            <a:schemeClr val="accent1"/>
+          </a:effectRef>
+          <a:fontRef idx="minor">
+            <a:schemeClr val="lt1"/>
+          </a:fontRef>
+        </p:style>
+        <p:txBody>
+          <a:bodyPr rtlCol="0" anchor="ctr"/>
+          <a:lstStyle/>
+          <a:p>
+            <a:pPr algn="ctr"/>
+            <a:r>
+              <a:rPr lang="en-US" sz="2000" b="1" dirty="0">
+                <a:solidFill>
+                  <a:prstClr val="black"/>
+                </a:solidFill>
+                <a:latin typeface="Calibri" panose="020F0502020204030204"/>
+              </a:rPr>
+              <a:t>l</a:t>
+            </a:r>
+            <a:r>
+              <a:rPr lang="en-US" sz="2000" b="1" baseline="-25000" dirty="0">
+                <a:solidFill>
+                  <a:prstClr val="black"/>
+                </a:solidFill>
+                <a:latin typeface="Calibri" panose="020F0502020204030204"/>
+              </a:rPr>
+              <a:t>7</a:t>
+            </a:r>
+            <a:endParaRPr lang="en-IN" sz="1400" baseline="-25000" dirty="0"/>
+          </a:p>
+        </p:txBody>
+      </p:sp>
+      <p:cxnSp>
+        <p:nvCxnSpPr>
+          <p:cNvPr id="42" name="Straight Connector 41">
+            <a:extLst>
+              <a:ext uri="{FF2B5EF4-FFF2-40B4-BE49-F238E27FC236}">
+                <a16:creationId xmlns:a16="http://schemas.microsoft.com/office/drawing/2014/main" id="{0A18AB53-D305-472E-86CB-94FB9BF06F96}"/>
+              </a:ext>
+            </a:extLst>
+          </p:cNvPr>
+          <p:cNvCxnSpPr>
+            <a:cxnSpLocks/>
+            <a:endCxn id="41" idx="0"/>
+          </p:cNvCxnSpPr>
+          <p:nvPr/>
+        </p:nvCxnSpPr>
+        <p:spPr>
+          <a:xfrm>
+            <a:off x="7515083" y="3508927"/>
+            <a:ext cx="602412" cy="814065"/>
+          </a:xfrm>
+          <a:prstGeom prst="line">
+            <a:avLst/>
+          </a:prstGeom>
+          <a:ln w="38100">
+            <a:solidFill>
+              <a:schemeClr val="bg2">
+                <a:lumMod val="90000"/>
+              </a:schemeClr>
+            </a:solidFill>
+          </a:ln>
+        </p:spPr>
+        <p:style>
+          <a:lnRef idx="1">
+            <a:schemeClr val="accent1"/>
+          </a:lnRef>
+          <a:fillRef idx="0">
+            <a:schemeClr val="accent1"/>
+          </a:fillRef>
+          <a:effectRef idx="0">
+            <a:schemeClr val="accent1"/>
+          </a:effectRef>
+          <a:fontRef idx="minor">
+            <a:schemeClr val="tx1"/>
+          </a:fontRef>
+        </p:style>
+      </p:cxnSp>
+      <p:sp>
+        <p:nvSpPr>
+          <p:cNvPr id="44" name="TextBox 43">
+            <a:extLst>
+              <a:ext uri="{FF2B5EF4-FFF2-40B4-BE49-F238E27FC236}">
+                <a16:creationId xmlns:a16="http://schemas.microsoft.com/office/drawing/2014/main" id="{E95D731A-343F-4558-9CF5-AA3CC006C3D3}"/>
+              </a:ext>
+            </a:extLst>
+          </p:cNvPr>
+          <p:cNvSpPr txBox="1"/>
+          <p:nvPr/>
+        </p:nvSpPr>
+        <p:spPr>
+          <a:xfrm>
+            <a:off x="2362529" y="1372916"/>
+            <a:ext cx="534988" cy="523220"/>
+          </a:xfrm>
+          <a:prstGeom prst="rect">
+            <a:avLst/>
+          </a:prstGeom>
+          <a:noFill/>
+        </p:spPr>
+        <p:txBody>
+          <a:bodyPr wrap="square" rtlCol="0">
+            <a:spAutoFit/>
+          </a:bodyPr>
+          <a:lstStyle/>
+          <a:p>
+            <a:r>
+              <a:rPr lang="en-US" sz="2800" b="1" dirty="0">
+                <a:solidFill>
+                  <a:schemeClr val="accent6">
+                    <a:lumMod val="60000"/>
+                    <a:lumOff val="40000"/>
+                  </a:schemeClr>
+                </a:solidFill>
+              </a:rPr>
+              <a:t>T</a:t>
+            </a:r>
+            <a:r>
+              <a:rPr lang="en-US" sz="2800" b="1" baseline="-25000" dirty="0">
+                <a:solidFill>
+                  <a:schemeClr val="accent6">
+                    <a:lumMod val="60000"/>
+                    <a:lumOff val="40000"/>
+                  </a:schemeClr>
+                </a:solidFill>
+              </a:rPr>
+              <a:t>1</a:t>
+            </a:r>
+            <a:endParaRPr lang="en-IN" sz="2800" b="1" baseline="-25000" dirty="0">
               <a:solidFill>
                 <a:schemeClr val="accent6">
                   <a:lumMod val="60000"/>
                   <a:lumOff val="40000"/>
                 </a:schemeClr>
               </a:solidFill>
-            </a:ln>
-          </p:spPr>
-          <p:style>
-            <a:lnRef idx="2">
-              <a:schemeClr val="accent1">
-                <a:shade val="50000"/>
-              </a:schemeClr>
-            </a:lnRef>
-            <a:fillRef idx="1">
-              <a:schemeClr val="accent1"/>
-            </a:fillRef>
-            <a:effectRef idx="0">
-              <a:schemeClr val="accent1"/>
-            </a:effectRef>
-            <a:fontRef idx="minor">
-              <a:schemeClr val="lt1"/>
-            </a:fontRef>
-          </p:style>
-          <p:txBody>
-            <a:bodyPr rtlCol="0" anchor="ctr"/>
-            <a:lstStyle/>
-            <a:p>
-              <a:pPr algn="ctr"/>
-              <a:endParaRPr lang="en-IN"/>
-            </a:p>
-          </p:txBody>
-        </p:sp>
-        <p:grpSp>
-          <p:nvGrpSpPr>
-            <p:cNvPr id="46" name="Group 45">
-              <a:extLst>
-                <a:ext uri="{FF2B5EF4-FFF2-40B4-BE49-F238E27FC236}">
-                  <a16:creationId xmlns:a16="http://schemas.microsoft.com/office/drawing/2014/main" id="{2C88D64D-2A35-40C0-B5A0-69D76023760E}"/>
-                </a:ext>
-              </a:extLst>
-            </p:cNvPr>
-            <p:cNvGrpSpPr/>
-            <p:nvPr/>
-          </p:nvGrpSpPr>
-          <p:grpSpPr>
-            <a:xfrm>
-              <a:off x="671774" y="654188"/>
-              <a:ext cx="7402021" cy="4318284"/>
-              <a:chOff x="671774" y="654188"/>
-              <a:chExt cx="7402021" cy="4318284"/>
-            </a:xfrm>
-          </p:grpSpPr>
-          <p:sp>
-            <p:nvSpPr>
-              <p:cNvPr id="43" name="Isosceles Triangle 42">
-                <a:extLst>
-                  <a:ext uri="{FF2B5EF4-FFF2-40B4-BE49-F238E27FC236}">
-                    <a16:creationId xmlns:a16="http://schemas.microsoft.com/office/drawing/2014/main" id="{F2E86EA5-8F04-456A-A7C3-0FF608424FDD}"/>
-                  </a:ext>
-                </a:extLst>
-              </p:cNvPr>
-              <p:cNvSpPr/>
-              <p:nvPr/>
-            </p:nvSpPr>
-            <p:spPr>
-              <a:xfrm>
-                <a:off x="4234649" y="1431813"/>
-                <a:ext cx="3722702" cy="2279876"/>
-              </a:xfrm>
-              <a:prstGeom prst="triangle">
-                <a:avLst/>
-              </a:prstGeom>
-              <a:noFill/>
-              <a:ln w="73025">
+            </a:endParaRPr>
+          </a:p>
+        </p:txBody>
+      </p:sp>
+      <p:sp>
+        <p:nvSpPr>
+          <p:cNvPr id="45" name="TextBox 44">
+            <a:extLst>
+              <a:ext uri="{FF2B5EF4-FFF2-40B4-BE49-F238E27FC236}">
+                <a16:creationId xmlns:a16="http://schemas.microsoft.com/office/drawing/2014/main" id="{2D38512E-8398-4CD2-9794-C3C09D4C2857}"/>
+              </a:ext>
+            </a:extLst>
+          </p:cNvPr>
+          <p:cNvSpPr txBox="1"/>
+          <p:nvPr/>
+        </p:nvSpPr>
+        <p:spPr>
+          <a:xfrm>
+            <a:off x="7019243" y="1914672"/>
+            <a:ext cx="534988" cy="523220"/>
+          </a:xfrm>
+          <a:prstGeom prst="rect">
+            <a:avLst/>
+          </a:prstGeom>
+          <a:noFill/>
+        </p:spPr>
+        <p:txBody>
+          <a:bodyPr wrap="square" rtlCol="0">
+            <a:spAutoFit/>
+          </a:bodyPr>
+          <a:lstStyle/>
+          <a:p>
+            <a:r>
+              <a:rPr lang="en-US" sz="2800" b="1" dirty="0">
                 <a:solidFill>
                   <a:schemeClr val="accent5">
                     <a:lumMod val="60000"/>
                     <a:lumOff val="40000"/>
                   </a:schemeClr>
                 </a:solidFill>
-              </a:ln>
-            </p:spPr>
-            <p:style>
-              <a:lnRef idx="2">
-                <a:schemeClr val="accent1">
-                  <a:shade val="50000"/>
-                </a:schemeClr>
-              </a:lnRef>
-              <a:fillRef idx="1">
-                <a:schemeClr val="accent1"/>
-              </a:fillRef>
-              <a:effectRef idx="0">
-                <a:schemeClr val="accent1"/>
-              </a:effectRef>
-              <a:fontRef idx="minor">
-                <a:schemeClr val="lt1"/>
-              </a:fontRef>
-            </p:style>
-            <p:txBody>
-              <a:bodyPr rtlCol="0" anchor="ctr"/>
-              <a:lstStyle/>
-              <a:p>
-                <a:pPr algn="ctr"/>
-                <a:endParaRPr lang="en-IN"/>
-              </a:p>
-            </p:txBody>
-          </p:sp>
-          <p:sp>
-            <p:nvSpPr>
-              <p:cNvPr id="5" name="Oval 4">
-                <a:extLst>
-                  <a:ext uri="{FF2B5EF4-FFF2-40B4-BE49-F238E27FC236}">
-                    <a16:creationId xmlns:a16="http://schemas.microsoft.com/office/drawing/2014/main" id="{6950DDE1-1936-44E0-B70A-3F44CC03482E}"/>
-                  </a:ext>
-                </a:extLst>
-              </p:cNvPr>
-              <p:cNvSpPr>
-                <a:spLocks noChangeAspect="1"/>
-              </p:cNvSpPr>
-              <p:nvPr/>
-            </p:nvSpPr>
-            <p:spPr>
-              <a:xfrm>
-                <a:off x="4239463" y="654188"/>
-                <a:ext cx="503150" cy="503150"/>
-              </a:xfrm>
-              <a:prstGeom prst="ellipse">
-                <a:avLst/>
-              </a:prstGeom>
-              <a:noFill/>
-              <a:ln w="38100">
+              </a:rPr>
+              <a:t>T</a:t>
+            </a:r>
+            <a:r>
+              <a:rPr lang="en-US" sz="2800" b="1" baseline="-25000" dirty="0">
                 <a:solidFill>
-                  <a:schemeClr val="tx1"/>
-                </a:solidFill>
-              </a:ln>
-            </p:spPr>
-            <p:style>
-              <a:lnRef idx="2">
-                <a:schemeClr val="accent1">
-                  <a:shade val="50000"/>
-                </a:schemeClr>
-              </a:lnRef>
-              <a:fillRef idx="1">
-                <a:schemeClr val="accent1"/>
-              </a:fillRef>
-              <a:effectRef idx="0">
-                <a:schemeClr val="accent1"/>
-              </a:effectRef>
-              <a:fontRef idx="minor">
-                <a:schemeClr val="lt1"/>
-              </a:fontRef>
-            </p:style>
-            <p:txBody>
-              <a:bodyPr rtlCol="0" anchor="ctr"/>
-              <a:lstStyle/>
-              <a:p>
-                <a:pPr algn="ctr"/>
-                <a:r>
-                  <a:rPr lang="en-US" sz="2000" b="1" dirty="0">
-                    <a:solidFill>
-                      <a:prstClr val="black"/>
-                    </a:solidFill>
-                    <a:latin typeface="Calibri" panose="020F0502020204030204"/>
-                  </a:rPr>
-                  <a:t>0</a:t>
-                </a:r>
-                <a:endParaRPr lang="en-IN" sz="2000" b="1" dirty="0">
-                  <a:solidFill>
-                    <a:prstClr val="black"/>
-                  </a:solidFill>
-                  <a:latin typeface="Calibri" panose="020F0502020204030204"/>
-                </a:endParaRPr>
-              </a:p>
-            </p:txBody>
-          </p:sp>
-          <p:sp>
-            <p:nvSpPr>
-              <p:cNvPr id="6" name="Oval 5">
-                <a:extLst>
-                  <a:ext uri="{FF2B5EF4-FFF2-40B4-BE49-F238E27FC236}">
-                    <a16:creationId xmlns:a16="http://schemas.microsoft.com/office/drawing/2014/main" id="{2D1C4D35-DB8A-4E83-9F27-D6C971F6F941}"/>
-                  </a:ext>
-                </a:extLst>
-              </p:cNvPr>
-              <p:cNvSpPr>
-                <a:spLocks noChangeAspect="1"/>
-              </p:cNvSpPr>
-              <p:nvPr/>
-            </p:nvSpPr>
-            <p:spPr>
-              <a:xfrm>
-                <a:off x="2376435" y="1867421"/>
-                <a:ext cx="503150" cy="503150"/>
-              </a:xfrm>
-              <a:prstGeom prst="ellipse">
-                <a:avLst/>
-              </a:prstGeom>
-              <a:noFill/>
-              <a:ln w="38100">
-                <a:solidFill>
-                  <a:schemeClr val="tx1"/>
-                </a:solidFill>
-              </a:ln>
-            </p:spPr>
-            <p:style>
-              <a:lnRef idx="2">
-                <a:schemeClr val="accent1">
-                  <a:shade val="50000"/>
-                </a:schemeClr>
-              </a:lnRef>
-              <a:fillRef idx="1">
-                <a:schemeClr val="accent1"/>
-              </a:fillRef>
-              <a:effectRef idx="0">
-                <a:schemeClr val="accent1"/>
-              </a:effectRef>
-              <a:fontRef idx="minor">
-                <a:schemeClr val="lt1"/>
-              </a:fontRef>
-            </p:style>
-            <p:txBody>
-              <a:bodyPr rtlCol="0" anchor="ctr"/>
-              <a:lstStyle/>
-              <a:p>
-                <a:pPr algn="ctr"/>
-                <a:r>
-                  <a:rPr lang="en-US" sz="2000" b="1" dirty="0">
-                    <a:solidFill>
-                      <a:prstClr val="black"/>
-                    </a:solidFill>
-                    <a:latin typeface="Calibri" panose="020F0502020204030204"/>
-                  </a:rPr>
-                  <a:t>1</a:t>
-                </a:r>
-                <a:endParaRPr lang="en-IN" sz="2000" b="1" dirty="0">
-                  <a:solidFill>
-                    <a:prstClr val="black"/>
-                  </a:solidFill>
-                  <a:latin typeface="Calibri" panose="020F0502020204030204"/>
-                </a:endParaRPr>
-              </a:p>
-            </p:txBody>
-          </p:sp>
-          <p:sp>
-            <p:nvSpPr>
-              <p:cNvPr id="7" name="Oval 6">
-                <a:extLst>
-                  <a:ext uri="{FF2B5EF4-FFF2-40B4-BE49-F238E27FC236}">
-                    <a16:creationId xmlns:a16="http://schemas.microsoft.com/office/drawing/2014/main" id="{70593105-077C-4CD5-936C-20031FE25E42}"/>
-                  </a:ext>
-                </a:extLst>
-              </p:cNvPr>
-              <p:cNvSpPr>
-                <a:spLocks noChangeAspect="1"/>
-              </p:cNvSpPr>
-              <p:nvPr/>
-            </p:nvSpPr>
-            <p:spPr>
-              <a:xfrm>
-                <a:off x="1401902" y="3054909"/>
-                <a:ext cx="503150" cy="503150"/>
-              </a:xfrm>
-              <a:prstGeom prst="ellipse">
-                <a:avLst/>
-              </a:prstGeom>
-              <a:noFill/>
-              <a:ln w="38100">
-                <a:solidFill>
-                  <a:schemeClr val="tx1"/>
-                </a:solidFill>
-              </a:ln>
-            </p:spPr>
-            <p:style>
-              <a:lnRef idx="2">
-                <a:schemeClr val="accent1">
-                  <a:shade val="50000"/>
-                </a:schemeClr>
-              </a:lnRef>
-              <a:fillRef idx="1">
-                <a:schemeClr val="accent1"/>
-              </a:fillRef>
-              <a:effectRef idx="0">
-                <a:schemeClr val="accent1"/>
-              </a:effectRef>
-              <a:fontRef idx="minor">
-                <a:schemeClr val="lt1"/>
-              </a:fontRef>
-            </p:style>
-            <p:txBody>
-              <a:bodyPr rtlCol="0" anchor="ctr"/>
-              <a:lstStyle/>
-              <a:p>
-                <a:pPr algn="ctr"/>
-                <a:r>
-                  <a:rPr lang="en-US" sz="2000" b="1" dirty="0">
-                    <a:solidFill>
-                      <a:prstClr val="black"/>
-                    </a:solidFill>
-                    <a:latin typeface="Calibri" panose="020F0502020204030204"/>
-                  </a:rPr>
-                  <a:t>2</a:t>
-                </a:r>
-                <a:endParaRPr lang="en-IN" sz="2000" b="1" dirty="0">
-                  <a:solidFill>
-                    <a:prstClr val="black"/>
-                  </a:solidFill>
-                  <a:latin typeface="Calibri" panose="020F0502020204030204"/>
-                </a:endParaRPr>
-              </a:p>
-            </p:txBody>
-          </p:sp>
-          <p:cxnSp>
-            <p:nvCxnSpPr>
-              <p:cNvPr id="8" name="Straight Connector 7">
-                <a:extLst>
-                  <a:ext uri="{FF2B5EF4-FFF2-40B4-BE49-F238E27FC236}">
-                    <a16:creationId xmlns:a16="http://schemas.microsoft.com/office/drawing/2014/main" id="{11B69B95-DD16-42A8-8719-43DFCFA18D09}"/>
-                  </a:ext>
-                </a:extLst>
-              </p:cNvPr>
-              <p:cNvCxnSpPr>
-                <a:cxnSpLocks/>
-                <a:stCxn id="5" idx="3"/>
-                <a:endCxn id="6" idx="7"/>
-              </p:cNvCxnSpPr>
-              <p:nvPr/>
-            </p:nvCxnSpPr>
-            <p:spPr>
-              <a:xfrm flipH="1">
-                <a:off x="2805900" y="1083653"/>
-                <a:ext cx="1507248" cy="857453"/>
-              </a:xfrm>
-              <a:prstGeom prst="line">
-                <a:avLst/>
-              </a:prstGeom>
-              <a:ln w="38100">
-                <a:solidFill>
-                  <a:schemeClr val="bg2">
-                    <a:lumMod val="90000"/>
+                  <a:schemeClr val="accent5">
+                    <a:lumMod val="60000"/>
+                    <a:lumOff val="40000"/>
                   </a:schemeClr>
                 </a:solidFill>
-              </a:ln>
-            </p:spPr>
-            <p:style>
-              <a:lnRef idx="1">
-                <a:schemeClr val="accent1"/>
-              </a:lnRef>
-              <a:fillRef idx="0">
-                <a:schemeClr val="accent1"/>
-              </a:fillRef>
-              <a:effectRef idx="0">
-                <a:schemeClr val="accent1"/>
-              </a:effectRef>
-              <a:fontRef idx="minor">
-                <a:schemeClr val="tx1"/>
-              </a:fontRef>
-            </p:style>
-          </p:cxnSp>
-          <p:cxnSp>
-            <p:nvCxnSpPr>
-              <p:cNvPr id="9" name="Straight Connector 8">
-                <a:extLst>
-                  <a:ext uri="{FF2B5EF4-FFF2-40B4-BE49-F238E27FC236}">
-                    <a16:creationId xmlns:a16="http://schemas.microsoft.com/office/drawing/2014/main" id="{969384A7-42A0-4A26-8046-3C89583E9B29}"/>
-                  </a:ext>
-                </a:extLst>
-              </p:cNvPr>
-              <p:cNvCxnSpPr>
-                <a:cxnSpLocks/>
-                <a:stCxn id="6" idx="3"/>
-                <a:endCxn id="7" idx="0"/>
-              </p:cNvCxnSpPr>
-              <p:nvPr/>
-            </p:nvCxnSpPr>
-            <p:spPr>
-              <a:xfrm flipH="1">
-                <a:off x="1653477" y="2296886"/>
-                <a:ext cx="796643" cy="758023"/>
-              </a:xfrm>
-              <a:prstGeom prst="line">
-                <a:avLst/>
-              </a:prstGeom>
-              <a:ln w="38100">
-                <a:solidFill>
-                  <a:schemeClr val="bg2">
-                    <a:lumMod val="90000"/>
-                  </a:schemeClr>
-                </a:solidFill>
-              </a:ln>
-            </p:spPr>
-            <p:style>
-              <a:lnRef idx="1">
-                <a:schemeClr val="accent1"/>
-              </a:lnRef>
-              <a:fillRef idx="0">
-                <a:schemeClr val="accent1"/>
-              </a:fillRef>
-              <a:effectRef idx="0">
-                <a:schemeClr val="accent1"/>
-              </a:effectRef>
-              <a:fontRef idx="minor">
-                <a:schemeClr val="tx1"/>
-              </a:fontRef>
-            </p:style>
-          </p:cxnSp>
-          <p:sp>
-            <p:nvSpPr>
-              <p:cNvPr id="10" name="Oval 9">
-                <a:extLst>
-                  <a:ext uri="{FF2B5EF4-FFF2-40B4-BE49-F238E27FC236}">
-                    <a16:creationId xmlns:a16="http://schemas.microsoft.com/office/drawing/2014/main" id="{05B8F7F1-E5B8-41BA-A287-1066237B9FF0}"/>
-                  </a:ext>
-                </a:extLst>
-              </p:cNvPr>
-              <p:cNvSpPr>
-                <a:spLocks noChangeAspect="1"/>
-              </p:cNvSpPr>
-              <p:nvPr/>
-            </p:nvSpPr>
-            <p:spPr>
-              <a:xfrm>
-                <a:off x="3376560" y="3050830"/>
-                <a:ext cx="503150" cy="503150"/>
-              </a:xfrm>
-              <a:prstGeom prst="ellipse">
-                <a:avLst/>
-              </a:prstGeom>
-              <a:noFill/>
-              <a:ln w="38100">
-                <a:solidFill>
-                  <a:schemeClr val="tx1"/>
-                </a:solidFill>
-              </a:ln>
-            </p:spPr>
-            <p:style>
-              <a:lnRef idx="2">
-                <a:schemeClr val="accent1">
-                  <a:shade val="50000"/>
+              </a:rPr>
+              <a:t>2</a:t>
+            </a:r>
+            <a:endParaRPr lang="en-IN" sz="2800" b="1" baseline="-25000" dirty="0">
+              <a:solidFill>
+                <a:schemeClr val="accent5">
+                  <a:lumMod val="60000"/>
+                  <a:lumOff val="40000"/>
                 </a:schemeClr>
-              </a:lnRef>
-              <a:fillRef idx="1">
-                <a:schemeClr val="accent1"/>
-              </a:fillRef>
-              <a:effectRef idx="0">
-                <a:schemeClr val="accent1"/>
-              </a:effectRef>
-              <a:fontRef idx="minor">
-                <a:schemeClr val="lt1"/>
-              </a:fontRef>
-            </p:style>
-            <p:txBody>
-              <a:bodyPr rtlCol="0" anchor="ctr"/>
-              <a:lstStyle/>
-              <a:p>
-                <a:pPr algn="ctr"/>
-                <a:r>
-                  <a:rPr lang="en-US" sz="2000" b="1" dirty="0">
-                    <a:solidFill>
-                      <a:prstClr val="black"/>
-                    </a:solidFill>
-                    <a:latin typeface="Calibri" panose="020F0502020204030204"/>
-                  </a:rPr>
-                  <a:t>l</a:t>
-                </a:r>
-                <a:r>
-                  <a:rPr lang="en-US" sz="2000" b="1" baseline="-25000" dirty="0">
-                    <a:solidFill>
-                      <a:prstClr val="black"/>
-                    </a:solidFill>
-                    <a:latin typeface="Calibri" panose="020F0502020204030204"/>
-                  </a:rPr>
-                  <a:t>3</a:t>
-                </a:r>
-                <a:endParaRPr lang="en-IN" sz="1400" baseline="-25000" dirty="0"/>
-              </a:p>
-            </p:txBody>
-          </p:sp>
-          <p:cxnSp>
-            <p:nvCxnSpPr>
-              <p:cNvPr id="11" name="Straight Connector 10">
-                <a:extLst>
-                  <a:ext uri="{FF2B5EF4-FFF2-40B4-BE49-F238E27FC236}">
-                    <a16:creationId xmlns:a16="http://schemas.microsoft.com/office/drawing/2014/main" id="{8734530F-2937-4F56-B68F-097FD44A3723}"/>
-                  </a:ext>
-                </a:extLst>
-              </p:cNvPr>
-              <p:cNvCxnSpPr>
-                <a:cxnSpLocks/>
-                <a:stCxn id="6" idx="5"/>
-                <a:endCxn id="10" idx="0"/>
-              </p:cNvCxnSpPr>
-              <p:nvPr/>
-            </p:nvCxnSpPr>
-            <p:spPr>
-              <a:xfrm>
-                <a:off x="2805900" y="2296886"/>
-                <a:ext cx="822235" cy="753944"/>
-              </a:xfrm>
-              <a:prstGeom prst="line">
-                <a:avLst/>
-              </a:prstGeom>
-              <a:ln w="38100">
-                <a:solidFill>
-                  <a:schemeClr val="bg2">
-                    <a:lumMod val="90000"/>
-                  </a:schemeClr>
-                </a:solidFill>
-              </a:ln>
-            </p:spPr>
-            <p:style>
-              <a:lnRef idx="1">
-                <a:schemeClr val="accent1"/>
-              </a:lnRef>
-              <a:fillRef idx="0">
-                <a:schemeClr val="accent1"/>
-              </a:fillRef>
-              <a:effectRef idx="0">
-                <a:schemeClr val="accent1"/>
-              </a:effectRef>
-              <a:fontRef idx="minor">
-                <a:schemeClr val="tx1"/>
-              </a:fontRef>
-            </p:style>
-          </p:cxnSp>
-          <p:sp>
-            <p:nvSpPr>
-              <p:cNvPr id="20" name="Oval 19">
-                <a:extLst>
-                  <a:ext uri="{FF2B5EF4-FFF2-40B4-BE49-F238E27FC236}">
-                    <a16:creationId xmlns:a16="http://schemas.microsoft.com/office/drawing/2014/main" id="{9AE2D35E-CEDA-4EF3-AB04-CCB301B5331C}"/>
-                  </a:ext>
-                </a:extLst>
-              </p:cNvPr>
-              <p:cNvSpPr>
-                <a:spLocks noChangeAspect="1"/>
-              </p:cNvSpPr>
-              <p:nvPr/>
-            </p:nvSpPr>
-            <p:spPr>
-              <a:xfrm>
-                <a:off x="671774" y="4469322"/>
-                <a:ext cx="503150" cy="503150"/>
-              </a:xfrm>
-              <a:prstGeom prst="ellipse">
-                <a:avLst/>
-              </a:prstGeom>
-              <a:noFill/>
-              <a:ln w="38100">
-                <a:solidFill>
-                  <a:schemeClr val="tx1"/>
-                </a:solidFill>
-              </a:ln>
-            </p:spPr>
-            <p:style>
-              <a:lnRef idx="2">
-                <a:schemeClr val="accent1">
-                  <a:shade val="50000"/>
-                </a:schemeClr>
-              </a:lnRef>
-              <a:fillRef idx="1">
-                <a:schemeClr val="accent1"/>
-              </a:fillRef>
-              <a:effectRef idx="0">
-                <a:schemeClr val="accent1"/>
-              </a:effectRef>
-              <a:fontRef idx="minor">
-                <a:schemeClr val="lt1"/>
-              </a:fontRef>
-            </p:style>
-            <p:txBody>
-              <a:bodyPr rtlCol="0" anchor="ctr"/>
-              <a:lstStyle/>
-              <a:p>
-                <a:pPr algn="ctr"/>
-                <a:r>
-                  <a:rPr lang="en-US" sz="2000" b="1" dirty="0">
-                    <a:solidFill>
-                      <a:prstClr val="black"/>
-                    </a:solidFill>
-                    <a:latin typeface="Calibri" panose="020F0502020204030204"/>
-                  </a:rPr>
-                  <a:t>l</a:t>
-                </a:r>
-                <a:r>
-                  <a:rPr lang="en-US" sz="2000" b="1" baseline="-25000" dirty="0">
-                    <a:solidFill>
-                      <a:prstClr val="black"/>
-                    </a:solidFill>
-                    <a:latin typeface="Calibri" panose="020F0502020204030204"/>
-                  </a:rPr>
-                  <a:t>1</a:t>
-                </a:r>
-                <a:endParaRPr lang="en-IN" sz="1400" baseline="-25000" dirty="0"/>
-              </a:p>
-            </p:txBody>
-          </p:sp>
-          <p:cxnSp>
-            <p:nvCxnSpPr>
-              <p:cNvPr id="21" name="Straight Connector 20">
-                <a:extLst>
-                  <a:ext uri="{FF2B5EF4-FFF2-40B4-BE49-F238E27FC236}">
-                    <a16:creationId xmlns:a16="http://schemas.microsoft.com/office/drawing/2014/main" id="{D304E2D1-CA82-47D1-A903-A9CF0345045C}"/>
-                  </a:ext>
-                </a:extLst>
-              </p:cNvPr>
-              <p:cNvCxnSpPr>
-                <a:cxnSpLocks/>
-                <a:stCxn id="7" idx="3"/>
-                <a:endCxn id="20" idx="0"/>
-              </p:cNvCxnSpPr>
-              <p:nvPr/>
-            </p:nvCxnSpPr>
-            <p:spPr>
-              <a:xfrm flipH="1">
-                <a:off x="923349" y="3484374"/>
-                <a:ext cx="552238" cy="984948"/>
-              </a:xfrm>
-              <a:prstGeom prst="line">
-                <a:avLst/>
-              </a:prstGeom>
-              <a:ln w="38100">
-                <a:solidFill>
-                  <a:schemeClr val="bg2">
-                    <a:lumMod val="90000"/>
-                  </a:schemeClr>
-                </a:solidFill>
-              </a:ln>
-            </p:spPr>
-            <p:style>
-              <a:lnRef idx="1">
-                <a:schemeClr val="accent1"/>
-              </a:lnRef>
-              <a:fillRef idx="0">
-                <a:schemeClr val="accent1"/>
-              </a:fillRef>
-              <a:effectRef idx="0">
-                <a:schemeClr val="accent1"/>
-              </a:effectRef>
-              <a:fontRef idx="minor">
-                <a:schemeClr val="tx1"/>
-              </a:fontRef>
-            </p:style>
-          </p:cxnSp>
-          <p:sp>
-            <p:nvSpPr>
-              <p:cNvPr id="12" name="Oval 11">
-                <a:extLst>
-                  <a:ext uri="{FF2B5EF4-FFF2-40B4-BE49-F238E27FC236}">
-                    <a16:creationId xmlns:a16="http://schemas.microsoft.com/office/drawing/2014/main" id="{61787934-1776-47B1-9A82-88D991D01AB8}"/>
-                  </a:ext>
-                </a:extLst>
-              </p:cNvPr>
-              <p:cNvSpPr>
-                <a:spLocks noChangeAspect="1"/>
-              </p:cNvSpPr>
-              <p:nvPr/>
-            </p:nvSpPr>
-            <p:spPr>
-              <a:xfrm>
-                <a:off x="2027095" y="4469322"/>
-                <a:ext cx="503150" cy="503150"/>
-              </a:xfrm>
-              <a:prstGeom prst="ellipse">
-                <a:avLst/>
-              </a:prstGeom>
-              <a:noFill/>
-              <a:ln w="38100">
-                <a:solidFill>
-                  <a:schemeClr val="tx1"/>
-                </a:solidFill>
-              </a:ln>
-            </p:spPr>
-            <p:style>
-              <a:lnRef idx="2">
-                <a:schemeClr val="accent1">
-                  <a:shade val="50000"/>
-                </a:schemeClr>
-              </a:lnRef>
-              <a:fillRef idx="1">
-                <a:schemeClr val="accent1"/>
-              </a:fillRef>
-              <a:effectRef idx="0">
-                <a:schemeClr val="accent1"/>
-              </a:effectRef>
-              <a:fontRef idx="minor">
-                <a:schemeClr val="lt1"/>
-              </a:fontRef>
-            </p:style>
-            <p:txBody>
-              <a:bodyPr rtlCol="0" anchor="ctr"/>
-              <a:lstStyle/>
-              <a:p>
-                <a:pPr algn="ctr"/>
-                <a:r>
-                  <a:rPr lang="en-US" sz="2000" b="1" dirty="0">
-                    <a:solidFill>
-                      <a:prstClr val="black"/>
-                    </a:solidFill>
-                    <a:latin typeface="Calibri" panose="020F0502020204030204"/>
-                  </a:rPr>
-                  <a:t>l</a:t>
-                </a:r>
-                <a:r>
-                  <a:rPr lang="en-US" sz="2000" b="1" baseline="-25000" dirty="0">
-                    <a:solidFill>
-                      <a:prstClr val="black"/>
-                    </a:solidFill>
-                    <a:latin typeface="Calibri" panose="020F0502020204030204"/>
-                  </a:rPr>
-                  <a:t>2</a:t>
-                </a:r>
-                <a:endParaRPr lang="en-IN" sz="1400" baseline="-25000" dirty="0"/>
-              </a:p>
-            </p:txBody>
-          </p:sp>
-          <p:cxnSp>
-            <p:nvCxnSpPr>
-              <p:cNvPr id="13" name="Straight Connector 12">
-                <a:extLst>
-                  <a:ext uri="{FF2B5EF4-FFF2-40B4-BE49-F238E27FC236}">
-                    <a16:creationId xmlns:a16="http://schemas.microsoft.com/office/drawing/2014/main" id="{472B5577-D041-42C4-B6C5-CA9A7A8E4E61}"/>
-                  </a:ext>
-                </a:extLst>
-              </p:cNvPr>
-              <p:cNvCxnSpPr>
-                <a:cxnSpLocks/>
-                <a:stCxn id="7" idx="5"/>
-                <a:endCxn id="12" idx="0"/>
-              </p:cNvCxnSpPr>
-              <p:nvPr/>
-            </p:nvCxnSpPr>
-            <p:spPr>
-              <a:xfrm>
-                <a:off x="1831367" y="3484374"/>
-                <a:ext cx="447303" cy="984948"/>
-              </a:xfrm>
-              <a:prstGeom prst="line">
-                <a:avLst/>
-              </a:prstGeom>
-              <a:ln w="38100">
-                <a:solidFill>
-                  <a:schemeClr val="bg2">
-                    <a:lumMod val="90000"/>
-                  </a:schemeClr>
-                </a:solidFill>
-              </a:ln>
-            </p:spPr>
-            <p:style>
-              <a:lnRef idx="1">
-                <a:schemeClr val="accent1"/>
-              </a:lnRef>
-              <a:fillRef idx="0">
-                <a:schemeClr val="accent1"/>
-              </a:fillRef>
-              <a:effectRef idx="0">
-                <a:schemeClr val="accent1"/>
-              </a:effectRef>
-              <a:fontRef idx="minor">
-                <a:schemeClr val="tx1"/>
-              </a:fontRef>
-            </p:style>
-          </p:cxnSp>
-          <p:cxnSp>
-            <p:nvCxnSpPr>
-              <p:cNvPr id="22" name="Straight Connector 21">
-                <a:extLst>
-                  <a:ext uri="{FF2B5EF4-FFF2-40B4-BE49-F238E27FC236}">
-                    <a16:creationId xmlns:a16="http://schemas.microsoft.com/office/drawing/2014/main" id="{6F00F4E0-5EA4-4367-A57B-717789CC8805}"/>
-                  </a:ext>
-                </a:extLst>
-              </p:cNvPr>
-              <p:cNvCxnSpPr>
-                <a:cxnSpLocks/>
-                <a:stCxn id="5" idx="5"/>
-                <a:endCxn id="23" idx="0"/>
-              </p:cNvCxnSpPr>
-              <p:nvPr/>
-            </p:nvCxnSpPr>
-            <p:spPr>
-              <a:xfrm>
-                <a:off x="4668928" y="1083653"/>
-                <a:ext cx="1378557" cy="783768"/>
-              </a:xfrm>
-              <a:prstGeom prst="line">
-                <a:avLst/>
-              </a:prstGeom>
-              <a:ln w="38100">
-                <a:solidFill>
-                  <a:schemeClr val="bg2">
-                    <a:lumMod val="90000"/>
-                  </a:schemeClr>
-                </a:solidFill>
-              </a:ln>
-            </p:spPr>
-            <p:style>
-              <a:lnRef idx="1">
-                <a:schemeClr val="accent1"/>
-              </a:lnRef>
-              <a:fillRef idx="0">
-                <a:schemeClr val="accent1"/>
-              </a:fillRef>
-              <a:effectRef idx="0">
-                <a:schemeClr val="accent1"/>
-              </a:effectRef>
-              <a:fontRef idx="minor">
-                <a:schemeClr val="tx1"/>
-              </a:fontRef>
-            </p:style>
-          </p:cxnSp>
-          <p:sp>
-            <p:nvSpPr>
-              <p:cNvPr id="23" name="Oval 22">
-                <a:extLst>
-                  <a:ext uri="{FF2B5EF4-FFF2-40B4-BE49-F238E27FC236}">
-                    <a16:creationId xmlns:a16="http://schemas.microsoft.com/office/drawing/2014/main" id="{97C7316D-B5DB-400A-B88F-F63FD56289C2}"/>
-                  </a:ext>
-                </a:extLst>
-              </p:cNvPr>
-              <p:cNvSpPr>
-                <a:spLocks noChangeAspect="1"/>
-              </p:cNvSpPr>
-              <p:nvPr/>
-            </p:nvSpPr>
-            <p:spPr>
-              <a:xfrm>
-                <a:off x="5795910" y="1867421"/>
-                <a:ext cx="503150" cy="503150"/>
-              </a:xfrm>
-              <a:prstGeom prst="ellipse">
-                <a:avLst/>
-              </a:prstGeom>
-              <a:noFill/>
-              <a:ln w="38100">
-                <a:solidFill>
-                  <a:schemeClr val="tx1"/>
-                </a:solidFill>
-              </a:ln>
-            </p:spPr>
-            <p:style>
-              <a:lnRef idx="2">
-                <a:schemeClr val="accent1">
-                  <a:shade val="50000"/>
-                </a:schemeClr>
-              </a:lnRef>
-              <a:fillRef idx="1">
-                <a:schemeClr val="accent1"/>
-              </a:fillRef>
-              <a:effectRef idx="0">
-                <a:schemeClr val="accent1"/>
-              </a:effectRef>
-              <a:fontRef idx="minor">
-                <a:schemeClr val="lt1"/>
-              </a:fontRef>
-            </p:style>
-            <p:txBody>
-              <a:bodyPr rtlCol="0" anchor="ctr"/>
-              <a:lstStyle/>
-              <a:p>
-                <a:pPr algn="ctr"/>
-                <a:r>
-                  <a:rPr lang="en-US" sz="2000" b="1" dirty="0">
-                    <a:solidFill>
-                      <a:prstClr val="black"/>
-                    </a:solidFill>
-                    <a:latin typeface="Calibri" panose="020F0502020204030204"/>
-                  </a:rPr>
-                  <a:t>0</a:t>
-                </a:r>
-                <a:endParaRPr lang="en-IN" sz="2000" b="1" dirty="0">
-                  <a:solidFill>
-                    <a:prstClr val="black"/>
-                  </a:solidFill>
-                  <a:latin typeface="Calibri" panose="020F0502020204030204"/>
-                </a:endParaRPr>
-              </a:p>
-            </p:txBody>
-          </p:sp>
-          <p:sp>
-            <p:nvSpPr>
-              <p:cNvPr id="24" name="Oval 23">
-                <a:extLst>
-                  <a:ext uri="{FF2B5EF4-FFF2-40B4-BE49-F238E27FC236}">
-                    <a16:creationId xmlns:a16="http://schemas.microsoft.com/office/drawing/2014/main" id="{3EEC87DB-322F-4762-8F0A-78F2F089E578}"/>
-                  </a:ext>
-                </a:extLst>
-              </p:cNvPr>
-              <p:cNvSpPr>
-                <a:spLocks noChangeAspect="1"/>
-              </p:cNvSpPr>
-              <p:nvPr/>
-            </p:nvSpPr>
-            <p:spPr>
-              <a:xfrm>
-                <a:off x="4840427" y="3054909"/>
-                <a:ext cx="503150" cy="503150"/>
-              </a:xfrm>
-              <a:prstGeom prst="ellipse">
-                <a:avLst/>
-              </a:prstGeom>
-              <a:noFill/>
-              <a:ln w="38100">
-                <a:solidFill>
-                  <a:schemeClr val="tx1"/>
-                </a:solidFill>
-              </a:ln>
-            </p:spPr>
-            <p:style>
-              <a:lnRef idx="2">
-                <a:schemeClr val="accent1">
-                  <a:shade val="50000"/>
-                </a:schemeClr>
-              </a:lnRef>
-              <a:fillRef idx="1">
-                <a:schemeClr val="accent1"/>
-              </a:fillRef>
-              <a:effectRef idx="0">
-                <a:schemeClr val="accent1"/>
-              </a:effectRef>
-              <a:fontRef idx="minor">
-                <a:schemeClr val="lt1"/>
-              </a:fontRef>
-            </p:style>
-            <p:txBody>
-              <a:bodyPr rtlCol="0" anchor="ctr"/>
-              <a:lstStyle/>
-              <a:p>
-                <a:pPr algn="ctr"/>
-                <a:r>
-                  <a:rPr lang="en-US" sz="2000" b="1" dirty="0">
-                    <a:solidFill>
-                      <a:prstClr val="black"/>
-                    </a:solidFill>
-                    <a:latin typeface="Calibri" panose="020F0502020204030204"/>
-                  </a:rPr>
-                  <a:t>1</a:t>
-                </a:r>
-                <a:endParaRPr lang="en-IN" sz="2000" b="1" dirty="0">
-                  <a:solidFill>
-                    <a:prstClr val="black"/>
-                  </a:solidFill>
-                  <a:latin typeface="Calibri" panose="020F0502020204030204"/>
-                </a:endParaRPr>
-              </a:p>
-            </p:txBody>
-          </p:sp>
-          <p:cxnSp>
-            <p:nvCxnSpPr>
-              <p:cNvPr id="25" name="Straight Connector 24">
-                <a:extLst>
-                  <a:ext uri="{FF2B5EF4-FFF2-40B4-BE49-F238E27FC236}">
-                    <a16:creationId xmlns:a16="http://schemas.microsoft.com/office/drawing/2014/main" id="{319F75DB-E2C5-4BEB-BB3E-19891C69C08F}"/>
-                  </a:ext>
-                </a:extLst>
-              </p:cNvPr>
-              <p:cNvCxnSpPr>
-                <a:cxnSpLocks/>
-                <a:stCxn id="23" idx="3"/>
-                <a:endCxn id="24" idx="0"/>
-              </p:cNvCxnSpPr>
-              <p:nvPr/>
-            </p:nvCxnSpPr>
-            <p:spPr>
-              <a:xfrm flipH="1">
-                <a:off x="5092002" y="2296886"/>
-                <a:ext cx="777593" cy="758023"/>
-              </a:xfrm>
-              <a:prstGeom prst="line">
-                <a:avLst/>
-              </a:prstGeom>
-              <a:ln w="38100">
-                <a:solidFill>
-                  <a:schemeClr val="bg2">
-                    <a:lumMod val="90000"/>
-                  </a:schemeClr>
-                </a:solidFill>
-              </a:ln>
-            </p:spPr>
-            <p:style>
-              <a:lnRef idx="1">
-                <a:schemeClr val="accent1"/>
-              </a:lnRef>
-              <a:fillRef idx="0">
-                <a:schemeClr val="accent1"/>
-              </a:fillRef>
-              <a:effectRef idx="0">
-                <a:schemeClr val="accent1"/>
-              </a:effectRef>
-              <a:fontRef idx="minor">
-                <a:schemeClr val="tx1"/>
-              </a:fontRef>
-            </p:style>
-          </p:cxnSp>
-          <p:sp>
-            <p:nvSpPr>
-              <p:cNvPr id="26" name="Oval 25">
-                <a:extLst>
-                  <a:ext uri="{FF2B5EF4-FFF2-40B4-BE49-F238E27FC236}">
-                    <a16:creationId xmlns:a16="http://schemas.microsoft.com/office/drawing/2014/main" id="{3E24CAD1-1225-4631-A934-8DC6582D3A00}"/>
-                  </a:ext>
-                </a:extLst>
-              </p:cNvPr>
-              <p:cNvSpPr>
-                <a:spLocks noChangeAspect="1"/>
-              </p:cNvSpPr>
-              <p:nvPr/>
-            </p:nvSpPr>
-            <p:spPr>
-              <a:xfrm>
-                <a:off x="6910335" y="3050830"/>
-                <a:ext cx="503150" cy="503150"/>
-              </a:xfrm>
-              <a:prstGeom prst="ellipse">
-                <a:avLst/>
-              </a:prstGeom>
-              <a:noFill/>
-              <a:ln w="38100">
-                <a:solidFill>
-                  <a:schemeClr val="tx1"/>
-                </a:solidFill>
-              </a:ln>
-            </p:spPr>
-            <p:style>
-              <a:lnRef idx="2">
-                <a:schemeClr val="accent1">
-                  <a:shade val="50000"/>
-                </a:schemeClr>
-              </a:lnRef>
-              <a:fillRef idx="1">
-                <a:schemeClr val="accent1"/>
-              </a:fillRef>
-              <a:effectRef idx="0">
-                <a:schemeClr val="accent1"/>
-              </a:effectRef>
-              <a:fontRef idx="minor">
-                <a:schemeClr val="lt1"/>
-              </a:fontRef>
-            </p:style>
-            <p:txBody>
-              <a:bodyPr rtlCol="0" anchor="ctr"/>
-              <a:lstStyle/>
-              <a:p>
-                <a:pPr algn="ctr"/>
-                <a:r>
-                  <a:rPr lang="en-US" sz="2000" b="1" dirty="0">
-                    <a:solidFill>
-                      <a:prstClr val="black"/>
-                    </a:solidFill>
-                    <a:latin typeface="Calibri" panose="020F0502020204030204"/>
-                  </a:rPr>
-                  <a:t>2</a:t>
-                </a:r>
-                <a:endParaRPr lang="en-IN" sz="1400" baseline="-25000" dirty="0"/>
-              </a:p>
-            </p:txBody>
-          </p:sp>
-          <p:cxnSp>
-            <p:nvCxnSpPr>
-              <p:cNvPr id="27" name="Straight Connector 26">
-                <a:extLst>
-                  <a:ext uri="{FF2B5EF4-FFF2-40B4-BE49-F238E27FC236}">
-                    <a16:creationId xmlns:a16="http://schemas.microsoft.com/office/drawing/2014/main" id="{D4823082-10E5-4063-8D02-FB0EBCD35DBD}"/>
-                  </a:ext>
-                </a:extLst>
-              </p:cNvPr>
-              <p:cNvCxnSpPr>
-                <a:cxnSpLocks/>
-                <a:stCxn id="23" idx="5"/>
-                <a:endCxn id="26" idx="0"/>
-              </p:cNvCxnSpPr>
-              <p:nvPr/>
-            </p:nvCxnSpPr>
-            <p:spPr>
-              <a:xfrm>
-                <a:off x="6225375" y="2296886"/>
-                <a:ext cx="936535" cy="753944"/>
-              </a:xfrm>
-              <a:prstGeom prst="line">
-                <a:avLst/>
-              </a:prstGeom>
-              <a:ln w="38100">
-                <a:solidFill>
-                  <a:schemeClr val="bg2">
-                    <a:lumMod val="90000"/>
-                  </a:schemeClr>
-                </a:solidFill>
-              </a:ln>
-            </p:spPr>
-            <p:style>
-              <a:lnRef idx="1">
-                <a:schemeClr val="accent1"/>
-              </a:lnRef>
-              <a:fillRef idx="0">
-                <a:schemeClr val="accent1"/>
-              </a:fillRef>
-              <a:effectRef idx="0">
-                <a:schemeClr val="accent1"/>
-              </a:effectRef>
-              <a:fontRef idx="minor">
-                <a:schemeClr val="tx1"/>
-              </a:fontRef>
-            </p:style>
-          </p:cxnSp>
-          <p:sp>
-            <p:nvSpPr>
-              <p:cNvPr id="33" name="Oval 32">
-                <a:extLst>
-                  <a:ext uri="{FF2B5EF4-FFF2-40B4-BE49-F238E27FC236}">
-                    <a16:creationId xmlns:a16="http://schemas.microsoft.com/office/drawing/2014/main" id="{B35F63D9-DB4B-4D10-871A-1A1EF72033AA}"/>
-                  </a:ext>
-                </a:extLst>
-              </p:cNvPr>
-              <p:cNvSpPr>
-                <a:spLocks noChangeAspect="1"/>
-              </p:cNvSpPr>
-              <p:nvPr/>
-            </p:nvSpPr>
-            <p:spPr>
-              <a:xfrm>
-                <a:off x="4129349" y="4469322"/>
-                <a:ext cx="503150" cy="503150"/>
-              </a:xfrm>
-              <a:prstGeom prst="ellipse">
-                <a:avLst/>
-              </a:prstGeom>
-              <a:noFill/>
-              <a:ln w="38100">
-                <a:solidFill>
-                  <a:schemeClr val="tx1"/>
-                </a:solidFill>
-              </a:ln>
-            </p:spPr>
-            <p:style>
-              <a:lnRef idx="2">
-                <a:schemeClr val="accent1">
-                  <a:shade val="50000"/>
-                </a:schemeClr>
-              </a:lnRef>
-              <a:fillRef idx="1">
-                <a:schemeClr val="accent1"/>
-              </a:fillRef>
-              <a:effectRef idx="0">
-                <a:schemeClr val="accent1"/>
-              </a:effectRef>
-              <a:fontRef idx="minor">
-                <a:schemeClr val="lt1"/>
-              </a:fontRef>
-            </p:style>
-            <p:txBody>
-              <a:bodyPr rtlCol="0" anchor="ctr"/>
-              <a:lstStyle/>
-              <a:p>
-                <a:pPr algn="ctr"/>
-                <a:r>
-                  <a:rPr lang="en-US" sz="2000" b="1" dirty="0">
-                    <a:solidFill>
-                      <a:prstClr val="black"/>
-                    </a:solidFill>
-                    <a:latin typeface="Calibri" panose="020F0502020204030204"/>
-                  </a:rPr>
-                  <a:t>l</a:t>
-                </a:r>
-                <a:r>
-                  <a:rPr lang="en-US" sz="2000" b="1" baseline="-25000" dirty="0">
-                    <a:solidFill>
-                      <a:prstClr val="black"/>
-                    </a:solidFill>
-                    <a:latin typeface="Calibri" panose="020F0502020204030204"/>
-                  </a:rPr>
-                  <a:t>4</a:t>
-                </a:r>
-                <a:endParaRPr lang="en-IN" sz="1400" baseline="-25000" dirty="0"/>
-              </a:p>
-            </p:txBody>
-          </p:sp>
-          <p:cxnSp>
-            <p:nvCxnSpPr>
-              <p:cNvPr id="34" name="Straight Connector 33">
-                <a:extLst>
-                  <a:ext uri="{FF2B5EF4-FFF2-40B4-BE49-F238E27FC236}">
-                    <a16:creationId xmlns:a16="http://schemas.microsoft.com/office/drawing/2014/main" id="{1E00399F-F557-481C-B7AB-EE04A35753BB}"/>
-                  </a:ext>
-                </a:extLst>
-              </p:cNvPr>
-              <p:cNvCxnSpPr>
-                <a:cxnSpLocks/>
-                <a:stCxn id="24" idx="3"/>
-                <a:endCxn id="33" idx="0"/>
-              </p:cNvCxnSpPr>
-              <p:nvPr/>
-            </p:nvCxnSpPr>
-            <p:spPr>
-              <a:xfrm flipH="1">
-                <a:off x="4380924" y="3484374"/>
-                <a:ext cx="533188" cy="984948"/>
-              </a:xfrm>
-              <a:prstGeom prst="line">
-                <a:avLst/>
-              </a:prstGeom>
-              <a:ln w="38100">
-                <a:solidFill>
-                  <a:schemeClr val="bg2">
-                    <a:lumMod val="90000"/>
-                  </a:schemeClr>
-                </a:solidFill>
-              </a:ln>
-            </p:spPr>
-            <p:style>
-              <a:lnRef idx="1">
-                <a:schemeClr val="accent1"/>
-              </a:lnRef>
-              <a:fillRef idx="0">
-                <a:schemeClr val="accent1"/>
-              </a:fillRef>
-              <a:effectRef idx="0">
-                <a:schemeClr val="accent1"/>
-              </a:effectRef>
-              <a:fontRef idx="minor">
-                <a:schemeClr val="tx1"/>
-              </a:fontRef>
-            </p:style>
-          </p:cxnSp>
-          <p:sp>
-            <p:nvSpPr>
-              <p:cNvPr id="35" name="Oval 34">
-                <a:extLst>
-                  <a:ext uri="{FF2B5EF4-FFF2-40B4-BE49-F238E27FC236}">
-                    <a16:creationId xmlns:a16="http://schemas.microsoft.com/office/drawing/2014/main" id="{634B2D6B-9E86-4541-8140-4B9FB4A9F7DD}"/>
-                  </a:ext>
-                </a:extLst>
-              </p:cNvPr>
-              <p:cNvSpPr>
-                <a:spLocks noChangeAspect="1"/>
-              </p:cNvSpPr>
-              <p:nvPr/>
-            </p:nvSpPr>
-            <p:spPr>
-              <a:xfrm>
-                <a:off x="5494195" y="4469322"/>
-                <a:ext cx="503150" cy="503150"/>
-              </a:xfrm>
-              <a:prstGeom prst="ellipse">
-                <a:avLst/>
-              </a:prstGeom>
-              <a:noFill/>
-              <a:ln w="38100">
-                <a:solidFill>
-                  <a:schemeClr val="tx1"/>
-                </a:solidFill>
-              </a:ln>
-            </p:spPr>
-            <p:style>
-              <a:lnRef idx="2">
-                <a:schemeClr val="accent1">
-                  <a:shade val="50000"/>
-                </a:schemeClr>
-              </a:lnRef>
-              <a:fillRef idx="1">
-                <a:schemeClr val="accent1"/>
-              </a:fillRef>
-              <a:effectRef idx="0">
-                <a:schemeClr val="accent1"/>
-              </a:effectRef>
-              <a:fontRef idx="minor">
-                <a:schemeClr val="lt1"/>
-              </a:fontRef>
-            </p:style>
-            <p:txBody>
-              <a:bodyPr rtlCol="0" anchor="ctr"/>
-              <a:lstStyle/>
-              <a:p>
-                <a:pPr algn="ctr"/>
-                <a:r>
-                  <a:rPr lang="en-US" sz="2000" b="1" dirty="0">
-                    <a:solidFill>
-                      <a:prstClr val="black"/>
-                    </a:solidFill>
-                    <a:latin typeface="Calibri" panose="020F0502020204030204"/>
-                  </a:rPr>
-                  <a:t>l</a:t>
-                </a:r>
-                <a:r>
-                  <a:rPr lang="en-US" sz="2000" b="1" baseline="-25000" dirty="0">
-                    <a:solidFill>
-                      <a:prstClr val="black"/>
-                    </a:solidFill>
-                    <a:latin typeface="Calibri" panose="020F0502020204030204"/>
-                  </a:rPr>
-                  <a:t>5</a:t>
-                </a:r>
-                <a:endParaRPr lang="en-IN" sz="1400" baseline="-25000" dirty="0"/>
-              </a:p>
-            </p:txBody>
-          </p:sp>
-          <p:cxnSp>
-            <p:nvCxnSpPr>
-              <p:cNvPr id="36" name="Straight Connector 35">
-                <a:extLst>
-                  <a:ext uri="{FF2B5EF4-FFF2-40B4-BE49-F238E27FC236}">
-                    <a16:creationId xmlns:a16="http://schemas.microsoft.com/office/drawing/2014/main" id="{C2A8E1C3-B711-4828-BB5F-63B841A050D6}"/>
-                  </a:ext>
-                </a:extLst>
-              </p:cNvPr>
-              <p:cNvCxnSpPr>
-                <a:cxnSpLocks/>
-                <a:stCxn id="24" idx="5"/>
-                <a:endCxn id="35" idx="0"/>
-              </p:cNvCxnSpPr>
-              <p:nvPr/>
-            </p:nvCxnSpPr>
-            <p:spPr>
-              <a:xfrm>
-                <a:off x="5269892" y="3484374"/>
-                <a:ext cx="475878" cy="984948"/>
-              </a:xfrm>
-              <a:prstGeom prst="line">
-                <a:avLst/>
-              </a:prstGeom>
-              <a:ln w="38100">
-                <a:solidFill>
-                  <a:schemeClr val="bg2">
-                    <a:lumMod val="90000"/>
-                  </a:schemeClr>
-                </a:solidFill>
-              </a:ln>
-            </p:spPr>
-            <p:style>
-              <a:lnRef idx="1">
-                <a:schemeClr val="accent1"/>
-              </a:lnRef>
-              <a:fillRef idx="0">
-                <a:schemeClr val="accent1"/>
-              </a:fillRef>
-              <a:effectRef idx="0">
-                <a:schemeClr val="accent1"/>
-              </a:effectRef>
-              <a:fontRef idx="minor">
-                <a:schemeClr val="tx1"/>
-              </a:fontRef>
-            </p:style>
-          </p:cxnSp>
-          <p:sp>
-            <p:nvSpPr>
-              <p:cNvPr id="39" name="Oval 38">
-                <a:extLst>
-                  <a:ext uri="{FF2B5EF4-FFF2-40B4-BE49-F238E27FC236}">
-                    <a16:creationId xmlns:a16="http://schemas.microsoft.com/office/drawing/2014/main" id="{06AAD07B-4702-4E18-8F5E-3DD3B789B64D}"/>
-                  </a:ext>
-                </a:extLst>
-              </p:cNvPr>
-              <p:cNvSpPr>
-                <a:spLocks noChangeAspect="1"/>
-              </p:cNvSpPr>
-              <p:nvPr/>
-            </p:nvSpPr>
-            <p:spPr>
-              <a:xfrm>
-                <a:off x="6205799" y="4469322"/>
-                <a:ext cx="503150" cy="503150"/>
-              </a:xfrm>
-              <a:prstGeom prst="ellipse">
-                <a:avLst/>
-              </a:prstGeom>
-              <a:noFill/>
-              <a:ln w="38100">
-                <a:solidFill>
-                  <a:schemeClr val="tx1"/>
-                </a:solidFill>
-              </a:ln>
-            </p:spPr>
-            <p:style>
-              <a:lnRef idx="2">
-                <a:schemeClr val="accent1">
-                  <a:shade val="50000"/>
-                </a:schemeClr>
-              </a:lnRef>
-              <a:fillRef idx="1">
-                <a:schemeClr val="accent1"/>
-              </a:fillRef>
-              <a:effectRef idx="0">
-                <a:schemeClr val="accent1"/>
-              </a:effectRef>
-              <a:fontRef idx="minor">
-                <a:schemeClr val="lt1"/>
-              </a:fontRef>
-            </p:style>
-            <p:txBody>
-              <a:bodyPr rtlCol="0" anchor="ctr"/>
-              <a:lstStyle/>
-              <a:p>
-                <a:pPr algn="ctr"/>
-                <a:r>
-                  <a:rPr lang="en-US" sz="2000" b="1" dirty="0">
-                    <a:solidFill>
-                      <a:prstClr val="black"/>
-                    </a:solidFill>
-                    <a:latin typeface="Calibri" panose="020F0502020204030204"/>
-                  </a:rPr>
-                  <a:t>l</a:t>
-                </a:r>
-                <a:r>
-                  <a:rPr lang="en-US" sz="2000" b="1" baseline="-25000" dirty="0">
-                    <a:solidFill>
-                      <a:prstClr val="black"/>
-                    </a:solidFill>
-                    <a:latin typeface="Calibri" panose="020F0502020204030204"/>
-                  </a:rPr>
-                  <a:t>6</a:t>
-                </a:r>
-                <a:endParaRPr lang="en-IN" sz="1400" baseline="-25000" dirty="0"/>
-              </a:p>
-            </p:txBody>
-          </p:sp>
-          <p:cxnSp>
-            <p:nvCxnSpPr>
-              <p:cNvPr id="40" name="Straight Connector 39">
-                <a:extLst>
-                  <a:ext uri="{FF2B5EF4-FFF2-40B4-BE49-F238E27FC236}">
-                    <a16:creationId xmlns:a16="http://schemas.microsoft.com/office/drawing/2014/main" id="{F3AB8360-D6E0-45F7-AEED-5A7540429710}"/>
-                  </a:ext>
-                </a:extLst>
-              </p:cNvPr>
-              <p:cNvCxnSpPr>
-                <a:cxnSpLocks/>
-                <a:endCxn id="39" idx="0"/>
-              </p:cNvCxnSpPr>
-              <p:nvPr/>
-            </p:nvCxnSpPr>
-            <p:spPr>
-              <a:xfrm flipH="1">
-                <a:off x="6457374" y="3484374"/>
-                <a:ext cx="533188" cy="984948"/>
-              </a:xfrm>
-              <a:prstGeom prst="line">
-                <a:avLst/>
-              </a:prstGeom>
-              <a:ln w="38100">
-                <a:solidFill>
-                  <a:schemeClr val="bg2">
-                    <a:lumMod val="90000"/>
-                  </a:schemeClr>
-                </a:solidFill>
-              </a:ln>
-            </p:spPr>
-            <p:style>
-              <a:lnRef idx="1">
-                <a:schemeClr val="accent1"/>
-              </a:lnRef>
-              <a:fillRef idx="0">
-                <a:schemeClr val="accent1"/>
-              </a:fillRef>
-              <a:effectRef idx="0">
-                <a:schemeClr val="accent1"/>
-              </a:effectRef>
-              <a:fontRef idx="minor">
-                <a:schemeClr val="tx1"/>
-              </a:fontRef>
-            </p:style>
-          </p:cxnSp>
-          <p:sp>
-            <p:nvSpPr>
-              <p:cNvPr id="41" name="Oval 40">
-                <a:extLst>
-                  <a:ext uri="{FF2B5EF4-FFF2-40B4-BE49-F238E27FC236}">
-                    <a16:creationId xmlns:a16="http://schemas.microsoft.com/office/drawing/2014/main" id="{E16550BF-4E2C-4633-B77A-BE0875108AAE}"/>
-                  </a:ext>
-                </a:extLst>
-              </p:cNvPr>
-              <p:cNvSpPr>
-                <a:spLocks noChangeAspect="1"/>
-              </p:cNvSpPr>
-              <p:nvPr/>
-            </p:nvSpPr>
-            <p:spPr>
-              <a:xfrm>
-                <a:off x="7570645" y="4469322"/>
-                <a:ext cx="503150" cy="503150"/>
-              </a:xfrm>
-              <a:prstGeom prst="ellipse">
-                <a:avLst/>
-              </a:prstGeom>
-              <a:noFill/>
-              <a:ln w="38100">
-                <a:solidFill>
-                  <a:schemeClr val="tx1"/>
-                </a:solidFill>
-              </a:ln>
-            </p:spPr>
-            <p:style>
-              <a:lnRef idx="2">
-                <a:schemeClr val="accent1">
-                  <a:shade val="50000"/>
-                </a:schemeClr>
-              </a:lnRef>
-              <a:fillRef idx="1">
-                <a:schemeClr val="accent1"/>
-              </a:fillRef>
-              <a:effectRef idx="0">
-                <a:schemeClr val="accent1"/>
-              </a:effectRef>
-              <a:fontRef idx="minor">
-                <a:schemeClr val="lt1"/>
-              </a:fontRef>
-            </p:style>
-            <p:txBody>
-              <a:bodyPr rtlCol="0" anchor="ctr"/>
-              <a:lstStyle/>
-              <a:p>
-                <a:pPr algn="ctr"/>
-                <a:r>
-                  <a:rPr lang="en-US" sz="2000" b="1" dirty="0">
-                    <a:solidFill>
-                      <a:prstClr val="black"/>
-                    </a:solidFill>
-                    <a:latin typeface="Calibri" panose="020F0502020204030204"/>
-                  </a:rPr>
-                  <a:t>l</a:t>
-                </a:r>
-                <a:r>
-                  <a:rPr lang="en-US" sz="2000" b="1" baseline="-25000" dirty="0">
-                    <a:solidFill>
-                      <a:prstClr val="black"/>
-                    </a:solidFill>
-                    <a:latin typeface="Calibri" panose="020F0502020204030204"/>
-                  </a:rPr>
-                  <a:t>7</a:t>
-                </a:r>
-                <a:endParaRPr lang="en-IN" sz="1400" baseline="-25000" dirty="0"/>
-              </a:p>
-            </p:txBody>
-          </p:sp>
-          <p:cxnSp>
-            <p:nvCxnSpPr>
-              <p:cNvPr id="42" name="Straight Connector 41">
-                <a:extLst>
-                  <a:ext uri="{FF2B5EF4-FFF2-40B4-BE49-F238E27FC236}">
-                    <a16:creationId xmlns:a16="http://schemas.microsoft.com/office/drawing/2014/main" id="{0A18AB53-D305-472E-86CB-94FB9BF06F96}"/>
-                  </a:ext>
-                </a:extLst>
-              </p:cNvPr>
-              <p:cNvCxnSpPr>
-                <a:cxnSpLocks/>
-                <a:endCxn id="41" idx="0"/>
-              </p:cNvCxnSpPr>
-              <p:nvPr/>
-            </p:nvCxnSpPr>
-            <p:spPr>
-              <a:xfrm>
-                <a:off x="7346342" y="3484374"/>
-                <a:ext cx="475878" cy="984948"/>
-              </a:xfrm>
-              <a:prstGeom prst="line">
-                <a:avLst/>
-              </a:prstGeom>
-              <a:ln w="38100">
-                <a:solidFill>
-                  <a:schemeClr val="bg2">
-                    <a:lumMod val="90000"/>
-                  </a:schemeClr>
-                </a:solidFill>
-              </a:ln>
-            </p:spPr>
-            <p:style>
-              <a:lnRef idx="1">
-                <a:schemeClr val="accent1"/>
-              </a:lnRef>
-              <a:fillRef idx="0">
-                <a:schemeClr val="accent1"/>
-              </a:fillRef>
-              <a:effectRef idx="0">
-                <a:schemeClr val="accent1"/>
-              </a:effectRef>
-              <a:fontRef idx="minor">
-                <a:schemeClr val="tx1"/>
-              </a:fontRef>
-            </p:style>
-          </p:cxnSp>
-          <p:sp>
-            <p:nvSpPr>
-              <p:cNvPr id="44" name="TextBox 43">
-                <a:extLst>
-                  <a:ext uri="{FF2B5EF4-FFF2-40B4-BE49-F238E27FC236}">
-                    <a16:creationId xmlns:a16="http://schemas.microsoft.com/office/drawing/2014/main" id="{E95D731A-343F-4558-9CF5-AA3CC006C3D3}"/>
-                  </a:ext>
-                </a:extLst>
-              </p:cNvPr>
-              <p:cNvSpPr txBox="1"/>
-              <p:nvPr/>
-            </p:nvSpPr>
-            <p:spPr>
-              <a:xfrm>
-                <a:off x="2222686" y="867859"/>
-                <a:ext cx="534988" cy="523220"/>
-              </a:xfrm>
-              <a:prstGeom prst="rect">
-                <a:avLst/>
-              </a:prstGeom>
-              <a:noFill/>
-            </p:spPr>
-            <p:txBody>
-              <a:bodyPr wrap="square" rtlCol="0">
-                <a:spAutoFit/>
-              </a:bodyPr>
-              <a:lstStyle/>
-              <a:p>
-                <a:r>
-                  <a:rPr lang="en-US" sz="2800" b="1" dirty="0">
-                    <a:solidFill>
-                      <a:schemeClr val="accent6">
-                        <a:lumMod val="60000"/>
-                        <a:lumOff val="40000"/>
-                      </a:schemeClr>
-                    </a:solidFill>
-                  </a:rPr>
-                  <a:t>T</a:t>
-                </a:r>
-                <a:r>
-                  <a:rPr lang="en-US" sz="2800" b="1" baseline="-25000" dirty="0">
-                    <a:solidFill>
-                      <a:schemeClr val="accent6">
-                        <a:lumMod val="60000"/>
-                        <a:lumOff val="40000"/>
-                      </a:schemeClr>
-                    </a:solidFill>
-                  </a:rPr>
-                  <a:t>1</a:t>
-                </a:r>
-                <a:endParaRPr lang="en-IN" sz="2800" b="1" baseline="-25000" dirty="0">
-                  <a:solidFill>
-                    <a:schemeClr val="accent6">
-                      <a:lumMod val="60000"/>
-                      <a:lumOff val="40000"/>
-                    </a:schemeClr>
-                  </a:solidFill>
-                </a:endParaRPr>
-              </a:p>
-            </p:txBody>
-          </p:sp>
-          <p:sp>
-            <p:nvSpPr>
-              <p:cNvPr id="45" name="TextBox 44">
-                <a:extLst>
-                  <a:ext uri="{FF2B5EF4-FFF2-40B4-BE49-F238E27FC236}">
-                    <a16:creationId xmlns:a16="http://schemas.microsoft.com/office/drawing/2014/main" id="{2D38512E-8398-4CD2-9794-C3C09D4C2857}"/>
-                  </a:ext>
-                </a:extLst>
-              </p:cNvPr>
-              <p:cNvSpPr txBox="1"/>
-              <p:nvPr/>
-            </p:nvSpPr>
-            <p:spPr>
-              <a:xfrm>
-                <a:off x="6723968" y="1718102"/>
-                <a:ext cx="534988" cy="523220"/>
-              </a:xfrm>
-              <a:prstGeom prst="rect">
-                <a:avLst/>
-              </a:prstGeom>
-              <a:noFill/>
-            </p:spPr>
-            <p:txBody>
-              <a:bodyPr wrap="square" rtlCol="0">
-                <a:spAutoFit/>
-              </a:bodyPr>
-              <a:lstStyle/>
-              <a:p>
-                <a:r>
-                  <a:rPr lang="en-US" sz="2800" b="1" dirty="0">
-                    <a:solidFill>
-                      <a:schemeClr val="accent5">
-                        <a:lumMod val="60000"/>
-                        <a:lumOff val="40000"/>
-                      </a:schemeClr>
-                    </a:solidFill>
-                  </a:rPr>
-                  <a:t>T</a:t>
-                </a:r>
-                <a:r>
-                  <a:rPr lang="en-US" sz="2800" b="1" baseline="-25000" dirty="0">
-                    <a:solidFill>
-                      <a:schemeClr val="accent5">
-                        <a:lumMod val="60000"/>
-                        <a:lumOff val="40000"/>
-                      </a:schemeClr>
-                    </a:solidFill>
-                  </a:rPr>
-                  <a:t>2</a:t>
-                </a:r>
-                <a:endParaRPr lang="en-IN" sz="2800" b="1" baseline="-25000" dirty="0">
-                  <a:solidFill>
-                    <a:schemeClr val="accent5">
-                      <a:lumMod val="60000"/>
-                      <a:lumOff val="40000"/>
-                    </a:schemeClr>
-                  </a:solidFill>
-                </a:endParaRPr>
-              </a:p>
-            </p:txBody>
-          </p:sp>
-        </p:grpSp>
-      </p:grpSp>
+              </a:solidFill>
+            </a:endParaRPr>
+          </a:p>
+        </p:txBody>
+      </p:sp>
       <p:sp>
         <p:nvSpPr>
           <p:cNvPr id="48" name="Arrow: Right 47">
@@ -6591,7 +6486,7 @@
         </p:nvSpPr>
         <p:spPr>
           <a:xfrm>
-            <a:off x="8867775" y="3105150"/>
+            <a:off x="8449933" y="2063991"/>
             <a:ext cx="876300" cy="1152525"/>
           </a:xfrm>
           <a:prstGeom prst="rightArrow">
@@ -6626,6 +6521,71 @@
           <a:p>
             <a:pPr algn="ctr"/>
             <a:endParaRPr lang="en-IN"/>
+          </a:p>
+        </p:txBody>
+      </p:sp>
+      <p:sp>
+        <p:nvSpPr>
+          <p:cNvPr id="26" name="Oval 25">
+            <a:extLst>
+              <a:ext uri="{FF2B5EF4-FFF2-40B4-BE49-F238E27FC236}">
+                <a16:creationId xmlns:a16="http://schemas.microsoft.com/office/drawing/2014/main" id="{3E24CAD1-1225-4631-A934-8DC6582D3A00}"/>
+              </a:ext>
+            </a:extLst>
+          </p:cNvPr>
+          <p:cNvSpPr>
+            <a:spLocks noChangeAspect="1"/>
+          </p:cNvSpPr>
+          <p:nvPr/>
+        </p:nvSpPr>
+        <p:spPr>
+          <a:xfrm>
+            <a:off x="7205610" y="3247400"/>
+            <a:ext cx="503150" cy="503150"/>
+          </a:xfrm>
+          <a:prstGeom prst="ellipse">
+            <a:avLst/>
+          </a:prstGeom>
+          <a:solidFill>
+            <a:schemeClr val="bg1"/>
+          </a:solidFill>
+          <a:ln w="38100">
+            <a:solidFill>
+              <a:schemeClr val="tx1"/>
+            </a:solidFill>
+          </a:ln>
+        </p:spPr>
+        <p:style>
+          <a:lnRef idx="2">
+            <a:schemeClr val="accent1">
+              <a:shade val="50000"/>
+            </a:schemeClr>
+          </a:lnRef>
+          <a:fillRef idx="1">
+            <a:schemeClr val="accent1"/>
+          </a:fillRef>
+          <a:effectRef idx="0">
+            <a:schemeClr val="accent1"/>
+          </a:effectRef>
+          <a:fontRef idx="minor">
+            <a:schemeClr val="lt1"/>
+          </a:fontRef>
+        </p:style>
+        <p:txBody>
+          <a:bodyPr rtlCol="0" anchor="ctr"/>
+          <a:lstStyle/>
+          <a:p>
+            <a:pPr algn="ctr"/>
+            <a:r>
+              <a:rPr lang="en-US" sz="2000" b="1" dirty="0">
+                <a:solidFill>
+                  <a:prstClr val="black"/>
+                </a:solidFill>
+                <a:latin typeface="Calibri" panose="020F0502020204030204"/>
+              </a:rPr>
+              <a:t>2</a:t>
+            </a:r>
+            <a:endParaRPr lang="en-IN" sz="1400" baseline="-25000" dirty="0"/>
           </a:p>
         </p:txBody>
       </p:sp>

--- a/docs/MICRO 2022/figures/TileShapesSize3.pptx
+++ b/docs/MICRO 2022/figures/TileShapesSize3.pptx
@@ -9,6 +9,7 @@
     <p:sldId id="258" r:id="rId3"/>
     <p:sldId id="259" r:id="rId4"/>
     <p:sldId id="260" r:id="rId5"/>
+    <p:sldId id="261" r:id="rId6"/>
   </p:sldIdLst>
   <p:sldSz cx="12192000" cy="6858000"/>
   <p:notesSz cx="6858000" cy="9144000"/>
@@ -264,7 +265,7 @@
           <a:p>
             <a:fld id="{B2F25360-19A5-49C9-A284-CB7CB8F2A6AC}" type="datetimeFigureOut">
               <a:rPr lang="en-IN" smtClean="0"/>
-              <a:t>16-04-2022</a:t>
+              <a:t>22-04-2022</a:t>
             </a:fld>
             <a:endParaRPr lang="en-IN"/>
           </a:p>
@@ -464,7 +465,7 @@
           <a:p>
             <a:fld id="{B2F25360-19A5-49C9-A284-CB7CB8F2A6AC}" type="datetimeFigureOut">
               <a:rPr lang="en-IN" smtClean="0"/>
-              <a:t>16-04-2022</a:t>
+              <a:t>22-04-2022</a:t>
             </a:fld>
             <a:endParaRPr lang="en-IN"/>
           </a:p>
@@ -674,7 +675,7 @@
           <a:p>
             <a:fld id="{B2F25360-19A5-49C9-A284-CB7CB8F2A6AC}" type="datetimeFigureOut">
               <a:rPr lang="en-IN" smtClean="0"/>
-              <a:t>16-04-2022</a:t>
+              <a:t>22-04-2022</a:t>
             </a:fld>
             <a:endParaRPr lang="en-IN"/>
           </a:p>
@@ -874,7 +875,7 @@
           <a:p>
             <a:fld id="{B2F25360-19A5-49C9-A284-CB7CB8F2A6AC}" type="datetimeFigureOut">
               <a:rPr lang="en-IN" smtClean="0"/>
-              <a:t>16-04-2022</a:t>
+              <a:t>22-04-2022</a:t>
             </a:fld>
             <a:endParaRPr lang="en-IN"/>
           </a:p>
@@ -1150,7 +1151,7 @@
           <a:p>
             <a:fld id="{B2F25360-19A5-49C9-A284-CB7CB8F2A6AC}" type="datetimeFigureOut">
               <a:rPr lang="en-IN" smtClean="0"/>
-              <a:t>16-04-2022</a:t>
+              <a:t>22-04-2022</a:t>
             </a:fld>
             <a:endParaRPr lang="en-IN"/>
           </a:p>
@@ -1418,7 +1419,7 @@
           <a:p>
             <a:fld id="{B2F25360-19A5-49C9-A284-CB7CB8F2A6AC}" type="datetimeFigureOut">
               <a:rPr lang="en-IN" smtClean="0"/>
-              <a:t>16-04-2022</a:t>
+              <a:t>22-04-2022</a:t>
             </a:fld>
             <a:endParaRPr lang="en-IN"/>
           </a:p>
@@ -1833,7 +1834,7 @@
           <a:p>
             <a:fld id="{B2F25360-19A5-49C9-A284-CB7CB8F2A6AC}" type="datetimeFigureOut">
               <a:rPr lang="en-IN" smtClean="0"/>
-              <a:t>16-04-2022</a:t>
+              <a:t>22-04-2022</a:t>
             </a:fld>
             <a:endParaRPr lang="en-IN"/>
           </a:p>
@@ -1975,7 +1976,7 @@
           <a:p>
             <a:fld id="{B2F25360-19A5-49C9-A284-CB7CB8F2A6AC}" type="datetimeFigureOut">
               <a:rPr lang="en-IN" smtClean="0"/>
-              <a:t>16-04-2022</a:t>
+              <a:t>22-04-2022</a:t>
             </a:fld>
             <a:endParaRPr lang="en-IN"/>
           </a:p>
@@ -2088,7 +2089,7 @@
           <a:p>
             <a:fld id="{B2F25360-19A5-49C9-A284-CB7CB8F2A6AC}" type="datetimeFigureOut">
               <a:rPr lang="en-IN" smtClean="0"/>
-              <a:t>16-04-2022</a:t>
+              <a:t>22-04-2022</a:t>
             </a:fld>
             <a:endParaRPr lang="en-IN"/>
           </a:p>
@@ -2401,7 +2402,7 @@
           <a:p>
             <a:fld id="{B2F25360-19A5-49C9-A284-CB7CB8F2A6AC}" type="datetimeFigureOut">
               <a:rPr lang="en-IN" smtClean="0"/>
-              <a:t>16-04-2022</a:t>
+              <a:t>22-04-2022</a:t>
             </a:fld>
             <a:endParaRPr lang="en-IN"/>
           </a:p>
@@ -2690,7 +2691,7 @@
           <a:p>
             <a:fld id="{B2F25360-19A5-49C9-A284-CB7CB8F2A6AC}" type="datetimeFigureOut">
               <a:rPr lang="en-IN" smtClean="0"/>
-              <a:t>16-04-2022</a:t>
+              <a:t>22-04-2022</a:t>
             </a:fld>
             <a:endParaRPr lang="en-IN"/>
           </a:p>
@@ -2933,7 +2934,7 @@
           <a:p>
             <a:fld id="{B2F25360-19A5-49C9-A284-CB7CB8F2A6AC}" type="datetimeFigureOut">
               <a:rPr lang="en-IN" smtClean="0"/>
-              <a:t>16-04-2022</a:t>
+              <a:t>22-04-2022</a:t>
             </a:fld>
             <a:endParaRPr lang="en-IN"/>
           </a:p>
@@ -4903,8 +4904,8 @@
         </p:nvSpPr>
         <p:spPr>
           <a:xfrm>
-            <a:off x="4529924" y="1637908"/>
-            <a:ext cx="3722702" cy="2279876"/>
+            <a:off x="4424624" y="1637908"/>
+            <a:ext cx="4089296" cy="2279876"/>
           </a:xfrm>
           <a:prstGeom prst="triangle">
             <a:avLst/>
@@ -4961,7 +4962,7 @@
         <p:spPr>
           <a:xfrm>
             <a:off x="4534738" y="1269858"/>
-            <a:ext cx="503150" cy="503150"/>
+            <a:ext cx="648000" cy="648000"/>
           </a:xfrm>
           <a:prstGeom prst="ellipse">
             <a:avLst/>
@@ -4995,7 +4996,7 @@
           <a:p>
             <a:pPr algn="ctr"/>
             <a:r>
-              <a:rPr lang="en-US" sz="2000" b="1" dirty="0">
+              <a:rPr lang="en-US" sz="3200" b="1" dirty="0">
                 <a:solidFill>
                   <a:prstClr val="black"/>
                 </a:solidFill>
@@ -5003,7 +5004,7 @@
               </a:rPr>
               <a:t>0</a:t>
             </a:r>
-            <a:endParaRPr lang="en-IN" sz="2000" b="1" dirty="0">
+            <a:endParaRPr lang="en-IN" sz="3200" b="1" dirty="0">
               <a:solidFill>
                 <a:prstClr val="black"/>
               </a:solidFill>
@@ -5029,7 +5030,7 @@
         <p:spPr>
           <a:xfrm>
             <a:off x="2671710" y="2063991"/>
-            <a:ext cx="503150" cy="503150"/>
+            <a:ext cx="648000" cy="648000"/>
           </a:xfrm>
           <a:prstGeom prst="ellipse">
             <a:avLst/>
@@ -5063,7 +5064,7 @@
           <a:p>
             <a:pPr algn="ctr"/>
             <a:r>
-              <a:rPr lang="en-US" sz="2000" b="1" dirty="0">
+              <a:rPr lang="en-US" sz="3200" b="1" dirty="0">
                 <a:solidFill>
                   <a:prstClr val="black"/>
                 </a:solidFill>
@@ -5071,7 +5072,7 @@
               </a:rPr>
               <a:t>1</a:t>
             </a:r>
-            <a:endParaRPr lang="en-IN" sz="2000" b="1" dirty="0">
+            <a:endParaRPr lang="en-IN" sz="3200" b="1" dirty="0">
               <a:solidFill>
                 <a:prstClr val="black"/>
               </a:solidFill>
@@ -5096,8 +5097,8 @@
         </p:nvSpPr>
         <p:spPr>
           <a:xfrm>
-            <a:off x="1697177" y="3251479"/>
-            <a:ext cx="503150" cy="503150"/>
+            <a:off x="1697177" y="3118129"/>
+            <a:ext cx="648000" cy="648000"/>
           </a:xfrm>
           <a:prstGeom prst="ellipse">
             <a:avLst/>
@@ -5131,7 +5132,7 @@
           <a:p>
             <a:pPr algn="ctr"/>
             <a:r>
-              <a:rPr lang="en-US" sz="2000" b="1" dirty="0">
+              <a:rPr lang="en-US" sz="3200" b="1" dirty="0">
                 <a:solidFill>
                   <a:prstClr val="black"/>
                 </a:solidFill>
@@ -5139,7 +5140,7 @@
               </a:rPr>
               <a:t>2</a:t>
             </a:r>
-            <a:endParaRPr lang="en-IN" sz="2000" b="1" dirty="0">
+            <a:endParaRPr lang="en-IN" sz="3200" b="1" dirty="0">
               <a:solidFill>
                 <a:prstClr val="black"/>
               </a:solidFill>
@@ -5166,8 +5167,8 @@
         </p:nvCxnSpPr>
         <p:spPr>
           <a:xfrm flipH="1">
-            <a:off x="3101175" y="1699323"/>
-            <a:ext cx="1507248" cy="438353"/>
+            <a:off x="3224813" y="1822961"/>
+            <a:ext cx="1404822" cy="335927"/>
           </a:xfrm>
           <a:prstGeom prst="line">
             <a:avLst/>
@@ -5213,8 +5214,8 @@
         </p:nvCxnSpPr>
         <p:spPr>
           <a:xfrm flipH="1">
-            <a:off x="1948752" y="2493456"/>
-            <a:ext cx="796643" cy="758023"/>
+            <a:off x="2021177" y="2617094"/>
+            <a:ext cx="745430" cy="501035"/>
           </a:xfrm>
           <a:prstGeom prst="line">
             <a:avLst/>
@@ -5258,8 +5259,8 @@
         </p:nvSpPr>
         <p:spPr>
           <a:xfrm>
-            <a:off x="3671835" y="3247400"/>
-            <a:ext cx="503150" cy="503150"/>
+            <a:off x="3671835" y="3114050"/>
+            <a:ext cx="648000" cy="648000"/>
           </a:xfrm>
           <a:prstGeom prst="ellipse">
             <a:avLst/>
@@ -5293,7 +5294,7 @@
           <a:p>
             <a:pPr algn="ctr"/>
             <a:r>
-              <a:rPr lang="en-US" sz="2000" b="1" dirty="0">
+              <a:rPr lang="en-US" sz="3200" b="1" dirty="0">
                 <a:solidFill>
                   <a:prstClr val="black"/>
                 </a:solidFill>
@@ -5302,7 +5303,7 @@
               <a:t>l</a:t>
             </a:r>
             <a:r>
-              <a:rPr lang="en-US" sz="2000" b="1" baseline="-25000" dirty="0">
+              <a:rPr lang="en-US" sz="3200" b="1" baseline="-25000" dirty="0">
                 <a:solidFill>
                   <a:prstClr val="black"/>
                 </a:solidFill>
@@ -5310,7 +5311,7 @@
               </a:rPr>
               <a:t>3</a:t>
             </a:r>
-            <a:endParaRPr lang="en-IN" sz="1400" baseline="-25000" dirty="0"/>
+            <a:endParaRPr lang="en-IN" sz="3200" baseline="-25000" dirty="0"/>
           </a:p>
         </p:txBody>
       </p:sp>
@@ -5332,8 +5333,8 @@
         </p:nvCxnSpPr>
         <p:spPr>
           <a:xfrm>
-            <a:off x="3101175" y="2493456"/>
-            <a:ext cx="822235" cy="753944"/>
+            <a:off x="3224813" y="2617094"/>
+            <a:ext cx="771022" cy="496956"/>
           </a:xfrm>
           <a:prstGeom prst="line">
             <a:avLst/>
@@ -5378,7 +5379,7 @@
         <p:spPr>
           <a:xfrm>
             <a:off x="967049" y="4322992"/>
-            <a:ext cx="503150" cy="503150"/>
+            <a:ext cx="648000" cy="648000"/>
           </a:xfrm>
           <a:prstGeom prst="ellipse">
             <a:avLst/>
@@ -5412,7 +5413,7 @@
           <a:p>
             <a:pPr algn="ctr"/>
             <a:r>
-              <a:rPr lang="en-US" sz="2000" b="1" dirty="0">
+              <a:rPr lang="en-US" sz="3200" b="1" dirty="0">
                 <a:solidFill>
                   <a:prstClr val="black"/>
                 </a:solidFill>
@@ -5421,7 +5422,7 @@
               <a:t>l</a:t>
             </a:r>
             <a:r>
-              <a:rPr lang="en-US" sz="2000" b="1" baseline="-25000" dirty="0">
+              <a:rPr lang="en-US" sz="3200" b="1" baseline="-25000" dirty="0">
                 <a:solidFill>
                   <a:prstClr val="black"/>
                 </a:solidFill>
@@ -5429,7 +5430,7 @@
               </a:rPr>
               <a:t>1</a:t>
             </a:r>
-            <a:endParaRPr lang="en-IN" sz="1400" baseline="-25000" dirty="0"/>
+            <a:endParaRPr lang="en-IN" sz="3200" baseline="-25000" dirty="0"/>
           </a:p>
         </p:txBody>
       </p:sp>
@@ -5451,8 +5452,8 @@
         </p:nvCxnSpPr>
         <p:spPr>
           <a:xfrm flipH="1">
-            <a:off x="1218624" y="3680944"/>
-            <a:ext cx="552238" cy="642048"/>
+            <a:off x="1291049" y="3671232"/>
+            <a:ext cx="501025" cy="651760"/>
           </a:xfrm>
           <a:prstGeom prst="line">
             <a:avLst/>
@@ -5497,7 +5498,7 @@
         <p:spPr>
           <a:xfrm>
             <a:off x="2322370" y="4322992"/>
-            <a:ext cx="503150" cy="503150"/>
+            <a:ext cx="648000" cy="648000"/>
           </a:xfrm>
           <a:prstGeom prst="ellipse">
             <a:avLst/>
@@ -5531,7 +5532,7 @@
           <a:p>
             <a:pPr algn="ctr"/>
             <a:r>
-              <a:rPr lang="en-US" sz="2000" b="1" dirty="0">
+              <a:rPr lang="en-US" sz="3200" b="1" dirty="0">
                 <a:solidFill>
                   <a:prstClr val="black"/>
                 </a:solidFill>
@@ -5540,7 +5541,7 @@
               <a:t>l</a:t>
             </a:r>
             <a:r>
-              <a:rPr lang="en-US" sz="2000" b="1" baseline="-25000" dirty="0">
+              <a:rPr lang="en-US" sz="3200" b="1" baseline="-25000" dirty="0">
                 <a:solidFill>
                   <a:prstClr val="black"/>
                 </a:solidFill>
@@ -5548,7 +5549,7 @@
               </a:rPr>
               <a:t>2</a:t>
             </a:r>
-            <a:endParaRPr lang="en-IN" sz="1400" baseline="-25000" dirty="0"/>
+            <a:endParaRPr lang="en-IN" sz="2000" baseline="-25000" dirty="0"/>
           </a:p>
         </p:txBody>
       </p:sp>
@@ -5570,8 +5571,8 @@
         </p:nvCxnSpPr>
         <p:spPr>
           <a:xfrm>
-            <a:off x="2126642" y="3680944"/>
-            <a:ext cx="447303" cy="642048"/>
+            <a:off x="2250280" y="3671232"/>
+            <a:ext cx="396090" cy="651760"/>
           </a:xfrm>
           <a:prstGeom prst="line">
             <a:avLst/>
@@ -5617,8 +5618,8 @@
         </p:nvCxnSpPr>
         <p:spPr>
           <a:xfrm>
-            <a:off x="4964203" y="1699323"/>
-            <a:ext cx="1378557" cy="364668"/>
+            <a:off x="5087841" y="1822961"/>
+            <a:ext cx="1327344" cy="241030"/>
           </a:xfrm>
           <a:prstGeom prst="line">
             <a:avLst/>
@@ -5663,7 +5664,7 @@
         <p:spPr>
           <a:xfrm>
             <a:off x="6091185" y="2063991"/>
-            <a:ext cx="503150" cy="503150"/>
+            <a:ext cx="648000" cy="648000"/>
           </a:xfrm>
           <a:prstGeom prst="ellipse">
             <a:avLst/>
@@ -5697,7 +5698,7 @@
           <a:p>
             <a:pPr algn="ctr"/>
             <a:r>
-              <a:rPr lang="en-US" sz="2000" b="1" dirty="0">
+              <a:rPr lang="en-US" sz="3200" b="1" dirty="0">
                 <a:solidFill>
                   <a:prstClr val="black"/>
                 </a:solidFill>
@@ -5705,7 +5706,7 @@
               </a:rPr>
               <a:t>0</a:t>
             </a:r>
-            <a:endParaRPr lang="en-IN" sz="2000" b="1" dirty="0">
+            <a:endParaRPr lang="en-IN" sz="3200" b="1" dirty="0">
               <a:solidFill>
                 <a:prstClr val="black"/>
               </a:solidFill>
@@ -5730,8 +5731,8 @@
         </p:nvSpPr>
         <p:spPr>
           <a:xfrm>
-            <a:off x="5135702" y="3251479"/>
-            <a:ext cx="503150" cy="503150"/>
+            <a:off x="5135702" y="3118129"/>
+            <a:ext cx="648000" cy="648000"/>
           </a:xfrm>
           <a:prstGeom prst="ellipse">
             <a:avLst/>
@@ -5765,7 +5766,7 @@
           <a:p>
             <a:pPr algn="ctr"/>
             <a:r>
-              <a:rPr lang="en-US" sz="2000" b="1" dirty="0">
+              <a:rPr lang="en-US" sz="3200" b="1" dirty="0">
                 <a:solidFill>
                   <a:prstClr val="black"/>
                 </a:solidFill>
@@ -5773,7 +5774,7 @@
               </a:rPr>
               <a:t>1</a:t>
             </a:r>
-            <a:endParaRPr lang="en-IN" sz="2000" b="1" dirty="0">
+            <a:endParaRPr lang="en-IN" sz="3200" b="1" dirty="0">
               <a:solidFill>
                 <a:prstClr val="black"/>
               </a:solidFill>
@@ -5800,8 +5801,8 @@
         </p:nvCxnSpPr>
         <p:spPr>
           <a:xfrm flipH="1">
-            <a:off x="5387277" y="2493456"/>
-            <a:ext cx="777593" cy="758023"/>
+            <a:off x="5459702" y="2617094"/>
+            <a:ext cx="726380" cy="501035"/>
           </a:xfrm>
           <a:prstGeom prst="line">
             <a:avLst/>
@@ -5847,8 +5848,8 @@
         </p:nvCxnSpPr>
         <p:spPr>
           <a:xfrm>
-            <a:off x="6520650" y="2493456"/>
-            <a:ext cx="936535" cy="753944"/>
+            <a:off x="6644288" y="2617094"/>
+            <a:ext cx="885322" cy="496956"/>
           </a:xfrm>
           <a:prstGeom prst="line">
             <a:avLst/>
@@ -5893,7 +5894,7 @@
         <p:spPr>
           <a:xfrm>
             <a:off x="4424624" y="4322992"/>
-            <a:ext cx="503150" cy="503150"/>
+            <a:ext cx="648000" cy="648000"/>
           </a:xfrm>
           <a:prstGeom prst="ellipse">
             <a:avLst/>
@@ -5927,7 +5928,7 @@
           <a:p>
             <a:pPr algn="ctr"/>
             <a:r>
-              <a:rPr lang="en-US" sz="2000" b="1" dirty="0">
+              <a:rPr lang="en-US" sz="3200" b="1" dirty="0">
                 <a:solidFill>
                   <a:prstClr val="black"/>
                 </a:solidFill>
@@ -5936,7 +5937,7 @@
               <a:t>l</a:t>
             </a:r>
             <a:r>
-              <a:rPr lang="en-US" sz="2000" b="1" baseline="-25000" dirty="0">
+              <a:rPr lang="en-US" sz="3200" b="1" baseline="-25000" dirty="0">
                 <a:solidFill>
                   <a:prstClr val="black"/>
                 </a:solidFill>
@@ -5944,7 +5945,7 @@
               </a:rPr>
               <a:t>4</a:t>
             </a:r>
-            <a:endParaRPr lang="en-IN" sz="1400" baseline="-25000" dirty="0"/>
+            <a:endParaRPr lang="en-IN" sz="3200" baseline="-25000" dirty="0"/>
           </a:p>
         </p:txBody>
       </p:sp>
@@ -5966,8 +5967,8 @@
         </p:nvCxnSpPr>
         <p:spPr>
           <a:xfrm flipH="1">
-            <a:off x="4676199" y="3680944"/>
-            <a:ext cx="533188" cy="642048"/>
+            <a:off x="4748624" y="3671232"/>
+            <a:ext cx="481975" cy="651760"/>
           </a:xfrm>
           <a:prstGeom prst="line">
             <a:avLst/>
@@ -6012,7 +6013,7 @@
         <p:spPr>
           <a:xfrm>
             <a:off x="5789470" y="4322992"/>
-            <a:ext cx="503150" cy="503150"/>
+            <a:ext cx="648000" cy="648000"/>
           </a:xfrm>
           <a:prstGeom prst="ellipse">
             <a:avLst/>
@@ -6046,7 +6047,7 @@
           <a:p>
             <a:pPr algn="ctr"/>
             <a:r>
-              <a:rPr lang="en-US" sz="2000" b="1" dirty="0">
+              <a:rPr lang="en-US" sz="3200" b="1" dirty="0">
                 <a:solidFill>
                   <a:prstClr val="black"/>
                 </a:solidFill>
@@ -6055,7 +6056,7 @@
               <a:t>l</a:t>
             </a:r>
             <a:r>
-              <a:rPr lang="en-US" sz="2000" b="1" baseline="-25000" dirty="0">
+              <a:rPr lang="en-US" sz="3200" b="1" baseline="-25000" dirty="0">
                 <a:solidFill>
                   <a:prstClr val="black"/>
                 </a:solidFill>
@@ -6063,7 +6064,7 @@
               </a:rPr>
               <a:t>5</a:t>
             </a:r>
-            <a:endParaRPr lang="en-IN" sz="1400" baseline="-25000" dirty="0"/>
+            <a:endParaRPr lang="en-IN" sz="3200" baseline="-25000" dirty="0"/>
           </a:p>
         </p:txBody>
       </p:sp>
@@ -6085,8 +6086,8 @@
         </p:nvCxnSpPr>
         <p:spPr>
           <a:xfrm>
-            <a:off x="5565167" y="3680944"/>
-            <a:ext cx="475878" cy="642048"/>
+            <a:off x="5688805" y="3671232"/>
+            <a:ext cx="424665" cy="651760"/>
           </a:xfrm>
           <a:prstGeom prst="line">
             <a:avLst/>
@@ -6131,7 +6132,7 @@
         <p:spPr>
           <a:xfrm>
             <a:off x="6501074" y="4322992"/>
-            <a:ext cx="503150" cy="503150"/>
+            <a:ext cx="648000" cy="648000"/>
           </a:xfrm>
           <a:prstGeom prst="ellipse">
             <a:avLst/>
@@ -6165,7 +6166,7 @@
           <a:p>
             <a:pPr algn="ctr"/>
             <a:r>
-              <a:rPr lang="en-US" sz="2000" b="1" dirty="0">
+              <a:rPr lang="en-US" sz="3200" b="1" dirty="0">
                 <a:solidFill>
                   <a:prstClr val="black"/>
                 </a:solidFill>
@@ -6174,7 +6175,7 @@
               <a:t>l</a:t>
             </a:r>
             <a:r>
-              <a:rPr lang="en-US" sz="2000" b="1" baseline="-25000" dirty="0">
+              <a:rPr lang="en-US" sz="3200" b="1" baseline="-25000" dirty="0">
                 <a:solidFill>
                   <a:prstClr val="black"/>
                 </a:solidFill>
@@ -6182,7 +6183,7 @@
               </a:rPr>
               <a:t>6</a:t>
             </a:r>
-            <a:endParaRPr lang="en-IN" sz="1400" baseline="-25000" dirty="0"/>
+            <a:endParaRPr lang="en-IN" sz="3200" baseline="-25000" dirty="0"/>
           </a:p>
         </p:txBody>
       </p:sp>
@@ -6203,8 +6204,8 @@
         </p:nvCxnSpPr>
         <p:spPr>
           <a:xfrm flipH="1">
-            <a:off x="6752649" y="3453092"/>
-            <a:ext cx="637393" cy="869900"/>
+            <a:off x="6825074" y="3453092"/>
+            <a:ext cx="564968" cy="869900"/>
           </a:xfrm>
           <a:prstGeom prst="line">
             <a:avLst/>
@@ -6249,7 +6250,7 @@
         <p:spPr>
           <a:xfrm>
             <a:off x="7865920" y="4322992"/>
-            <a:ext cx="503150" cy="503150"/>
+            <a:ext cx="648000" cy="648000"/>
           </a:xfrm>
           <a:prstGeom prst="ellipse">
             <a:avLst/>
@@ -6283,7 +6284,7 @@
           <a:p>
             <a:pPr algn="ctr"/>
             <a:r>
-              <a:rPr lang="en-US" sz="2000" b="1" dirty="0">
+              <a:rPr lang="en-US" sz="3200" b="1" dirty="0">
                 <a:solidFill>
                   <a:prstClr val="black"/>
                 </a:solidFill>
@@ -6292,7 +6293,7 @@
               <a:t>l</a:t>
             </a:r>
             <a:r>
-              <a:rPr lang="en-US" sz="2000" b="1" baseline="-25000" dirty="0">
+              <a:rPr lang="en-US" sz="3200" b="1" baseline="-25000" dirty="0">
                 <a:solidFill>
                   <a:prstClr val="black"/>
                 </a:solidFill>
@@ -6300,7 +6301,7 @@
               </a:rPr>
               <a:t>7</a:t>
             </a:r>
-            <a:endParaRPr lang="en-IN" sz="1400" baseline="-25000" dirty="0"/>
+            <a:endParaRPr lang="en-IN" sz="3200" baseline="-25000" dirty="0"/>
           </a:p>
         </p:txBody>
       </p:sp>
@@ -6322,7 +6323,7 @@
         <p:spPr>
           <a:xfrm>
             <a:off x="7515083" y="3508927"/>
-            <a:ext cx="602412" cy="814065"/>
+            <a:ext cx="674837" cy="814065"/>
           </a:xfrm>
           <a:prstGeom prst="line">
             <a:avLst/>
@@ -6364,8 +6365,8 @@
         </p:nvSpPr>
         <p:spPr>
           <a:xfrm>
-            <a:off x="2362529" y="1372916"/>
-            <a:ext cx="534988" cy="523220"/>
+            <a:off x="2122876" y="1372916"/>
+            <a:ext cx="774641" cy="646331"/>
           </a:xfrm>
           <a:prstGeom prst="rect">
             <a:avLst/>
@@ -6379,7 +6380,7 @@
           <a:lstStyle/>
           <a:p>
             <a:r>
-              <a:rPr lang="en-US" sz="2800" b="1" dirty="0">
+              <a:rPr lang="en-US" sz="3600" b="1" dirty="0">
                 <a:solidFill>
                   <a:schemeClr val="accent6">
                     <a:lumMod val="60000"/>
@@ -6390,7 +6391,7 @@
               <a:t>T</a:t>
             </a:r>
             <a:r>
-              <a:rPr lang="en-US" sz="2800" b="1" baseline="-25000" dirty="0">
+              <a:rPr lang="en-US" sz="3600" b="1" baseline="-25000" dirty="0">
                 <a:solidFill>
                   <a:schemeClr val="accent6">
                     <a:lumMod val="60000"/>
@@ -6400,7 +6401,7 @@
               </a:rPr>
               <a:t>1</a:t>
             </a:r>
-            <a:endParaRPr lang="en-IN" sz="2800" b="1" baseline="-25000" dirty="0">
+            <a:endParaRPr lang="en-IN" sz="3600" b="1" baseline="-25000" dirty="0">
               <a:solidFill>
                 <a:schemeClr val="accent6">
                   <a:lumMod val="60000"/>
@@ -6425,8 +6426,8 @@
         </p:nvSpPr>
         <p:spPr>
           <a:xfrm>
-            <a:off x="7019243" y="1914672"/>
-            <a:ext cx="534988" cy="523220"/>
+            <a:off x="7083833" y="1786738"/>
+            <a:ext cx="813643" cy="646331"/>
           </a:xfrm>
           <a:prstGeom prst="rect">
             <a:avLst/>
@@ -6440,7 +6441,7 @@
           <a:lstStyle/>
           <a:p>
             <a:r>
-              <a:rPr lang="en-US" sz="2800" b="1" dirty="0">
+              <a:rPr lang="en-US" sz="3600" b="1" dirty="0">
                 <a:solidFill>
                   <a:schemeClr val="accent5">
                     <a:lumMod val="60000"/>
@@ -6451,7 +6452,7 @@
               <a:t>T</a:t>
             </a:r>
             <a:r>
-              <a:rPr lang="en-US" sz="2800" b="1" baseline="-25000" dirty="0">
+              <a:rPr lang="en-US" sz="3600" b="1" baseline="-25000" dirty="0">
                 <a:solidFill>
                   <a:schemeClr val="accent5">
                     <a:lumMod val="60000"/>
@@ -6461,7 +6462,7 @@
               </a:rPr>
               <a:t>2</a:t>
             </a:r>
-            <a:endParaRPr lang="en-IN" sz="2800" b="1" baseline="-25000" dirty="0">
+            <a:endParaRPr lang="en-IN" sz="3600" b="1" baseline="-25000" dirty="0">
               <a:solidFill>
                 <a:schemeClr val="accent5">
                   <a:lumMod val="60000"/>
@@ -6540,8 +6541,8 @@
         </p:nvSpPr>
         <p:spPr>
           <a:xfrm>
-            <a:off x="7205610" y="3247400"/>
-            <a:ext cx="503150" cy="503150"/>
+            <a:off x="7205610" y="3114050"/>
+            <a:ext cx="648000" cy="648000"/>
           </a:xfrm>
           <a:prstGeom prst="ellipse">
             <a:avLst/>
@@ -6577,7 +6578,7 @@
           <a:p>
             <a:pPr algn="ctr"/>
             <a:r>
-              <a:rPr lang="en-US" sz="2000" b="1" dirty="0">
+              <a:rPr lang="en-US" sz="3200" b="1" dirty="0">
                 <a:solidFill>
                   <a:prstClr val="black"/>
                 </a:solidFill>
@@ -6585,7 +6586,12 @@
               </a:rPr>
               <a:t>2</a:t>
             </a:r>
-            <a:endParaRPr lang="en-IN" sz="1400" baseline="-25000" dirty="0"/>
+            <a:endParaRPr lang="en-IN" sz="3200" b="1" dirty="0">
+              <a:solidFill>
+                <a:prstClr val="black"/>
+              </a:solidFill>
+              <a:latin typeface="Calibri" panose="020F0502020204030204"/>
+            </a:endParaRPr>
           </a:p>
         </p:txBody>
       </p:sp>
@@ -6636,7 +6642,7 @@
         <p:spPr>
           <a:xfrm>
             <a:off x="5696788" y="1130438"/>
-            <a:ext cx="503150" cy="503150"/>
+            <a:ext cx="648000" cy="648000"/>
           </a:xfrm>
           <a:prstGeom prst="ellipse">
             <a:avLst/>
@@ -6673,7 +6679,7 @@
           <a:p>
             <a:pPr algn="ctr"/>
             <a:r>
-              <a:rPr lang="en-US" sz="1600" b="1" dirty="0">
+              <a:rPr lang="en-US" sz="2600" b="1" dirty="0">
                 <a:solidFill>
                   <a:schemeClr val="accent6">
                     <a:lumMod val="60000"/>
@@ -6684,7 +6690,7 @@
               <a:t>T</a:t>
             </a:r>
             <a:r>
-              <a:rPr lang="en-US" sz="1600" b="1" baseline="-25000" dirty="0">
+              <a:rPr lang="en-US" sz="2600" b="1" baseline="-25000" dirty="0">
                 <a:solidFill>
                   <a:schemeClr val="accent6">
                     <a:lumMod val="60000"/>
@@ -6694,7 +6700,7 @@
               </a:rPr>
               <a:t>1</a:t>
             </a:r>
-            <a:endParaRPr lang="en-IN" sz="1600" b="1" baseline="-25000" dirty="0">
+            <a:endParaRPr lang="en-IN" sz="2600" b="1" baseline="-25000" dirty="0">
               <a:solidFill>
                 <a:schemeClr val="accent6">
                   <a:lumMod val="60000"/>
@@ -6722,7 +6728,7 @@
         <p:spPr>
           <a:xfrm>
             <a:off x="6283495" y="2333066"/>
-            <a:ext cx="503150" cy="503150"/>
+            <a:ext cx="648000" cy="648000"/>
           </a:xfrm>
           <a:prstGeom prst="ellipse">
             <a:avLst/>
@@ -6756,7 +6762,7 @@
           <a:p>
             <a:pPr algn="ctr"/>
             <a:r>
-              <a:rPr lang="en-US" sz="2000" b="1" dirty="0">
+              <a:rPr lang="en-US" sz="2600" b="1" dirty="0">
                 <a:solidFill>
                   <a:prstClr val="black"/>
                 </a:solidFill>
@@ -6765,7 +6771,7 @@
               <a:t>l</a:t>
             </a:r>
             <a:r>
-              <a:rPr lang="en-US" sz="2000" b="1" baseline="-25000" dirty="0">
+              <a:rPr lang="en-US" sz="2600" b="1" baseline="-25000" dirty="0">
                 <a:solidFill>
                   <a:prstClr val="black"/>
                 </a:solidFill>
@@ -6773,7 +6779,7 @@
               </a:rPr>
               <a:t>3</a:t>
             </a:r>
-            <a:endParaRPr lang="en-IN" sz="1400" baseline="-25000" dirty="0"/>
+            <a:endParaRPr lang="en-IN" sz="2600" baseline="-25000" dirty="0"/>
           </a:p>
         </p:txBody>
       </p:sp>
@@ -6795,8 +6801,8 @@
         </p:nvCxnSpPr>
         <p:spPr>
           <a:xfrm>
-            <a:off x="5948363" y="1633588"/>
-            <a:ext cx="586707" cy="699478"/>
+            <a:off x="6020788" y="1778438"/>
+            <a:ext cx="586707" cy="554628"/>
           </a:xfrm>
           <a:prstGeom prst="line">
             <a:avLst/>
@@ -6841,7 +6847,7 @@
         <p:spPr>
           <a:xfrm>
             <a:off x="4387102" y="2343671"/>
-            <a:ext cx="503150" cy="503150"/>
+            <a:ext cx="648000" cy="648000"/>
           </a:xfrm>
           <a:prstGeom prst="ellipse">
             <a:avLst/>
@@ -6875,7 +6881,7 @@
           <a:p>
             <a:pPr algn="ctr"/>
             <a:r>
-              <a:rPr lang="en-US" sz="2000" b="1" dirty="0">
+              <a:rPr lang="en-US" sz="2600" b="1" dirty="0">
                 <a:solidFill>
                   <a:prstClr val="black"/>
                 </a:solidFill>
@@ -6884,7 +6890,7 @@
               <a:t>l</a:t>
             </a:r>
             <a:r>
-              <a:rPr lang="en-US" sz="2000" b="1" baseline="-25000" dirty="0">
+              <a:rPr lang="en-US" sz="2600" b="1" baseline="-25000" dirty="0">
                 <a:solidFill>
                   <a:prstClr val="black"/>
                 </a:solidFill>
@@ -6892,7 +6898,7 @@
               </a:rPr>
               <a:t>1</a:t>
             </a:r>
-            <a:endParaRPr lang="en-IN" sz="1400" baseline="-25000" dirty="0"/>
+            <a:endParaRPr lang="en-IN" sz="2600" baseline="-25000" dirty="0"/>
           </a:p>
         </p:txBody>
       </p:sp>
@@ -6914,8 +6920,8 @@
         </p:nvCxnSpPr>
         <p:spPr>
           <a:xfrm flipH="1">
-            <a:off x="4638677" y="1633588"/>
-            <a:ext cx="1309686" cy="710083"/>
+            <a:off x="4711102" y="1778438"/>
+            <a:ext cx="1309686" cy="565233"/>
           </a:xfrm>
           <a:prstGeom prst="line">
             <a:avLst/>
@@ -6960,7 +6966,7 @@
         <p:spPr>
           <a:xfrm>
             <a:off x="5348138" y="2343671"/>
-            <a:ext cx="503150" cy="503150"/>
+            <a:ext cx="648000" cy="648000"/>
           </a:xfrm>
           <a:prstGeom prst="ellipse">
             <a:avLst/>
@@ -6994,7 +7000,7 @@
           <a:p>
             <a:pPr algn="ctr"/>
             <a:r>
-              <a:rPr lang="en-US" sz="2000" b="1" dirty="0">
+              <a:rPr lang="en-US" sz="2600" b="1" dirty="0">
                 <a:solidFill>
                   <a:prstClr val="black"/>
                 </a:solidFill>
@@ -7003,7 +7009,7 @@
               <a:t>l</a:t>
             </a:r>
             <a:r>
-              <a:rPr lang="en-US" sz="2000" b="1" baseline="-25000" dirty="0">
+              <a:rPr lang="en-US" sz="2600" b="1" baseline="-25000" dirty="0">
                 <a:solidFill>
                   <a:prstClr val="black"/>
                 </a:solidFill>
@@ -7011,7 +7017,7 @@
               </a:rPr>
               <a:t>2</a:t>
             </a:r>
-            <a:endParaRPr lang="en-IN" sz="1400" baseline="-25000" dirty="0"/>
+            <a:endParaRPr lang="en-IN" sz="2600" baseline="-25000" dirty="0"/>
           </a:p>
         </p:txBody>
       </p:sp>
@@ -7033,8 +7039,8 @@
         </p:nvCxnSpPr>
         <p:spPr>
           <a:xfrm flipH="1">
-            <a:off x="5599713" y="1633588"/>
-            <a:ext cx="348650" cy="710083"/>
+            <a:off x="5672138" y="1778438"/>
+            <a:ext cx="348650" cy="565233"/>
           </a:xfrm>
           <a:prstGeom prst="line">
             <a:avLst/>
@@ -7080,8 +7086,8 @@
         </p:nvCxnSpPr>
         <p:spPr>
           <a:xfrm>
-            <a:off x="6126253" y="1559903"/>
-            <a:ext cx="1376002" cy="773163"/>
+            <a:off x="6249891" y="1683541"/>
+            <a:ext cx="1324789" cy="649525"/>
           </a:xfrm>
           <a:prstGeom prst="line">
             <a:avLst/>
@@ -7126,7 +7132,7 @@
         <p:spPr>
           <a:xfrm>
             <a:off x="7250680" y="2333066"/>
-            <a:ext cx="503150" cy="503150"/>
+            <a:ext cx="648000" cy="648000"/>
           </a:xfrm>
           <a:prstGeom prst="ellipse">
             <a:avLst/>
@@ -7163,7 +7169,7 @@
           <a:p>
             <a:pPr algn="ctr"/>
             <a:r>
-              <a:rPr lang="en-US" sz="1600" b="1" dirty="0">
+              <a:rPr lang="en-US" sz="2600" b="1" dirty="0">
                 <a:solidFill>
                   <a:schemeClr val="accent5">
                     <a:lumMod val="60000"/>
@@ -7174,7 +7180,7 @@
               <a:t>T</a:t>
             </a:r>
             <a:r>
-              <a:rPr lang="en-US" sz="1600" b="1" baseline="-25000" dirty="0">
+              <a:rPr lang="en-US" sz="2600" b="1" baseline="-25000" dirty="0">
                 <a:solidFill>
                   <a:schemeClr val="accent5">
                     <a:lumMod val="60000"/>
@@ -7184,7 +7190,7 @@
               </a:rPr>
               <a:t>2</a:t>
             </a:r>
-            <a:endParaRPr lang="en-IN" sz="1600" b="1" baseline="-25000" dirty="0">
+            <a:endParaRPr lang="en-IN" sz="2600" b="1" baseline="-25000" dirty="0">
               <a:solidFill>
                 <a:schemeClr val="accent5">
                   <a:lumMod val="60000"/>
@@ -7212,7 +7218,7 @@
         <p:spPr>
           <a:xfrm>
             <a:off x="6085720" y="3537613"/>
-            <a:ext cx="503150" cy="503150"/>
+            <a:ext cx="648000" cy="648000"/>
           </a:xfrm>
           <a:prstGeom prst="ellipse">
             <a:avLst/>
@@ -7246,7 +7252,7 @@
           <a:p>
             <a:pPr algn="ctr"/>
             <a:r>
-              <a:rPr lang="en-US" sz="2000" b="1" dirty="0">
+              <a:rPr lang="en-US" sz="2600" b="1" dirty="0">
                 <a:solidFill>
                   <a:prstClr val="black"/>
                 </a:solidFill>
@@ -7255,7 +7261,7 @@
               <a:t>l</a:t>
             </a:r>
             <a:r>
-              <a:rPr lang="en-US" sz="2000" b="1" baseline="-25000" dirty="0">
+              <a:rPr lang="en-US" sz="2600" b="1" baseline="-25000" dirty="0">
                 <a:solidFill>
                   <a:prstClr val="black"/>
                 </a:solidFill>
@@ -7263,7 +7269,7 @@
               </a:rPr>
               <a:t>4</a:t>
             </a:r>
-            <a:endParaRPr lang="en-IN" sz="1400" baseline="-25000" dirty="0"/>
+            <a:endParaRPr lang="en-IN" sz="2600" baseline="-25000" dirty="0"/>
           </a:p>
         </p:txBody>
       </p:sp>
@@ -7284,7 +7290,7 @@
         <p:spPr>
           <a:xfrm>
             <a:off x="6887674" y="3535694"/>
-            <a:ext cx="503150" cy="503150"/>
+            <a:ext cx="648000" cy="648000"/>
           </a:xfrm>
           <a:prstGeom prst="ellipse">
             <a:avLst/>
@@ -7318,7 +7324,7 @@
           <a:p>
             <a:pPr algn="ctr"/>
             <a:r>
-              <a:rPr lang="en-US" sz="2000" b="1" dirty="0">
+              <a:rPr lang="en-US" sz="2600" b="1" dirty="0">
                 <a:solidFill>
                   <a:prstClr val="black"/>
                 </a:solidFill>
@@ -7327,7 +7333,7 @@
               <a:t>l</a:t>
             </a:r>
             <a:r>
-              <a:rPr lang="en-US" sz="2000" b="1" baseline="-25000" dirty="0">
+              <a:rPr lang="en-US" sz="2600" b="1" baseline="-25000" dirty="0">
                 <a:solidFill>
                   <a:prstClr val="black"/>
                 </a:solidFill>
@@ -7335,7 +7341,7 @@
               </a:rPr>
               <a:t>5</a:t>
             </a:r>
-            <a:endParaRPr lang="en-IN" sz="1400" baseline="-25000" dirty="0"/>
+            <a:endParaRPr lang="en-IN" sz="2600" baseline="-25000" dirty="0"/>
           </a:p>
         </p:txBody>
       </p:sp>
@@ -7356,7 +7362,7 @@
         <p:spPr>
           <a:xfrm>
             <a:off x="7689628" y="3535694"/>
-            <a:ext cx="503150" cy="503150"/>
+            <a:ext cx="648000" cy="648000"/>
           </a:xfrm>
           <a:prstGeom prst="ellipse">
             <a:avLst/>
@@ -7390,7 +7396,7 @@
           <a:p>
             <a:pPr algn="ctr"/>
             <a:r>
-              <a:rPr lang="en-US" sz="2000" b="1" dirty="0">
+              <a:rPr lang="en-US" sz="2600" b="1" dirty="0">
                 <a:solidFill>
                   <a:prstClr val="black"/>
                 </a:solidFill>
@@ -7399,7 +7405,7 @@
               <a:t>l</a:t>
             </a:r>
             <a:r>
-              <a:rPr lang="en-US" sz="2000" b="1" baseline="-25000" dirty="0">
+              <a:rPr lang="en-US" sz="2600" b="1" baseline="-25000" dirty="0">
                 <a:solidFill>
                   <a:prstClr val="black"/>
                 </a:solidFill>
@@ -7407,7 +7413,7 @@
               </a:rPr>
               <a:t>6</a:t>
             </a:r>
-            <a:endParaRPr lang="en-IN" sz="1400" baseline="-25000" dirty="0"/>
+            <a:endParaRPr lang="en-IN" sz="2600" baseline="-25000" dirty="0"/>
           </a:p>
         </p:txBody>
       </p:sp>
@@ -7428,7 +7434,7 @@
         <p:spPr>
           <a:xfrm>
             <a:off x="8491582" y="3535694"/>
-            <a:ext cx="503150" cy="503150"/>
+            <a:ext cx="648000" cy="648000"/>
           </a:xfrm>
           <a:prstGeom prst="ellipse">
             <a:avLst/>
@@ -7462,7 +7468,7 @@
           <a:p>
             <a:pPr algn="ctr"/>
             <a:r>
-              <a:rPr lang="en-US" sz="2000" b="1" dirty="0">
+              <a:rPr lang="en-US" sz="2600" b="1" dirty="0">
                 <a:solidFill>
                   <a:prstClr val="black"/>
                 </a:solidFill>
@@ -7471,7 +7477,7 @@
               <a:t>l</a:t>
             </a:r>
             <a:r>
-              <a:rPr lang="en-US" sz="2000" b="1" baseline="-25000" dirty="0">
+              <a:rPr lang="en-US" sz="2600" b="1" baseline="-25000" dirty="0">
                 <a:solidFill>
                   <a:prstClr val="black"/>
                 </a:solidFill>
@@ -7479,7 +7485,7 @@
               </a:rPr>
               <a:t>7</a:t>
             </a:r>
-            <a:endParaRPr lang="en-IN" sz="1400" baseline="-25000" dirty="0"/>
+            <a:endParaRPr lang="en-IN" sz="2600" baseline="-25000" dirty="0"/>
           </a:p>
         </p:txBody>
       </p:sp>
@@ -7501,8 +7507,8 @@
         </p:nvCxnSpPr>
         <p:spPr>
           <a:xfrm flipH="1">
-            <a:off x="6337295" y="2836216"/>
-            <a:ext cx="1164960" cy="701397"/>
+            <a:off x="6409720" y="2981066"/>
+            <a:ext cx="1164960" cy="556547"/>
           </a:xfrm>
           <a:prstGeom prst="line">
             <a:avLst/>
@@ -7548,8 +7554,8 @@
         </p:nvCxnSpPr>
         <p:spPr>
           <a:xfrm flipH="1">
-            <a:off x="7139249" y="2836216"/>
-            <a:ext cx="363006" cy="699478"/>
+            <a:off x="7211674" y="2981066"/>
+            <a:ext cx="363006" cy="554628"/>
           </a:xfrm>
           <a:prstGeom prst="line">
             <a:avLst/>
@@ -7595,8 +7601,8 @@
         </p:nvCxnSpPr>
         <p:spPr>
           <a:xfrm>
-            <a:off x="7502255" y="2836216"/>
-            <a:ext cx="438948" cy="699478"/>
+            <a:off x="7574680" y="2981066"/>
+            <a:ext cx="438948" cy="554628"/>
           </a:xfrm>
           <a:prstGeom prst="line">
             <a:avLst/>
@@ -7642,8 +7648,8 @@
         </p:nvCxnSpPr>
         <p:spPr>
           <a:xfrm>
-            <a:off x="7502255" y="2836216"/>
-            <a:ext cx="1240902" cy="699478"/>
+            <a:off x="7574680" y="2981066"/>
+            <a:ext cx="1240902" cy="554628"/>
           </a:xfrm>
           <a:prstGeom prst="line">
             <a:avLst/>
@@ -7671,6 +7677,3091 @@
           </a:fontRef>
         </p:style>
       </p:cxnSp>
+      <p:grpSp>
+        <p:nvGrpSpPr>
+          <p:cNvPr id="23" name="Group 22">
+            <a:extLst>
+              <a:ext uri="{FF2B5EF4-FFF2-40B4-BE49-F238E27FC236}">
+                <a16:creationId xmlns:a16="http://schemas.microsoft.com/office/drawing/2014/main" id="{7D45FDF8-7E58-4CBD-83B7-BDB663E51A5D}"/>
+              </a:ext>
+            </a:extLst>
+          </p:cNvPr>
+          <p:cNvGrpSpPr/>
+          <p:nvPr/>
+        </p:nvGrpSpPr>
+        <p:grpSpPr>
+          <a:xfrm>
+            <a:off x="4095750" y="4972050"/>
+            <a:ext cx="1511300" cy="409575"/>
+            <a:chOff x="2562225" y="4972050"/>
+            <a:chExt cx="1511300" cy="409575"/>
+          </a:xfrm>
+        </p:grpSpPr>
+        <p:sp>
+          <p:nvSpPr>
+            <p:cNvPr id="24" name="Rectangle 23">
+              <a:extLst>
+                <a:ext uri="{FF2B5EF4-FFF2-40B4-BE49-F238E27FC236}">
+                  <a16:creationId xmlns:a16="http://schemas.microsoft.com/office/drawing/2014/main" id="{59050A83-63E1-496E-B54D-3FED554941E9}"/>
+                </a:ext>
+              </a:extLst>
+            </p:cNvPr>
+            <p:cNvSpPr/>
+            <p:nvPr/>
+          </p:nvSpPr>
+          <p:spPr>
+            <a:xfrm>
+              <a:off x="2562225" y="4972050"/>
+              <a:ext cx="1511300" cy="409575"/>
+            </a:xfrm>
+            <a:prstGeom prst="rect">
+              <a:avLst/>
+            </a:prstGeom>
+            <a:solidFill>
+              <a:schemeClr val="accent5">
+                <a:lumMod val="20000"/>
+                <a:lumOff val="80000"/>
+              </a:schemeClr>
+            </a:solidFill>
+            <a:ln w="25400">
+              <a:solidFill>
+                <a:schemeClr val="tx1"/>
+              </a:solidFill>
+            </a:ln>
+          </p:spPr>
+          <p:style>
+            <a:lnRef idx="2">
+              <a:schemeClr val="accent5"/>
+            </a:lnRef>
+            <a:fillRef idx="1">
+              <a:schemeClr val="lt1"/>
+            </a:fillRef>
+            <a:effectRef idx="0">
+              <a:schemeClr val="accent5"/>
+            </a:effectRef>
+            <a:fontRef idx="minor">
+              <a:schemeClr val="dk1"/>
+            </a:fontRef>
+          </p:style>
+          <p:txBody>
+            <a:bodyPr rtlCol="0" anchor="ctr"/>
+            <a:lstStyle/>
+            <a:p>
+              <a:pPr algn="ctr"/>
+              <a:r>
+                <a:rPr lang="en-US" sz="2400" dirty="0"/>
+                <a:t>l</a:t>
+              </a:r>
+              <a:r>
+                <a:rPr lang="en-US" sz="2400" baseline="-25000" dirty="0"/>
+                <a:t>1</a:t>
+              </a:r>
+              <a:endParaRPr lang="en-IN" sz="2400" baseline="-25000" dirty="0"/>
+            </a:p>
+          </p:txBody>
+        </p:sp>
+        <p:sp>
+          <p:nvSpPr>
+            <p:cNvPr id="26" name="Rectangle 25">
+              <a:extLst>
+                <a:ext uri="{FF2B5EF4-FFF2-40B4-BE49-F238E27FC236}">
+                  <a16:creationId xmlns:a16="http://schemas.microsoft.com/office/drawing/2014/main" id="{941962E8-8FBA-4CE5-AA0B-696E770232E8}"/>
+                </a:ext>
+              </a:extLst>
+            </p:cNvPr>
+            <p:cNvSpPr/>
+            <p:nvPr/>
+          </p:nvSpPr>
+          <p:spPr>
+            <a:xfrm>
+              <a:off x="3629025" y="4972050"/>
+              <a:ext cx="438150" cy="409575"/>
+            </a:xfrm>
+            <a:prstGeom prst="rect">
+              <a:avLst/>
+            </a:prstGeom>
+            <a:solidFill>
+              <a:schemeClr val="accent5">
+                <a:lumMod val="20000"/>
+                <a:lumOff val="80000"/>
+              </a:schemeClr>
+            </a:solidFill>
+            <a:ln w="25400">
+              <a:solidFill>
+                <a:schemeClr val="tx1"/>
+              </a:solidFill>
+              <a:prstDash val="dash"/>
+            </a:ln>
+          </p:spPr>
+          <p:style>
+            <a:lnRef idx="2">
+              <a:schemeClr val="accent5"/>
+            </a:lnRef>
+            <a:fillRef idx="1">
+              <a:schemeClr val="lt1"/>
+            </a:fillRef>
+            <a:effectRef idx="0">
+              <a:schemeClr val="accent5"/>
+            </a:effectRef>
+            <a:fontRef idx="minor">
+              <a:schemeClr val="dk1"/>
+            </a:fontRef>
+          </p:style>
+          <p:txBody>
+            <a:bodyPr rtlCol="0" anchor="ctr"/>
+            <a:lstStyle/>
+            <a:p>
+              <a:pPr algn="ctr"/>
+              <a:endParaRPr lang="en-IN"/>
+            </a:p>
+          </p:txBody>
+        </p:sp>
+      </p:grpSp>
+      <p:grpSp>
+        <p:nvGrpSpPr>
+          <p:cNvPr id="28" name="Group 27">
+            <a:extLst>
+              <a:ext uri="{FF2B5EF4-FFF2-40B4-BE49-F238E27FC236}">
+                <a16:creationId xmlns:a16="http://schemas.microsoft.com/office/drawing/2014/main" id="{714E5541-9E11-4977-A1C7-B405FB6657A5}"/>
+              </a:ext>
+            </a:extLst>
+          </p:cNvPr>
+          <p:cNvGrpSpPr/>
+          <p:nvPr/>
+        </p:nvGrpSpPr>
+        <p:grpSpPr>
+          <a:xfrm>
+            <a:off x="5600700" y="4972050"/>
+            <a:ext cx="1504950" cy="409575"/>
+            <a:chOff x="2562225" y="4972050"/>
+            <a:chExt cx="1504950" cy="409575"/>
+          </a:xfrm>
+        </p:grpSpPr>
+        <p:sp>
+          <p:nvSpPr>
+            <p:cNvPr id="30" name="Rectangle 29">
+              <a:extLst>
+                <a:ext uri="{FF2B5EF4-FFF2-40B4-BE49-F238E27FC236}">
+                  <a16:creationId xmlns:a16="http://schemas.microsoft.com/office/drawing/2014/main" id="{79F2F863-644E-4028-9479-32B3C5373A54}"/>
+                </a:ext>
+              </a:extLst>
+            </p:cNvPr>
+            <p:cNvSpPr/>
+            <p:nvPr/>
+          </p:nvSpPr>
+          <p:spPr>
+            <a:xfrm>
+              <a:off x="2562225" y="4972050"/>
+              <a:ext cx="1504950" cy="409575"/>
+            </a:xfrm>
+            <a:prstGeom prst="rect">
+              <a:avLst/>
+            </a:prstGeom>
+            <a:ln w="25400">
+              <a:solidFill>
+                <a:schemeClr val="tx1"/>
+              </a:solidFill>
+            </a:ln>
+          </p:spPr>
+          <p:style>
+            <a:lnRef idx="2">
+              <a:schemeClr val="accent5"/>
+            </a:lnRef>
+            <a:fillRef idx="1">
+              <a:schemeClr val="lt1"/>
+            </a:fillRef>
+            <a:effectRef idx="0">
+              <a:schemeClr val="accent5"/>
+            </a:effectRef>
+            <a:fontRef idx="minor">
+              <a:schemeClr val="dk1"/>
+            </a:fontRef>
+          </p:style>
+          <p:txBody>
+            <a:bodyPr rtlCol="0" anchor="ctr"/>
+            <a:lstStyle/>
+            <a:p>
+              <a:pPr algn="ctr"/>
+              <a:r>
+                <a:rPr lang="en-US" sz="2400" dirty="0"/>
+                <a:t>l</a:t>
+              </a:r>
+              <a:r>
+                <a:rPr lang="en-US" sz="2400" baseline="-25000" dirty="0"/>
+                <a:t>2</a:t>
+              </a:r>
+              <a:endParaRPr lang="en-IN" sz="2400" baseline="-25000" dirty="0"/>
+            </a:p>
+          </p:txBody>
+        </p:sp>
+        <p:sp>
+          <p:nvSpPr>
+            <p:cNvPr id="32" name="Rectangle 31">
+              <a:extLst>
+                <a:ext uri="{FF2B5EF4-FFF2-40B4-BE49-F238E27FC236}">
+                  <a16:creationId xmlns:a16="http://schemas.microsoft.com/office/drawing/2014/main" id="{82D7AF36-C1AA-424B-ABBD-F05DD2375DE0}"/>
+                </a:ext>
+              </a:extLst>
+            </p:cNvPr>
+            <p:cNvSpPr/>
+            <p:nvPr/>
+          </p:nvSpPr>
+          <p:spPr>
+            <a:xfrm>
+              <a:off x="3629025" y="4972050"/>
+              <a:ext cx="438150" cy="409575"/>
+            </a:xfrm>
+            <a:prstGeom prst="rect">
+              <a:avLst/>
+            </a:prstGeom>
+            <a:ln w="25400">
+              <a:solidFill>
+                <a:schemeClr val="tx1"/>
+              </a:solidFill>
+              <a:prstDash val="dash"/>
+            </a:ln>
+          </p:spPr>
+          <p:style>
+            <a:lnRef idx="2">
+              <a:schemeClr val="accent5"/>
+            </a:lnRef>
+            <a:fillRef idx="1">
+              <a:schemeClr val="lt1"/>
+            </a:fillRef>
+            <a:effectRef idx="0">
+              <a:schemeClr val="accent5"/>
+            </a:effectRef>
+            <a:fontRef idx="minor">
+              <a:schemeClr val="dk1"/>
+            </a:fontRef>
+          </p:style>
+          <p:txBody>
+            <a:bodyPr rtlCol="0" anchor="ctr"/>
+            <a:lstStyle/>
+            <a:p>
+              <a:pPr algn="ctr"/>
+              <a:endParaRPr lang="en-IN"/>
+            </a:p>
+          </p:txBody>
+        </p:sp>
+      </p:grpSp>
+      <p:grpSp>
+        <p:nvGrpSpPr>
+          <p:cNvPr id="33" name="Group 32">
+            <a:extLst>
+              <a:ext uri="{FF2B5EF4-FFF2-40B4-BE49-F238E27FC236}">
+                <a16:creationId xmlns:a16="http://schemas.microsoft.com/office/drawing/2014/main" id="{9E31788E-D213-4FD8-A967-993F5F3C2D28}"/>
+              </a:ext>
+            </a:extLst>
+          </p:cNvPr>
+          <p:cNvGrpSpPr/>
+          <p:nvPr/>
+        </p:nvGrpSpPr>
+        <p:grpSpPr>
+          <a:xfrm>
+            <a:off x="7105650" y="4972050"/>
+            <a:ext cx="1514475" cy="409575"/>
+            <a:chOff x="2552700" y="4972050"/>
+            <a:chExt cx="1514475" cy="409575"/>
+          </a:xfrm>
+        </p:grpSpPr>
+        <p:sp>
+          <p:nvSpPr>
+            <p:cNvPr id="34" name="Rectangle 33">
+              <a:extLst>
+                <a:ext uri="{FF2B5EF4-FFF2-40B4-BE49-F238E27FC236}">
+                  <a16:creationId xmlns:a16="http://schemas.microsoft.com/office/drawing/2014/main" id="{689396F2-8951-4B75-8C98-13F49DFA692B}"/>
+                </a:ext>
+              </a:extLst>
+            </p:cNvPr>
+            <p:cNvSpPr/>
+            <p:nvPr/>
+          </p:nvSpPr>
+          <p:spPr>
+            <a:xfrm>
+              <a:off x="2552700" y="4972050"/>
+              <a:ext cx="1504950" cy="409575"/>
+            </a:xfrm>
+            <a:prstGeom prst="rect">
+              <a:avLst/>
+            </a:prstGeom>
+            <a:solidFill>
+              <a:schemeClr val="accent5">
+                <a:lumMod val="20000"/>
+                <a:lumOff val="80000"/>
+              </a:schemeClr>
+            </a:solidFill>
+            <a:ln w="25400">
+              <a:solidFill>
+                <a:schemeClr val="tx1"/>
+              </a:solidFill>
+            </a:ln>
+          </p:spPr>
+          <p:style>
+            <a:lnRef idx="2">
+              <a:schemeClr val="accent5"/>
+            </a:lnRef>
+            <a:fillRef idx="1">
+              <a:schemeClr val="lt1"/>
+            </a:fillRef>
+            <a:effectRef idx="0">
+              <a:schemeClr val="accent5"/>
+            </a:effectRef>
+            <a:fontRef idx="minor">
+              <a:schemeClr val="dk1"/>
+            </a:fontRef>
+          </p:style>
+          <p:txBody>
+            <a:bodyPr rtlCol="0" anchor="ctr"/>
+            <a:lstStyle/>
+            <a:p>
+              <a:pPr algn="ctr"/>
+              <a:r>
+                <a:rPr lang="en-US" sz="2400" dirty="0"/>
+                <a:t>l</a:t>
+              </a:r>
+              <a:r>
+                <a:rPr lang="en-US" sz="2400" baseline="-25000" dirty="0"/>
+                <a:t>3</a:t>
+              </a:r>
+              <a:endParaRPr lang="en-IN" sz="2400" baseline="-25000" dirty="0"/>
+            </a:p>
+          </p:txBody>
+        </p:sp>
+        <p:sp>
+          <p:nvSpPr>
+            <p:cNvPr id="35" name="Rectangle 34">
+              <a:extLst>
+                <a:ext uri="{FF2B5EF4-FFF2-40B4-BE49-F238E27FC236}">
+                  <a16:creationId xmlns:a16="http://schemas.microsoft.com/office/drawing/2014/main" id="{334786C6-C16D-49D4-AFF5-DF6B6CDA2FD7}"/>
+                </a:ext>
+              </a:extLst>
+            </p:cNvPr>
+            <p:cNvSpPr/>
+            <p:nvPr/>
+          </p:nvSpPr>
+          <p:spPr>
+            <a:xfrm>
+              <a:off x="3629025" y="4972050"/>
+              <a:ext cx="438150" cy="409575"/>
+            </a:xfrm>
+            <a:prstGeom prst="rect">
+              <a:avLst/>
+            </a:prstGeom>
+            <a:solidFill>
+              <a:schemeClr val="accent5">
+                <a:lumMod val="20000"/>
+                <a:lumOff val="80000"/>
+              </a:schemeClr>
+            </a:solidFill>
+            <a:ln w="25400">
+              <a:solidFill>
+                <a:schemeClr val="tx1"/>
+              </a:solidFill>
+              <a:prstDash val="dash"/>
+            </a:ln>
+          </p:spPr>
+          <p:style>
+            <a:lnRef idx="2">
+              <a:schemeClr val="accent5"/>
+            </a:lnRef>
+            <a:fillRef idx="1">
+              <a:schemeClr val="lt1"/>
+            </a:fillRef>
+            <a:effectRef idx="0">
+              <a:schemeClr val="accent5"/>
+            </a:effectRef>
+            <a:fontRef idx="minor">
+              <a:schemeClr val="dk1"/>
+            </a:fontRef>
+          </p:style>
+          <p:txBody>
+            <a:bodyPr rtlCol="0" anchor="ctr"/>
+            <a:lstStyle/>
+            <a:p>
+              <a:pPr algn="ctr"/>
+              <a:endParaRPr lang="en-IN"/>
+            </a:p>
+          </p:txBody>
+        </p:sp>
+      </p:grpSp>
+      <p:grpSp>
+        <p:nvGrpSpPr>
+          <p:cNvPr id="3" name="Group 2">
+            <a:extLst>
+              <a:ext uri="{FF2B5EF4-FFF2-40B4-BE49-F238E27FC236}">
+                <a16:creationId xmlns:a16="http://schemas.microsoft.com/office/drawing/2014/main" id="{8566B7AD-1378-44C0-9B4A-DA13FFCDBF69}"/>
+              </a:ext>
+            </a:extLst>
+          </p:cNvPr>
+          <p:cNvGrpSpPr/>
+          <p:nvPr/>
+        </p:nvGrpSpPr>
+        <p:grpSpPr>
+          <a:xfrm>
+            <a:off x="2552700" y="4972050"/>
+            <a:ext cx="1524000" cy="409575"/>
+            <a:chOff x="2552700" y="4972050"/>
+            <a:chExt cx="1524000" cy="409575"/>
+          </a:xfrm>
+        </p:grpSpPr>
+        <p:sp>
+          <p:nvSpPr>
+            <p:cNvPr id="21" name="Rectangle 20">
+              <a:extLst>
+                <a:ext uri="{FF2B5EF4-FFF2-40B4-BE49-F238E27FC236}">
+                  <a16:creationId xmlns:a16="http://schemas.microsoft.com/office/drawing/2014/main" id="{408F567E-5CEF-4571-967B-4DADC7E0677E}"/>
+                </a:ext>
+              </a:extLst>
+            </p:cNvPr>
+            <p:cNvSpPr/>
+            <p:nvPr/>
+          </p:nvSpPr>
+          <p:spPr>
+            <a:xfrm>
+              <a:off x="3635375" y="4972050"/>
+              <a:ext cx="438150" cy="409575"/>
+            </a:xfrm>
+            <a:prstGeom prst="rect">
+              <a:avLst/>
+            </a:prstGeom>
+            <a:ln w="25400">
+              <a:solidFill>
+                <a:schemeClr val="accent6">
+                  <a:lumMod val="60000"/>
+                  <a:lumOff val="40000"/>
+                </a:schemeClr>
+              </a:solidFill>
+              <a:prstDash val="dash"/>
+            </a:ln>
+          </p:spPr>
+          <p:style>
+            <a:lnRef idx="2">
+              <a:schemeClr val="accent5"/>
+            </a:lnRef>
+            <a:fillRef idx="1">
+              <a:schemeClr val="lt1"/>
+            </a:fillRef>
+            <a:effectRef idx="0">
+              <a:schemeClr val="accent5"/>
+            </a:effectRef>
+            <a:fontRef idx="minor">
+              <a:schemeClr val="dk1"/>
+            </a:fontRef>
+          </p:style>
+          <p:txBody>
+            <a:bodyPr rtlCol="0" anchor="ctr"/>
+            <a:lstStyle/>
+            <a:p>
+              <a:pPr algn="ctr"/>
+              <a:endParaRPr lang="en-IN"/>
+            </a:p>
+          </p:txBody>
+        </p:sp>
+        <p:sp>
+          <p:nvSpPr>
+            <p:cNvPr id="2" name="Rectangle 1">
+              <a:extLst>
+                <a:ext uri="{FF2B5EF4-FFF2-40B4-BE49-F238E27FC236}">
+                  <a16:creationId xmlns:a16="http://schemas.microsoft.com/office/drawing/2014/main" id="{BC5BF3AF-83F9-4ECD-ABFC-30AAD6414776}"/>
+                </a:ext>
+              </a:extLst>
+            </p:cNvPr>
+            <p:cNvSpPr/>
+            <p:nvPr/>
+          </p:nvSpPr>
+          <p:spPr>
+            <a:xfrm>
+              <a:off x="2552700" y="4972050"/>
+              <a:ext cx="1524000" cy="409575"/>
+            </a:xfrm>
+            <a:prstGeom prst="rect">
+              <a:avLst/>
+            </a:prstGeom>
+            <a:noFill/>
+            <a:ln w="25400">
+              <a:solidFill>
+                <a:schemeClr val="accent6">
+                  <a:lumMod val="60000"/>
+                  <a:lumOff val="40000"/>
+                </a:schemeClr>
+              </a:solidFill>
+            </a:ln>
+          </p:spPr>
+          <p:style>
+            <a:lnRef idx="2">
+              <a:schemeClr val="accent5"/>
+            </a:lnRef>
+            <a:fillRef idx="1">
+              <a:schemeClr val="lt1"/>
+            </a:fillRef>
+            <a:effectRef idx="0">
+              <a:schemeClr val="accent5"/>
+            </a:effectRef>
+            <a:fontRef idx="minor">
+              <a:schemeClr val="dk1"/>
+            </a:fontRef>
+          </p:style>
+          <p:txBody>
+            <a:bodyPr rtlCol="0" anchor="ctr"/>
+            <a:lstStyle/>
+            <a:p>
+              <a:pPr algn="ctr"/>
+              <a:r>
+                <a:rPr lang="en-US" sz="2400" dirty="0"/>
+                <a:t>T</a:t>
+              </a:r>
+              <a:r>
+                <a:rPr lang="en-US" sz="2400" baseline="-25000" dirty="0"/>
+                <a:t>1</a:t>
+              </a:r>
+              <a:endParaRPr lang="en-IN" sz="2400" baseline="-25000" dirty="0"/>
+            </a:p>
+          </p:txBody>
+        </p:sp>
+      </p:grpSp>
+      <p:cxnSp>
+        <p:nvCxnSpPr>
+          <p:cNvPr id="6" name="Connector: Curved 5">
+            <a:extLst>
+              <a:ext uri="{FF2B5EF4-FFF2-40B4-BE49-F238E27FC236}">
+                <a16:creationId xmlns:a16="http://schemas.microsoft.com/office/drawing/2014/main" id="{4477872E-4511-400C-A8D1-69038FD3FAB4}"/>
+              </a:ext>
+            </a:extLst>
+          </p:cNvPr>
+          <p:cNvCxnSpPr>
+            <a:cxnSpLocks/>
+            <a:endCxn id="24" idx="0"/>
+          </p:cNvCxnSpPr>
+          <p:nvPr/>
+        </p:nvCxnSpPr>
+        <p:spPr>
+          <a:xfrm flipV="1">
+            <a:off x="3848100" y="4972050"/>
+            <a:ext cx="1003300" cy="180975"/>
+          </a:xfrm>
+          <a:prstGeom prst="curvedConnector4">
+            <a:avLst>
+              <a:gd name="adj1" fmla="val 12342"/>
+              <a:gd name="adj2" fmla="val 226316"/>
+            </a:avLst>
+          </a:prstGeom>
+          <a:ln w="31750">
+            <a:solidFill>
+              <a:schemeClr val="accent2">
+                <a:lumMod val="75000"/>
+              </a:schemeClr>
+            </a:solidFill>
+            <a:prstDash val="dash"/>
+            <a:tailEnd type="triangle" w="lg" len="med"/>
+          </a:ln>
+        </p:spPr>
+        <p:style>
+          <a:lnRef idx="1">
+            <a:schemeClr val="accent1"/>
+          </a:lnRef>
+          <a:fillRef idx="0">
+            <a:schemeClr val="accent1"/>
+          </a:fillRef>
+          <a:effectRef idx="0">
+            <a:schemeClr val="accent1"/>
+          </a:effectRef>
+          <a:fontRef idx="minor">
+            <a:schemeClr val="tx1"/>
+          </a:fontRef>
+        </p:style>
+      </p:cxnSp>
+      <p:grpSp>
+        <p:nvGrpSpPr>
+          <p:cNvPr id="69" name="Group 68">
+            <a:extLst>
+              <a:ext uri="{FF2B5EF4-FFF2-40B4-BE49-F238E27FC236}">
+                <a16:creationId xmlns:a16="http://schemas.microsoft.com/office/drawing/2014/main" id="{0C1F5966-CB2D-4CB8-A13C-3CD9DA0434A9}"/>
+              </a:ext>
+            </a:extLst>
+          </p:cNvPr>
+          <p:cNvGrpSpPr/>
+          <p:nvPr/>
+        </p:nvGrpSpPr>
+        <p:grpSpPr>
+          <a:xfrm>
+            <a:off x="2552700" y="5734045"/>
+            <a:ext cx="7572374" cy="409580"/>
+            <a:chOff x="2552700" y="5734045"/>
+            <a:chExt cx="7010400" cy="409580"/>
+          </a:xfrm>
+        </p:grpSpPr>
+        <p:grpSp>
+          <p:nvGrpSpPr>
+            <p:cNvPr id="46" name="Group 45">
+              <a:extLst>
+                <a:ext uri="{FF2B5EF4-FFF2-40B4-BE49-F238E27FC236}">
+                  <a16:creationId xmlns:a16="http://schemas.microsoft.com/office/drawing/2014/main" id="{D490D367-946A-4DD6-B86A-52B87E54C1FA}"/>
+                </a:ext>
+              </a:extLst>
+            </p:cNvPr>
+            <p:cNvGrpSpPr/>
+            <p:nvPr/>
+          </p:nvGrpSpPr>
+          <p:grpSpPr>
+            <a:xfrm>
+              <a:off x="2552700" y="5734047"/>
+              <a:ext cx="1752600" cy="409578"/>
+              <a:chOff x="2552700" y="5734047"/>
+              <a:chExt cx="1752600" cy="409578"/>
+            </a:xfrm>
+          </p:grpSpPr>
+          <p:sp>
+            <p:nvSpPr>
+              <p:cNvPr id="49" name="Rectangle 48">
+                <a:extLst>
+                  <a:ext uri="{FF2B5EF4-FFF2-40B4-BE49-F238E27FC236}">
+                    <a16:creationId xmlns:a16="http://schemas.microsoft.com/office/drawing/2014/main" id="{64DCA5B4-FF88-4D7A-B53F-74DB6A36BA17}"/>
+                  </a:ext>
+                </a:extLst>
+              </p:cNvPr>
+              <p:cNvSpPr/>
+              <p:nvPr/>
+            </p:nvSpPr>
+            <p:spPr>
+              <a:xfrm>
+                <a:off x="2552700" y="5734050"/>
+                <a:ext cx="438150" cy="409575"/>
+              </a:xfrm>
+              <a:prstGeom prst="rect">
+                <a:avLst/>
+              </a:prstGeom>
+              <a:solidFill>
+                <a:schemeClr val="accent5">
+                  <a:lumMod val="20000"/>
+                  <a:lumOff val="80000"/>
+                </a:schemeClr>
+              </a:solidFill>
+              <a:ln w="25400">
+                <a:solidFill>
+                  <a:schemeClr val="tx1"/>
+                </a:solidFill>
+              </a:ln>
+            </p:spPr>
+            <p:style>
+              <a:lnRef idx="2">
+                <a:schemeClr val="accent5"/>
+              </a:lnRef>
+              <a:fillRef idx="1">
+                <a:schemeClr val="lt1"/>
+              </a:fillRef>
+              <a:effectRef idx="0">
+                <a:schemeClr val="accent5"/>
+              </a:effectRef>
+              <a:fontRef idx="minor">
+                <a:schemeClr val="dk1"/>
+              </a:fontRef>
+            </p:style>
+            <p:txBody>
+              <a:bodyPr rtlCol="0" anchor="ctr"/>
+              <a:lstStyle/>
+              <a:p>
+                <a:pPr algn="ctr"/>
+                <a:r>
+                  <a:rPr lang="en-US" sz="1800" dirty="0"/>
+                  <a:t>l</a:t>
+                </a:r>
+                <a:r>
+                  <a:rPr lang="en-US" sz="1800" baseline="-25000" dirty="0"/>
+                  <a:t>1</a:t>
+                </a:r>
+                <a:endParaRPr lang="en-IN" sz="1800" baseline="-25000" dirty="0"/>
+              </a:p>
+            </p:txBody>
+          </p:sp>
+          <p:sp>
+            <p:nvSpPr>
+              <p:cNvPr id="51" name="Rectangle 50">
+                <a:extLst>
+                  <a:ext uri="{FF2B5EF4-FFF2-40B4-BE49-F238E27FC236}">
+                    <a16:creationId xmlns:a16="http://schemas.microsoft.com/office/drawing/2014/main" id="{824AC749-A759-4CBA-BC39-F01DFE0449B4}"/>
+                  </a:ext>
+                </a:extLst>
+              </p:cNvPr>
+              <p:cNvSpPr/>
+              <p:nvPr/>
+            </p:nvSpPr>
+            <p:spPr>
+              <a:xfrm>
+                <a:off x="2990850" y="5734049"/>
+                <a:ext cx="438150" cy="409575"/>
+              </a:xfrm>
+              <a:prstGeom prst="rect">
+                <a:avLst/>
+              </a:prstGeom>
+              <a:solidFill>
+                <a:schemeClr val="accent5">
+                  <a:lumMod val="20000"/>
+                  <a:lumOff val="80000"/>
+                </a:schemeClr>
+              </a:solidFill>
+              <a:ln w="25400">
+                <a:solidFill>
+                  <a:schemeClr val="tx1"/>
+                </a:solidFill>
+              </a:ln>
+            </p:spPr>
+            <p:style>
+              <a:lnRef idx="2">
+                <a:schemeClr val="accent5"/>
+              </a:lnRef>
+              <a:fillRef idx="1">
+                <a:schemeClr val="lt1"/>
+              </a:fillRef>
+              <a:effectRef idx="0">
+                <a:schemeClr val="accent5"/>
+              </a:effectRef>
+              <a:fontRef idx="minor">
+                <a:schemeClr val="dk1"/>
+              </a:fontRef>
+            </p:style>
+            <p:txBody>
+              <a:bodyPr rtlCol="0" anchor="ctr"/>
+              <a:lstStyle/>
+              <a:p>
+                <a:pPr algn="ctr"/>
+                <a:r>
+                  <a:rPr lang="en-US" sz="1800" dirty="0"/>
+                  <a:t>l</a:t>
+                </a:r>
+                <a:r>
+                  <a:rPr lang="en-US" sz="1800" baseline="-25000" dirty="0"/>
+                  <a:t>1</a:t>
+                </a:r>
+                <a:endParaRPr lang="en-IN" sz="1800" baseline="-25000" dirty="0"/>
+              </a:p>
+            </p:txBody>
+          </p:sp>
+          <p:sp>
+            <p:nvSpPr>
+              <p:cNvPr id="52" name="Rectangle 51">
+                <a:extLst>
+                  <a:ext uri="{FF2B5EF4-FFF2-40B4-BE49-F238E27FC236}">
+                    <a16:creationId xmlns:a16="http://schemas.microsoft.com/office/drawing/2014/main" id="{EDAE2E60-AC10-43FD-9E99-E9CA626D252D}"/>
+                  </a:ext>
+                </a:extLst>
+              </p:cNvPr>
+              <p:cNvSpPr/>
+              <p:nvPr/>
+            </p:nvSpPr>
+            <p:spPr>
+              <a:xfrm>
+                <a:off x="3429000" y="5734048"/>
+                <a:ext cx="438150" cy="409575"/>
+              </a:xfrm>
+              <a:prstGeom prst="rect">
+                <a:avLst/>
+              </a:prstGeom>
+              <a:solidFill>
+                <a:schemeClr val="accent5">
+                  <a:lumMod val="20000"/>
+                  <a:lumOff val="80000"/>
+                </a:schemeClr>
+              </a:solidFill>
+              <a:ln w="25400">
+                <a:solidFill>
+                  <a:schemeClr val="tx1"/>
+                </a:solidFill>
+              </a:ln>
+            </p:spPr>
+            <p:style>
+              <a:lnRef idx="2">
+                <a:schemeClr val="accent5"/>
+              </a:lnRef>
+              <a:fillRef idx="1">
+                <a:schemeClr val="lt1"/>
+              </a:fillRef>
+              <a:effectRef idx="0">
+                <a:schemeClr val="accent5"/>
+              </a:effectRef>
+              <a:fontRef idx="minor">
+                <a:schemeClr val="dk1"/>
+              </a:fontRef>
+            </p:style>
+            <p:txBody>
+              <a:bodyPr rtlCol="0" anchor="ctr"/>
+              <a:lstStyle/>
+              <a:p>
+                <a:pPr algn="ctr"/>
+                <a:r>
+                  <a:rPr lang="en-US" sz="1800" dirty="0"/>
+                  <a:t>l</a:t>
+                </a:r>
+                <a:r>
+                  <a:rPr lang="en-US" sz="1800" baseline="-25000" dirty="0"/>
+                  <a:t>1</a:t>
+                </a:r>
+                <a:endParaRPr lang="en-IN" sz="1800" baseline="-25000" dirty="0"/>
+              </a:p>
+            </p:txBody>
+          </p:sp>
+          <p:sp>
+            <p:nvSpPr>
+              <p:cNvPr id="54" name="Rectangle 53">
+                <a:extLst>
+                  <a:ext uri="{FF2B5EF4-FFF2-40B4-BE49-F238E27FC236}">
+                    <a16:creationId xmlns:a16="http://schemas.microsoft.com/office/drawing/2014/main" id="{4D639C9C-94CC-4F39-ABFC-10100B3699CB}"/>
+                  </a:ext>
+                </a:extLst>
+              </p:cNvPr>
+              <p:cNvSpPr/>
+              <p:nvPr/>
+            </p:nvSpPr>
+            <p:spPr>
+              <a:xfrm>
+                <a:off x="3867150" y="5734047"/>
+                <a:ext cx="438150" cy="409575"/>
+              </a:xfrm>
+              <a:prstGeom prst="rect">
+                <a:avLst/>
+              </a:prstGeom>
+              <a:solidFill>
+                <a:schemeClr val="accent5">
+                  <a:lumMod val="20000"/>
+                  <a:lumOff val="80000"/>
+                </a:schemeClr>
+              </a:solidFill>
+              <a:ln w="25400">
+                <a:solidFill>
+                  <a:schemeClr val="tx1"/>
+                </a:solidFill>
+              </a:ln>
+            </p:spPr>
+            <p:style>
+              <a:lnRef idx="2">
+                <a:schemeClr val="accent5"/>
+              </a:lnRef>
+              <a:fillRef idx="1">
+                <a:schemeClr val="lt1"/>
+              </a:fillRef>
+              <a:effectRef idx="0">
+                <a:schemeClr val="accent5"/>
+              </a:effectRef>
+              <a:fontRef idx="minor">
+                <a:schemeClr val="dk1"/>
+              </a:fontRef>
+            </p:style>
+            <p:txBody>
+              <a:bodyPr rtlCol="0" anchor="ctr"/>
+              <a:lstStyle/>
+              <a:p>
+                <a:pPr algn="ctr"/>
+                <a:r>
+                  <a:rPr lang="en-US" sz="1800" dirty="0"/>
+                  <a:t>l</a:t>
+                </a:r>
+                <a:r>
+                  <a:rPr lang="en-US" sz="1800" baseline="-25000" dirty="0"/>
+                  <a:t>1</a:t>
+                </a:r>
+                <a:endParaRPr lang="en-IN" sz="1800" baseline="-25000" dirty="0"/>
+              </a:p>
+            </p:txBody>
+          </p:sp>
+        </p:grpSp>
+        <p:grpSp>
+          <p:nvGrpSpPr>
+            <p:cNvPr id="48" name="Group 47">
+              <a:extLst>
+                <a:ext uri="{FF2B5EF4-FFF2-40B4-BE49-F238E27FC236}">
+                  <a16:creationId xmlns:a16="http://schemas.microsoft.com/office/drawing/2014/main" id="{BA864B9A-C28F-4EFB-A987-3FB491D49698}"/>
+                </a:ext>
+              </a:extLst>
+            </p:cNvPr>
+            <p:cNvGrpSpPr/>
+            <p:nvPr/>
+          </p:nvGrpSpPr>
+          <p:grpSpPr>
+            <a:xfrm>
+              <a:off x="4305300" y="5734045"/>
+              <a:ext cx="1752600" cy="409577"/>
+              <a:chOff x="4305300" y="5734045"/>
+              <a:chExt cx="1752600" cy="409577"/>
+            </a:xfrm>
+          </p:grpSpPr>
+          <p:sp>
+            <p:nvSpPr>
+              <p:cNvPr id="55" name="Rectangle 54">
+                <a:extLst>
+                  <a:ext uri="{FF2B5EF4-FFF2-40B4-BE49-F238E27FC236}">
+                    <a16:creationId xmlns:a16="http://schemas.microsoft.com/office/drawing/2014/main" id="{4424323A-7FBD-4F1F-9B46-919DAF7CB584}"/>
+                  </a:ext>
+                </a:extLst>
+              </p:cNvPr>
+              <p:cNvSpPr/>
+              <p:nvPr/>
+            </p:nvSpPr>
+            <p:spPr>
+              <a:xfrm>
+                <a:off x="4305300" y="5734047"/>
+                <a:ext cx="438150" cy="409575"/>
+              </a:xfrm>
+              <a:prstGeom prst="rect">
+                <a:avLst/>
+              </a:prstGeom>
+              <a:ln w="25400">
+                <a:solidFill>
+                  <a:schemeClr val="tx1"/>
+                </a:solidFill>
+              </a:ln>
+            </p:spPr>
+            <p:style>
+              <a:lnRef idx="2">
+                <a:schemeClr val="accent5"/>
+              </a:lnRef>
+              <a:fillRef idx="1">
+                <a:schemeClr val="lt1"/>
+              </a:fillRef>
+              <a:effectRef idx="0">
+                <a:schemeClr val="accent5"/>
+              </a:effectRef>
+              <a:fontRef idx="minor">
+                <a:schemeClr val="dk1"/>
+              </a:fontRef>
+            </p:style>
+            <p:txBody>
+              <a:bodyPr rtlCol="0" anchor="ctr"/>
+              <a:lstStyle/>
+              <a:p>
+                <a:pPr algn="ctr"/>
+                <a:r>
+                  <a:rPr lang="en-US" sz="1800" dirty="0"/>
+                  <a:t>l</a:t>
+                </a:r>
+                <a:r>
+                  <a:rPr lang="en-US" sz="1800" baseline="-25000" dirty="0"/>
+                  <a:t>2</a:t>
+                </a:r>
+                <a:endParaRPr lang="en-IN" sz="1800" baseline="-25000" dirty="0"/>
+              </a:p>
+            </p:txBody>
+          </p:sp>
+          <p:sp>
+            <p:nvSpPr>
+              <p:cNvPr id="56" name="Rectangle 55">
+                <a:extLst>
+                  <a:ext uri="{FF2B5EF4-FFF2-40B4-BE49-F238E27FC236}">
+                    <a16:creationId xmlns:a16="http://schemas.microsoft.com/office/drawing/2014/main" id="{F8F5C369-6329-4A05-9F94-2067EA93F71B}"/>
+                  </a:ext>
+                </a:extLst>
+              </p:cNvPr>
+              <p:cNvSpPr/>
+              <p:nvPr/>
+            </p:nvSpPr>
+            <p:spPr>
+              <a:xfrm>
+                <a:off x="4743450" y="5734046"/>
+                <a:ext cx="438150" cy="409575"/>
+              </a:xfrm>
+              <a:prstGeom prst="rect">
+                <a:avLst/>
+              </a:prstGeom>
+              <a:ln w="25400">
+                <a:solidFill>
+                  <a:schemeClr val="tx1"/>
+                </a:solidFill>
+              </a:ln>
+            </p:spPr>
+            <p:style>
+              <a:lnRef idx="2">
+                <a:schemeClr val="accent5"/>
+              </a:lnRef>
+              <a:fillRef idx="1">
+                <a:schemeClr val="lt1"/>
+              </a:fillRef>
+              <a:effectRef idx="0">
+                <a:schemeClr val="accent5"/>
+              </a:effectRef>
+              <a:fontRef idx="minor">
+                <a:schemeClr val="dk1"/>
+              </a:fontRef>
+            </p:style>
+            <p:txBody>
+              <a:bodyPr rtlCol="0" anchor="ctr"/>
+              <a:lstStyle/>
+              <a:p>
+                <a:pPr algn="ctr"/>
+                <a:r>
+                  <a:rPr lang="en-US" sz="1800" dirty="0"/>
+                  <a:t>l</a:t>
+                </a:r>
+                <a:r>
+                  <a:rPr lang="en-US" sz="1800" baseline="-25000" dirty="0"/>
+                  <a:t>2</a:t>
+                </a:r>
+                <a:endParaRPr lang="en-IN" sz="1800" baseline="-25000" dirty="0"/>
+              </a:p>
+            </p:txBody>
+          </p:sp>
+          <p:sp>
+            <p:nvSpPr>
+              <p:cNvPr id="57" name="Rectangle 56">
+                <a:extLst>
+                  <a:ext uri="{FF2B5EF4-FFF2-40B4-BE49-F238E27FC236}">
+                    <a16:creationId xmlns:a16="http://schemas.microsoft.com/office/drawing/2014/main" id="{17961524-D91C-4635-85A8-FE6E097DF4C5}"/>
+                  </a:ext>
+                </a:extLst>
+              </p:cNvPr>
+              <p:cNvSpPr/>
+              <p:nvPr/>
+            </p:nvSpPr>
+            <p:spPr>
+              <a:xfrm>
+                <a:off x="5181600" y="5734046"/>
+                <a:ext cx="438150" cy="409575"/>
+              </a:xfrm>
+              <a:prstGeom prst="rect">
+                <a:avLst/>
+              </a:prstGeom>
+              <a:ln w="25400">
+                <a:solidFill>
+                  <a:schemeClr val="tx1"/>
+                </a:solidFill>
+              </a:ln>
+            </p:spPr>
+            <p:style>
+              <a:lnRef idx="2">
+                <a:schemeClr val="accent5"/>
+              </a:lnRef>
+              <a:fillRef idx="1">
+                <a:schemeClr val="lt1"/>
+              </a:fillRef>
+              <a:effectRef idx="0">
+                <a:schemeClr val="accent5"/>
+              </a:effectRef>
+              <a:fontRef idx="minor">
+                <a:schemeClr val="dk1"/>
+              </a:fontRef>
+            </p:style>
+            <p:txBody>
+              <a:bodyPr rtlCol="0" anchor="ctr"/>
+              <a:lstStyle/>
+              <a:p>
+                <a:pPr algn="ctr"/>
+                <a:r>
+                  <a:rPr lang="en-US" sz="1800" dirty="0"/>
+                  <a:t>l</a:t>
+                </a:r>
+                <a:r>
+                  <a:rPr lang="en-US" sz="1800" baseline="-25000" dirty="0"/>
+                  <a:t>2</a:t>
+                </a:r>
+                <a:endParaRPr lang="en-IN" sz="1800" baseline="-25000" dirty="0"/>
+              </a:p>
+            </p:txBody>
+          </p:sp>
+          <p:sp>
+            <p:nvSpPr>
+              <p:cNvPr id="58" name="Rectangle 57">
+                <a:extLst>
+                  <a:ext uri="{FF2B5EF4-FFF2-40B4-BE49-F238E27FC236}">
+                    <a16:creationId xmlns:a16="http://schemas.microsoft.com/office/drawing/2014/main" id="{9ECBA4B3-AE2F-4C0A-9733-134988356FF1}"/>
+                  </a:ext>
+                </a:extLst>
+              </p:cNvPr>
+              <p:cNvSpPr/>
+              <p:nvPr/>
+            </p:nvSpPr>
+            <p:spPr>
+              <a:xfrm>
+                <a:off x="5619750" y="5734045"/>
+                <a:ext cx="438150" cy="409575"/>
+              </a:xfrm>
+              <a:prstGeom prst="rect">
+                <a:avLst/>
+              </a:prstGeom>
+              <a:ln w="25400">
+                <a:solidFill>
+                  <a:schemeClr val="tx1"/>
+                </a:solidFill>
+              </a:ln>
+            </p:spPr>
+            <p:style>
+              <a:lnRef idx="2">
+                <a:schemeClr val="accent5"/>
+              </a:lnRef>
+              <a:fillRef idx="1">
+                <a:schemeClr val="lt1"/>
+              </a:fillRef>
+              <a:effectRef idx="0">
+                <a:schemeClr val="accent5"/>
+              </a:effectRef>
+              <a:fontRef idx="minor">
+                <a:schemeClr val="dk1"/>
+              </a:fontRef>
+            </p:style>
+            <p:txBody>
+              <a:bodyPr rtlCol="0" anchor="ctr"/>
+              <a:lstStyle/>
+              <a:p>
+                <a:pPr algn="ctr"/>
+                <a:r>
+                  <a:rPr lang="en-US" sz="1800" dirty="0"/>
+                  <a:t>l</a:t>
+                </a:r>
+                <a:r>
+                  <a:rPr lang="en-US" sz="1800" baseline="-25000" dirty="0"/>
+                  <a:t>2</a:t>
+                </a:r>
+                <a:endParaRPr lang="en-IN" sz="1800" baseline="-25000" dirty="0"/>
+              </a:p>
+            </p:txBody>
+          </p:sp>
+        </p:grpSp>
+        <p:grpSp>
+          <p:nvGrpSpPr>
+            <p:cNvPr id="59" name="Group 58">
+              <a:extLst>
+                <a:ext uri="{FF2B5EF4-FFF2-40B4-BE49-F238E27FC236}">
+                  <a16:creationId xmlns:a16="http://schemas.microsoft.com/office/drawing/2014/main" id="{B17666A4-8AA5-4ADA-9C07-DA41E76CEE56}"/>
+                </a:ext>
+              </a:extLst>
+            </p:cNvPr>
+            <p:cNvGrpSpPr/>
+            <p:nvPr/>
+          </p:nvGrpSpPr>
+          <p:grpSpPr>
+            <a:xfrm>
+              <a:off x="6057900" y="5734047"/>
+              <a:ext cx="1752600" cy="409578"/>
+              <a:chOff x="2552700" y="5734047"/>
+              <a:chExt cx="1752600" cy="409578"/>
+            </a:xfrm>
+          </p:grpSpPr>
+          <p:sp>
+            <p:nvSpPr>
+              <p:cNvPr id="60" name="Rectangle 59">
+                <a:extLst>
+                  <a:ext uri="{FF2B5EF4-FFF2-40B4-BE49-F238E27FC236}">
+                    <a16:creationId xmlns:a16="http://schemas.microsoft.com/office/drawing/2014/main" id="{22108B0C-4687-4434-8B36-AC6F64857C35}"/>
+                  </a:ext>
+                </a:extLst>
+              </p:cNvPr>
+              <p:cNvSpPr/>
+              <p:nvPr/>
+            </p:nvSpPr>
+            <p:spPr>
+              <a:xfrm>
+                <a:off x="2552700" y="5734050"/>
+                <a:ext cx="438150" cy="409575"/>
+              </a:xfrm>
+              <a:prstGeom prst="rect">
+                <a:avLst/>
+              </a:prstGeom>
+              <a:solidFill>
+                <a:schemeClr val="accent5">
+                  <a:lumMod val="20000"/>
+                  <a:lumOff val="80000"/>
+                </a:schemeClr>
+              </a:solidFill>
+              <a:ln w="25400">
+                <a:solidFill>
+                  <a:schemeClr val="tx1"/>
+                </a:solidFill>
+              </a:ln>
+            </p:spPr>
+            <p:style>
+              <a:lnRef idx="2">
+                <a:schemeClr val="accent5"/>
+              </a:lnRef>
+              <a:fillRef idx="1">
+                <a:schemeClr val="lt1"/>
+              </a:fillRef>
+              <a:effectRef idx="0">
+                <a:schemeClr val="accent5"/>
+              </a:effectRef>
+              <a:fontRef idx="minor">
+                <a:schemeClr val="dk1"/>
+              </a:fontRef>
+            </p:style>
+            <p:txBody>
+              <a:bodyPr rtlCol="0" anchor="ctr"/>
+              <a:lstStyle/>
+              <a:p>
+                <a:pPr algn="ctr"/>
+                <a:r>
+                  <a:rPr lang="en-US" sz="1800" dirty="0"/>
+                  <a:t>l</a:t>
+                </a:r>
+                <a:r>
+                  <a:rPr lang="en-US" sz="1800" baseline="-25000" dirty="0"/>
+                  <a:t>3</a:t>
+                </a:r>
+                <a:endParaRPr lang="en-IN" sz="1800" baseline="-25000" dirty="0"/>
+              </a:p>
+            </p:txBody>
+          </p:sp>
+          <p:sp>
+            <p:nvSpPr>
+              <p:cNvPr id="61" name="Rectangle 60">
+                <a:extLst>
+                  <a:ext uri="{FF2B5EF4-FFF2-40B4-BE49-F238E27FC236}">
+                    <a16:creationId xmlns:a16="http://schemas.microsoft.com/office/drawing/2014/main" id="{30C40269-8FA9-4A56-88F2-497393A9BFF0}"/>
+                  </a:ext>
+                </a:extLst>
+              </p:cNvPr>
+              <p:cNvSpPr/>
+              <p:nvPr/>
+            </p:nvSpPr>
+            <p:spPr>
+              <a:xfrm>
+                <a:off x="2990850" y="5734049"/>
+                <a:ext cx="438150" cy="409575"/>
+              </a:xfrm>
+              <a:prstGeom prst="rect">
+                <a:avLst/>
+              </a:prstGeom>
+              <a:solidFill>
+                <a:schemeClr val="accent5">
+                  <a:lumMod val="20000"/>
+                  <a:lumOff val="80000"/>
+                </a:schemeClr>
+              </a:solidFill>
+              <a:ln w="25400">
+                <a:solidFill>
+                  <a:schemeClr val="tx1"/>
+                </a:solidFill>
+              </a:ln>
+            </p:spPr>
+            <p:style>
+              <a:lnRef idx="2">
+                <a:schemeClr val="accent5"/>
+              </a:lnRef>
+              <a:fillRef idx="1">
+                <a:schemeClr val="lt1"/>
+              </a:fillRef>
+              <a:effectRef idx="0">
+                <a:schemeClr val="accent5"/>
+              </a:effectRef>
+              <a:fontRef idx="minor">
+                <a:schemeClr val="dk1"/>
+              </a:fontRef>
+            </p:style>
+            <p:txBody>
+              <a:bodyPr rtlCol="0" anchor="ctr"/>
+              <a:lstStyle/>
+              <a:p>
+                <a:pPr algn="ctr"/>
+                <a:r>
+                  <a:rPr lang="en-US" sz="1800" dirty="0"/>
+                  <a:t>l</a:t>
+                </a:r>
+                <a:r>
+                  <a:rPr lang="en-US" sz="1800" baseline="-25000" dirty="0"/>
+                  <a:t>3</a:t>
+                </a:r>
+                <a:endParaRPr lang="en-IN" sz="1800" baseline="-25000" dirty="0"/>
+              </a:p>
+            </p:txBody>
+          </p:sp>
+          <p:sp>
+            <p:nvSpPr>
+              <p:cNvPr id="62" name="Rectangle 61">
+                <a:extLst>
+                  <a:ext uri="{FF2B5EF4-FFF2-40B4-BE49-F238E27FC236}">
+                    <a16:creationId xmlns:a16="http://schemas.microsoft.com/office/drawing/2014/main" id="{39C91D60-B913-4446-A4B1-3062E87F8498}"/>
+                  </a:ext>
+                </a:extLst>
+              </p:cNvPr>
+              <p:cNvSpPr/>
+              <p:nvPr/>
+            </p:nvSpPr>
+            <p:spPr>
+              <a:xfrm>
+                <a:off x="3429000" y="5734048"/>
+                <a:ext cx="438150" cy="409575"/>
+              </a:xfrm>
+              <a:prstGeom prst="rect">
+                <a:avLst/>
+              </a:prstGeom>
+              <a:solidFill>
+                <a:schemeClr val="accent5">
+                  <a:lumMod val="20000"/>
+                  <a:lumOff val="80000"/>
+                </a:schemeClr>
+              </a:solidFill>
+              <a:ln w="25400">
+                <a:solidFill>
+                  <a:schemeClr val="tx1"/>
+                </a:solidFill>
+              </a:ln>
+            </p:spPr>
+            <p:style>
+              <a:lnRef idx="2">
+                <a:schemeClr val="accent5"/>
+              </a:lnRef>
+              <a:fillRef idx="1">
+                <a:schemeClr val="lt1"/>
+              </a:fillRef>
+              <a:effectRef idx="0">
+                <a:schemeClr val="accent5"/>
+              </a:effectRef>
+              <a:fontRef idx="minor">
+                <a:schemeClr val="dk1"/>
+              </a:fontRef>
+            </p:style>
+            <p:txBody>
+              <a:bodyPr rtlCol="0" anchor="ctr"/>
+              <a:lstStyle/>
+              <a:p>
+                <a:pPr algn="ctr"/>
+                <a:r>
+                  <a:rPr lang="en-US" sz="1800" dirty="0"/>
+                  <a:t>l</a:t>
+                </a:r>
+                <a:r>
+                  <a:rPr lang="en-US" sz="1800" baseline="-25000" dirty="0"/>
+                  <a:t>3</a:t>
+                </a:r>
+                <a:endParaRPr lang="en-IN" sz="1800" baseline="-25000" dirty="0"/>
+              </a:p>
+            </p:txBody>
+          </p:sp>
+          <p:sp>
+            <p:nvSpPr>
+              <p:cNvPr id="63" name="Rectangle 62">
+                <a:extLst>
+                  <a:ext uri="{FF2B5EF4-FFF2-40B4-BE49-F238E27FC236}">
+                    <a16:creationId xmlns:a16="http://schemas.microsoft.com/office/drawing/2014/main" id="{2AAF8731-AD9B-42F3-AD2D-A6D61CD4676A}"/>
+                  </a:ext>
+                </a:extLst>
+              </p:cNvPr>
+              <p:cNvSpPr/>
+              <p:nvPr/>
+            </p:nvSpPr>
+            <p:spPr>
+              <a:xfrm>
+                <a:off x="3867150" y="5734047"/>
+                <a:ext cx="438150" cy="409575"/>
+              </a:xfrm>
+              <a:prstGeom prst="rect">
+                <a:avLst/>
+              </a:prstGeom>
+              <a:solidFill>
+                <a:schemeClr val="accent5">
+                  <a:lumMod val="20000"/>
+                  <a:lumOff val="80000"/>
+                </a:schemeClr>
+              </a:solidFill>
+              <a:ln w="25400">
+                <a:solidFill>
+                  <a:schemeClr val="tx1"/>
+                </a:solidFill>
+              </a:ln>
+            </p:spPr>
+            <p:style>
+              <a:lnRef idx="2">
+                <a:schemeClr val="accent5"/>
+              </a:lnRef>
+              <a:fillRef idx="1">
+                <a:schemeClr val="lt1"/>
+              </a:fillRef>
+              <a:effectRef idx="0">
+                <a:schemeClr val="accent5"/>
+              </a:effectRef>
+              <a:fontRef idx="minor">
+                <a:schemeClr val="dk1"/>
+              </a:fontRef>
+            </p:style>
+            <p:txBody>
+              <a:bodyPr rtlCol="0" anchor="ctr"/>
+              <a:lstStyle/>
+              <a:p>
+                <a:pPr algn="ctr"/>
+                <a:r>
+                  <a:rPr lang="en-US" sz="1800" dirty="0"/>
+                  <a:t>l</a:t>
+                </a:r>
+                <a:r>
+                  <a:rPr lang="en-US" sz="1800" baseline="-25000" dirty="0"/>
+                  <a:t>3</a:t>
+                </a:r>
+                <a:endParaRPr lang="en-IN" sz="1800" baseline="-25000" dirty="0"/>
+              </a:p>
+            </p:txBody>
+          </p:sp>
+        </p:grpSp>
+        <p:grpSp>
+          <p:nvGrpSpPr>
+            <p:cNvPr id="64" name="Group 63">
+              <a:extLst>
+                <a:ext uri="{FF2B5EF4-FFF2-40B4-BE49-F238E27FC236}">
+                  <a16:creationId xmlns:a16="http://schemas.microsoft.com/office/drawing/2014/main" id="{9EA1E274-B1D0-4094-B4E9-0FEEECC7C420}"/>
+                </a:ext>
+              </a:extLst>
+            </p:cNvPr>
+            <p:cNvGrpSpPr/>
+            <p:nvPr/>
+          </p:nvGrpSpPr>
+          <p:grpSpPr>
+            <a:xfrm>
+              <a:off x="7810500" y="5734045"/>
+              <a:ext cx="1752600" cy="409577"/>
+              <a:chOff x="4305300" y="5734045"/>
+              <a:chExt cx="1752600" cy="409577"/>
+            </a:xfrm>
+          </p:grpSpPr>
+          <p:sp>
+            <p:nvSpPr>
+              <p:cNvPr id="65" name="Rectangle 64">
+                <a:extLst>
+                  <a:ext uri="{FF2B5EF4-FFF2-40B4-BE49-F238E27FC236}">
+                    <a16:creationId xmlns:a16="http://schemas.microsoft.com/office/drawing/2014/main" id="{7F99A9F1-2CDB-4B67-84F7-CAF0B033DC1F}"/>
+                  </a:ext>
+                </a:extLst>
+              </p:cNvPr>
+              <p:cNvSpPr/>
+              <p:nvPr/>
+            </p:nvSpPr>
+            <p:spPr>
+              <a:xfrm>
+                <a:off x="4305300" y="5734047"/>
+                <a:ext cx="438150" cy="409575"/>
+              </a:xfrm>
+              <a:prstGeom prst="rect">
+                <a:avLst/>
+              </a:prstGeom>
+              <a:solidFill>
+                <a:schemeClr val="bg2">
+                  <a:lumMod val="90000"/>
+                </a:schemeClr>
+              </a:solidFill>
+              <a:ln w="25400">
+                <a:solidFill>
+                  <a:schemeClr val="tx1"/>
+                </a:solidFill>
+              </a:ln>
+            </p:spPr>
+            <p:style>
+              <a:lnRef idx="2">
+                <a:schemeClr val="accent5"/>
+              </a:lnRef>
+              <a:fillRef idx="1">
+                <a:schemeClr val="lt1"/>
+              </a:fillRef>
+              <a:effectRef idx="0">
+                <a:schemeClr val="accent5"/>
+              </a:effectRef>
+              <a:fontRef idx="minor">
+                <a:schemeClr val="dk1"/>
+              </a:fontRef>
+            </p:style>
+            <p:txBody>
+              <a:bodyPr rtlCol="0" anchor="ctr"/>
+              <a:lstStyle/>
+              <a:p>
+                <a:pPr algn="ctr"/>
+                <a:r>
+                  <a:rPr lang="en-US" sz="1800" dirty="0"/>
+                  <a:t>l</a:t>
+                </a:r>
+                <a:r>
+                  <a:rPr lang="en-US" sz="1800" baseline="-25000" dirty="0"/>
+                  <a:t>4</a:t>
+                </a:r>
+                <a:endParaRPr lang="en-IN" sz="1800" baseline="-25000" dirty="0"/>
+              </a:p>
+            </p:txBody>
+          </p:sp>
+          <p:sp>
+            <p:nvSpPr>
+              <p:cNvPr id="66" name="Rectangle 65">
+                <a:extLst>
+                  <a:ext uri="{FF2B5EF4-FFF2-40B4-BE49-F238E27FC236}">
+                    <a16:creationId xmlns:a16="http://schemas.microsoft.com/office/drawing/2014/main" id="{095F1705-0441-46FB-8692-7255D743DFE8}"/>
+                  </a:ext>
+                </a:extLst>
+              </p:cNvPr>
+              <p:cNvSpPr/>
+              <p:nvPr/>
+            </p:nvSpPr>
+            <p:spPr>
+              <a:xfrm>
+                <a:off x="4743450" y="5734046"/>
+                <a:ext cx="438150" cy="409575"/>
+              </a:xfrm>
+              <a:prstGeom prst="rect">
+                <a:avLst/>
+              </a:prstGeom>
+              <a:solidFill>
+                <a:schemeClr val="bg2">
+                  <a:lumMod val="90000"/>
+                </a:schemeClr>
+              </a:solidFill>
+              <a:ln w="25400">
+                <a:solidFill>
+                  <a:schemeClr val="tx1"/>
+                </a:solidFill>
+              </a:ln>
+            </p:spPr>
+            <p:style>
+              <a:lnRef idx="2">
+                <a:schemeClr val="accent5"/>
+              </a:lnRef>
+              <a:fillRef idx="1">
+                <a:schemeClr val="lt1"/>
+              </a:fillRef>
+              <a:effectRef idx="0">
+                <a:schemeClr val="accent5"/>
+              </a:effectRef>
+              <a:fontRef idx="minor">
+                <a:schemeClr val="dk1"/>
+              </a:fontRef>
+            </p:style>
+            <p:txBody>
+              <a:bodyPr rtlCol="0" anchor="ctr"/>
+              <a:lstStyle/>
+              <a:p>
+                <a:pPr algn="ctr"/>
+                <a:r>
+                  <a:rPr lang="en-US" sz="1800" dirty="0"/>
+                  <a:t>l</a:t>
+                </a:r>
+                <a:r>
+                  <a:rPr lang="en-US" sz="1800" baseline="-25000" dirty="0"/>
+                  <a:t>5</a:t>
+                </a:r>
+                <a:endParaRPr lang="en-IN" sz="1800" baseline="-25000" dirty="0"/>
+              </a:p>
+            </p:txBody>
+          </p:sp>
+          <p:sp>
+            <p:nvSpPr>
+              <p:cNvPr id="67" name="Rectangle 66">
+                <a:extLst>
+                  <a:ext uri="{FF2B5EF4-FFF2-40B4-BE49-F238E27FC236}">
+                    <a16:creationId xmlns:a16="http://schemas.microsoft.com/office/drawing/2014/main" id="{008C7854-CB4C-414A-A4B1-899FF5F953DA}"/>
+                  </a:ext>
+                </a:extLst>
+              </p:cNvPr>
+              <p:cNvSpPr/>
+              <p:nvPr/>
+            </p:nvSpPr>
+            <p:spPr>
+              <a:xfrm>
+                <a:off x="5181600" y="5734046"/>
+                <a:ext cx="438150" cy="409575"/>
+              </a:xfrm>
+              <a:prstGeom prst="rect">
+                <a:avLst/>
+              </a:prstGeom>
+              <a:solidFill>
+                <a:schemeClr val="bg2">
+                  <a:lumMod val="90000"/>
+                </a:schemeClr>
+              </a:solidFill>
+              <a:ln w="25400">
+                <a:solidFill>
+                  <a:schemeClr val="tx1"/>
+                </a:solidFill>
+              </a:ln>
+            </p:spPr>
+            <p:style>
+              <a:lnRef idx="2">
+                <a:schemeClr val="accent5"/>
+              </a:lnRef>
+              <a:fillRef idx="1">
+                <a:schemeClr val="lt1"/>
+              </a:fillRef>
+              <a:effectRef idx="0">
+                <a:schemeClr val="accent5"/>
+              </a:effectRef>
+              <a:fontRef idx="minor">
+                <a:schemeClr val="dk1"/>
+              </a:fontRef>
+            </p:style>
+            <p:txBody>
+              <a:bodyPr rtlCol="0" anchor="ctr"/>
+              <a:lstStyle/>
+              <a:p>
+                <a:pPr algn="ctr"/>
+                <a:r>
+                  <a:rPr lang="en-US" sz="1800" dirty="0"/>
+                  <a:t>l</a:t>
+                </a:r>
+                <a:r>
+                  <a:rPr lang="en-US" sz="1800" baseline="-25000" dirty="0"/>
+                  <a:t>6</a:t>
+                </a:r>
+                <a:endParaRPr lang="en-IN" sz="1800" baseline="-25000" dirty="0"/>
+              </a:p>
+            </p:txBody>
+          </p:sp>
+          <p:sp>
+            <p:nvSpPr>
+              <p:cNvPr id="68" name="Rectangle 67">
+                <a:extLst>
+                  <a:ext uri="{FF2B5EF4-FFF2-40B4-BE49-F238E27FC236}">
+                    <a16:creationId xmlns:a16="http://schemas.microsoft.com/office/drawing/2014/main" id="{65B1911A-0C07-4607-9D85-5DD71F462B3B}"/>
+                  </a:ext>
+                </a:extLst>
+              </p:cNvPr>
+              <p:cNvSpPr/>
+              <p:nvPr/>
+            </p:nvSpPr>
+            <p:spPr>
+              <a:xfrm>
+                <a:off x="5619750" y="5734045"/>
+                <a:ext cx="438150" cy="409575"/>
+              </a:xfrm>
+              <a:prstGeom prst="rect">
+                <a:avLst/>
+              </a:prstGeom>
+              <a:solidFill>
+                <a:schemeClr val="bg2">
+                  <a:lumMod val="90000"/>
+                </a:schemeClr>
+              </a:solidFill>
+              <a:ln w="25400">
+                <a:solidFill>
+                  <a:schemeClr val="tx1"/>
+                </a:solidFill>
+              </a:ln>
+            </p:spPr>
+            <p:style>
+              <a:lnRef idx="2">
+                <a:schemeClr val="accent5"/>
+              </a:lnRef>
+              <a:fillRef idx="1">
+                <a:schemeClr val="lt1"/>
+              </a:fillRef>
+              <a:effectRef idx="0">
+                <a:schemeClr val="accent5"/>
+              </a:effectRef>
+              <a:fontRef idx="minor">
+                <a:schemeClr val="dk1"/>
+              </a:fontRef>
+            </p:style>
+            <p:txBody>
+              <a:bodyPr rtlCol="0" anchor="ctr"/>
+              <a:lstStyle/>
+              <a:p>
+                <a:pPr algn="ctr"/>
+                <a:r>
+                  <a:rPr lang="en-US" sz="1800" dirty="0"/>
+                  <a:t>l</a:t>
+                </a:r>
+                <a:r>
+                  <a:rPr lang="en-US" sz="1800" baseline="-25000" dirty="0"/>
+                  <a:t>7</a:t>
+                </a:r>
+                <a:endParaRPr lang="en-IN" sz="1800" baseline="-25000" dirty="0"/>
+              </a:p>
+            </p:txBody>
+          </p:sp>
+        </p:grpSp>
+      </p:grpSp>
+      <p:sp>
+        <p:nvSpPr>
+          <p:cNvPr id="80" name="Freeform: Shape 79">
+            <a:extLst>
+              <a:ext uri="{FF2B5EF4-FFF2-40B4-BE49-F238E27FC236}">
+                <a16:creationId xmlns:a16="http://schemas.microsoft.com/office/drawing/2014/main" id="{C8920394-D6B1-407C-8077-8939A250D9D1}"/>
+              </a:ext>
+            </a:extLst>
+          </p:cNvPr>
+          <p:cNvSpPr/>
+          <p:nvPr/>
+        </p:nvSpPr>
+        <p:spPr>
+          <a:xfrm>
+            <a:off x="2806700" y="5226050"/>
+            <a:ext cx="2559050" cy="489318"/>
+          </a:xfrm>
+          <a:custGeom>
+            <a:avLst/>
+            <a:gdLst>
+              <a:gd name="connsiteX0" fmla="*/ 2559050 w 2559050"/>
+              <a:gd name="connsiteY0" fmla="*/ 0 h 489318"/>
+              <a:gd name="connsiteX1" fmla="*/ 2451100 w 2559050"/>
+              <a:gd name="connsiteY1" fmla="*/ 76200 h 489318"/>
+              <a:gd name="connsiteX2" fmla="*/ 2393950 w 2559050"/>
+              <a:gd name="connsiteY2" fmla="*/ 133350 h 489318"/>
+              <a:gd name="connsiteX3" fmla="*/ 2368550 w 2559050"/>
+              <a:gd name="connsiteY3" fmla="*/ 158750 h 489318"/>
+              <a:gd name="connsiteX4" fmla="*/ 2292350 w 2559050"/>
+              <a:gd name="connsiteY4" fmla="*/ 203200 h 489318"/>
+              <a:gd name="connsiteX5" fmla="*/ 2139950 w 2559050"/>
+              <a:gd name="connsiteY5" fmla="*/ 285750 h 489318"/>
+              <a:gd name="connsiteX6" fmla="*/ 1841500 w 2559050"/>
+              <a:gd name="connsiteY6" fmla="*/ 311150 h 489318"/>
+              <a:gd name="connsiteX7" fmla="*/ 1676400 w 2559050"/>
+              <a:gd name="connsiteY7" fmla="*/ 323850 h 489318"/>
+              <a:gd name="connsiteX8" fmla="*/ 812800 w 2559050"/>
+              <a:gd name="connsiteY8" fmla="*/ 330200 h 489318"/>
+              <a:gd name="connsiteX9" fmla="*/ 736600 w 2559050"/>
+              <a:gd name="connsiteY9" fmla="*/ 342900 h 489318"/>
+              <a:gd name="connsiteX10" fmla="*/ 673100 w 2559050"/>
+              <a:gd name="connsiteY10" fmla="*/ 355600 h 489318"/>
+              <a:gd name="connsiteX11" fmla="*/ 622300 w 2559050"/>
+              <a:gd name="connsiteY11" fmla="*/ 368300 h 489318"/>
+              <a:gd name="connsiteX12" fmla="*/ 285750 w 2559050"/>
+              <a:gd name="connsiteY12" fmla="*/ 381000 h 489318"/>
+              <a:gd name="connsiteX13" fmla="*/ 184150 w 2559050"/>
+              <a:gd name="connsiteY13" fmla="*/ 400050 h 489318"/>
+              <a:gd name="connsiteX14" fmla="*/ 107950 w 2559050"/>
+              <a:gd name="connsiteY14" fmla="*/ 438150 h 489318"/>
+              <a:gd name="connsiteX15" fmla="*/ 76200 w 2559050"/>
+              <a:gd name="connsiteY15" fmla="*/ 450850 h 489318"/>
+              <a:gd name="connsiteX16" fmla="*/ 50800 w 2559050"/>
+              <a:gd name="connsiteY16" fmla="*/ 469900 h 489318"/>
+              <a:gd name="connsiteX17" fmla="*/ 12700 w 2559050"/>
+              <a:gd name="connsiteY17" fmla="*/ 488950 h 489318"/>
+              <a:gd name="connsiteX18" fmla="*/ 0 w 2559050"/>
+              <a:gd name="connsiteY18" fmla="*/ 488950 h 489318"/>
+            </a:gdLst>
+            <a:ahLst/>
+            <a:cxnLst>
+              <a:cxn ang="0">
+                <a:pos x="connsiteX0" y="connsiteY0"/>
+              </a:cxn>
+              <a:cxn ang="0">
+                <a:pos x="connsiteX1" y="connsiteY1"/>
+              </a:cxn>
+              <a:cxn ang="0">
+                <a:pos x="connsiteX2" y="connsiteY2"/>
+              </a:cxn>
+              <a:cxn ang="0">
+                <a:pos x="connsiteX3" y="connsiteY3"/>
+              </a:cxn>
+              <a:cxn ang="0">
+                <a:pos x="connsiteX4" y="connsiteY4"/>
+              </a:cxn>
+              <a:cxn ang="0">
+                <a:pos x="connsiteX5" y="connsiteY5"/>
+              </a:cxn>
+              <a:cxn ang="0">
+                <a:pos x="connsiteX6" y="connsiteY6"/>
+              </a:cxn>
+              <a:cxn ang="0">
+                <a:pos x="connsiteX7" y="connsiteY7"/>
+              </a:cxn>
+              <a:cxn ang="0">
+                <a:pos x="connsiteX8" y="connsiteY8"/>
+              </a:cxn>
+              <a:cxn ang="0">
+                <a:pos x="connsiteX9" y="connsiteY9"/>
+              </a:cxn>
+              <a:cxn ang="0">
+                <a:pos x="connsiteX10" y="connsiteY10"/>
+              </a:cxn>
+              <a:cxn ang="0">
+                <a:pos x="connsiteX11" y="connsiteY11"/>
+              </a:cxn>
+              <a:cxn ang="0">
+                <a:pos x="connsiteX12" y="connsiteY12"/>
+              </a:cxn>
+              <a:cxn ang="0">
+                <a:pos x="connsiteX13" y="connsiteY13"/>
+              </a:cxn>
+              <a:cxn ang="0">
+                <a:pos x="connsiteX14" y="connsiteY14"/>
+              </a:cxn>
+              <a:cxn ang="0">
+                <a:pos x="connsiteX15" y="connsiteY15"/>
+              </a:cxn>
+              <a:cxn ang="0">
+                <a:pos x="connsiteX16" y="connsiteY16"/>
+              </a:cxn>
+              <a:cxn ang="0">
+                <a:pos x="connsiteX17" y="connsiteY17"/>
+              </a:cxn>
+              <a:cxn ang="0">
+                <a:pos x="connsiteX18" y="connsiteY18"/>
+              </a:cxn>
+            </a:cxnLst>
+            <a:rect l="l" t="t" r="r" b="b"/>
+            <a:pathLst>
+              <a:path w="2559050" h="489318">
+                <a:moveTo>
+                  <a:pt x="2559050" y="0"/>
+                </a:moveTo>
+                <a:cubicBezTo>
+                  <a:pt x="2464887" y="73985"/>
+                  <a:pt x="2505902" y="57933"/>
+                  <a:pt x="2451100" y="76200"/>
+                </a:cubicBezTo>
+                <a:lnTo>
+                  <a:pt x="2393950" y="133350"/>
+                </a:lnTo>
+                <a:cubicBezTo>
+                  <a:pt x="2385483" y="141817"/>
+                  <a:pt x="2379260" y="153395"/>
+                  <a:pt x="2368550" y="158750"/>
+                </a:cubicBezTo>
+                <a:cubicBezTo>
+                  <a:pt x="2284107" y="200971"/>
+                  <a:pt x="2346411" y="166033"/>
+                  <a:pt x="2292350" y="203200"/>
+                </a:cubicBezTo>
+                <a:cubicBezTo>
+                  <a:pt x="2251116" y="231548"/>
+                  <a:pt x="2192173" y="276255"/>
+                  <a:pt x="2139950" y="285750"/>
+                </a:cubicBezTo>
+                <a:cubicBezTo>
+                  <a:pt x="1988533" y="313280"/>
+                  <a:pt x="2114629" y="293337"/>
+                  <a:pt x="1841500" y="311150"/>
+                </a:cubicBezTo>
+                <a:cubicBezTo>
+                  <a:pt x="1752233" y="316972"/>
+                  <a:pt x="1786474" y="322402"/>
+                  <a:pt x="1676400" y="323850"/>
+                </a:cubicBezTo>
+                <a:lnTo>
+                  <a:pt x="812800" y="330200"/>
+                </a:lnTo>
+                <a:cubicBezTo>
+                  <a:pt x="769625" y="344592"/>
+                  <a:pt x="817417" y="330139"/>
+                  <a:pt x="736600" y="342900"/>
+                </a:cubicBezTo>
+                <a:cubicBezTo>
+                  <a:pt x="715278" y="346267"/>
+                  <a:pt x="694172" y="350917"/>
+                  <a:pt x="673100" y="355600"/>
+                </a:cubicBezTo>
+                <a:cubicBezTo>
+                  <a:pt x="656061" y="359386"/>
+                  <a:pt x="639655" y="366441"/>
+                  <a:pt x="622300" y="368300"/>
+                </a:cubicBezTo>
+                <a:cubicBezTo>
+                  <a:pt x="571854" y="373705"/>
+                  <a:pt x="296382" y="380678"/>
+                  <a:pt x="285750" y="381000"/>
+                </a:cubicBezTo>
+                <a:cubicBezTo>
+                  <a:pt x="243972" y="386222"/>
+                  <a:pt x="224563" y="386579"/>
+                  <a:pt x="184150" y="400050"/>
+                </a:cubicBezTo>
+                <a:cubicBezTo>
+                  <a:pt x="124525" y="419925"/>
+                  <a:pt x="156456" y="413897"/>
+                  <a:pt x="107950" y="438150"/>
+                </a:cubicBezTo>
+                <a:cubicBezTo>
+                  <a:pt x="97755" y="443248"/>
+                  <a:pt x="86164" y="445314"/>
+                  <a:pt x="76200" y="450850"/>
+                </a:cubicBezTo>
+                <a:cubicBezTo>
+                  <a:pt x="66949" y="455990"/>
+                  <a:pt x="59412" y="463749"/>
+                  <a:pt x="50800" y="469900"/>
+                </a:cubicBezTo>
+                <a:cubicBezTo>
+                  <a:pt x="36232" y="480306"/>
+                  <a:pt x="30175" y="485455"/>
+                  <a:pt x="12700" y="488950"/>
+                </a:cubicBezTo>
+                <a:cubicBezTo>
+                  <a:pt x="8549" y="489780"/>
+                  <a:pt x="4233" y="488950"/>
+                  <a:pt x="0" y="488950"/>
+                </a:cubicBezTo>
+              </a:path>
+            </a:pathLst>
+          </a:custGeom>
+          <a:ln w="31750">
+            <a:solidFill>
+              <a:schemeClr val="accent2">
+                <a:lumMod val="75000"/>
+              </a:schemeClr>
+            </a:solidFill>
+            <a:prstDash val="dash"/>
+            <a:tailEnd type="triangle" w="lg" len="med"/>
+          </a:ln>
+        </p:spPr>
+        <p:style>
+          <a:lnRef idx="1">
+            <a:schemeClr val="accent1"/>
+          </a:lnRef>
+          <a:fillRef idx="0">
+            <a:schemeClr val="accent1"/>
+          </a:fillRef>
+          <a:effectRef idx="0">
+            <a:schemeClr val="accent1"/>
+          </a:effectRef>
+          <a:fontRef idx="minor">
+            <a:schemeClr val="tx1"/>
+          </a:fontRef>
+        </p:style>
+        <p:txBody>
+          <a:bodyPr rtlCol="0" anchor="ctr"/>
+          <a:lstStyle/>
+          <a:p>
+            <a:pPr algn="ctr"/>
+            <a:endParaRPr lang="en-IN"/>
+          </a:p>
+        </p:txBody>
+      </p:sp>
+      <p:sp>
+        <p:nvSpPr>
+          <p:cNvPr id="81" name="Freeform: Shape 80">
+            <a:extLst>
+              <a:ext uri="{FF2B5EF4-FFF2-40B4-BE49-F238E27FC236}">
+                <a16:creationId xmlns:a16="http://schemas.microsoft.com/office/drawing/2014/main" id="{3EC8225E-8A8F-4B81-B374-E3EBE1CB5AB8}"/>
+              </a:ext>
+            </a:extLst>
+          </p:cNvPr>
+          <p:cNvSpPr/>
+          <p:nvPr/>
+        </p:nvSpPr>
+        <p:spPr>
+          <a:xfrm>
+            <a:off x="4616450" y="5238750"/>
+            <a:ext cx="2273300" cy="482600"/>
+          </a:xfrm>
+          <a:custGeom>
+            <a:avLst/>
+            <a:gdLst>
+              <a:gd name="connsiteX0" fmla="*/ 2273300 w 2273300"/>
+              <a:gd name="connsiteY0" fmla="*/ 0 h 482600"/>
+              <a:gd name="connsiteX1" fmla="*/ 2190750 w 2273300"/>
+              <a:gd name="connsiteY1" fmla="*/ 127000 h 482600"/>
+              <a:gd name="connsiteX2" fmla="*/ 2171700 w 2273300"/>
+              <a:gd name="connsiteY2" fmla="*/ 146050 h 482600"/>
+              <a:gd name="connsiteX3" fmla="*/ 2133600 w 2273300"/>
+              <a:gd name="connsiteY3" fmla="*/ 184150 h 482600"/>
+              <a:gd name="connsiteX4" fmla="*/ 2076450 w 2273300"/>
+              <a:gd name="connsiteY4" fmla="*/ 209550 h 482600"/>
+              <a:gd name="connsiteX5" fmla="*/ 1974850 w 2273300"/>
+              <a:gd name="connsiteY5" fmla="*/ 247650 h 482600"/>
+              <a:gd name="connsiteX6" fmla="*/ 1816100 w 2273300"/>
+              <a:gd name="connsiteY6" fmla="*/ 254000 h 482600"/>
+              <a:gd name="connsiteX7" fmla="*/ 1714500 w 2273300"/>
+              <a:gd name="connsiteY7" fmla="*/ 266700 h 482600"/>
+              <a:gd name="connsiteX8" fmla="*/ 1676400 w 2273300"/>
+              <a:gd name="connsiteY8" fmla="*/ 273050 h 482600"/>
+              <a:gd name="connsiteX9" fmla="*/ 1504950 w 2273300"/>
+              <a:gd name="connsiteY9" fmla="*/ 285750 h 482600"/>
+              <a:gd name="connsiteX10" fmla="*/ 1225550 w 2273300"/>
+              <a:gd name="connsiteY10" fmla="*/ 292100 h 482600"/>
+              <a:gd name="connsiteX11" fmla="*/ 1174750 w 2273300"/>
+              <a:gd name="connsiteY11" fmla="*/ 298450 h 482600"/>
+              <a:gd name="connsiteX12" fmla="*/ 1098550 w 2273300"/>
+              <a:gd name="connsiteY12" fmla="*/ 317500 h 482600"/>
+              <a:gd name="connsiteX13" fmla="*/ 1022350 w 2273300"/>
+              <a:gd name="connsiteY13" fmla="*/ 323850 h 482600"/>
+              <a:gd name="connsiteX14" fmla="*/ 908050 w 2273300"/>
+              <a:gd name="connsiteY14" fmla="*/ 336550 h 482600"/>
+              <a:gd name="connsiteX15" fmla="*/ 527050 w 2273300"/>
+              <a:gd name="connsiteY15" fmla="*/ 349250 h 482600"/>
+              <a:gd name="connsiteX16" fmla="*/ 444500 w 2273300"/>
+              <a:gd name="connsiteY16" fmla="*/ 355600 h 482600"/>
+              <a:gd name="connsiteX17" fmla="*/ 400050 w 2273300"/>
+              <a:gd name="connsiteY17" fmla="*/ 368300 h 482600"/>
+              <a:gd name="connsiteX18" fmla="*/ 336550 w 2273300"/>
+              <a:gd name="connsiteY18" fmla="*/ 381000 h 482600"/>
+              <a:gd name="connsiteX19" fmla="*/ 304800 w 2273300"/>
+              <a:gd name="connsiteY19" fmla="*/ 393700 h 482600"/>
+              <a:gd name="connsiteX20" fmla="*/ 241300 w 2273300"/>
+              <a:gd name="connsiteY20" fmla="*/ 400050 h 482600"/>
+              <a:gd name="connsiteX21" fmla="*/ 209550 w 2273300"/>
+              <a:gd name="connsiteY21" fmla="*/ 406400 h 482600"/>
+              <a:gd name="connsiteX22" fmla="*/ 152400 w 2273300"/>
+              <a:gd name="connsiteY22" fmla="*/ 419100 h 482600"/>
+              <a:gd name="connsiteX23" fmla="*/ 95250 w 2273300"/>
+              <a:gd name="connsiteY23" fmla="*/ 425450 h 482600"/>
+              <a:gd name="connsiteX24" fmla="*/ 44450 w 2273300"/>
+              <a:gd name="connsiteY24" fmla="*/ 457200 h 482600"/>
+              <a:gd name="connsiteX25" fmla="*/ 0 w 2273300"/>
+              <a:gd name="connsiteY25" fmla="*/ 482600 h 482600"/>
+            </a:gdLst>
+            <a:ahLst/>
+            <a:cxnLst>
+              <a:cxn ang="0">
+                <a:pos x="connsiteX0" y="connsiteY0"/>
+              </a:cxn>
+              <a:cxn ang="0">
+                <a:pos x="connsiteX1" y="connsiteY1"/>
+              </a:cxn>
+              <a:cxn ang="0">
+                <a:pos x="connsiteX2" y="connsiteY2"/>
+              </a:cxn>
+              <a:cxn ang="0">
+                <a:pos x="connsiteX3" y="connsiteY3"/>
+              </a:cxn>
+              <a:cxn ang="0">
+                <a:pos x="connsiteX4" y="connsiteY4"/>
+              </a:cxn>
+              <a:cxn ang="0">
+                <a:pos x="connsiteX5" y="connsiteY5"/>
+              </a:cxn>
+              <a:cxn ang="0">
+                <a:pos x="connsiteX6" y="connsiteY6"/>
+              </a:cxn>
+              <a:cxn ang="0">
+                <a:pos x="connsiteX7" y="connsiteY7"/>
+              </a:cxn>
+              <a:cxn ang="0">
+                <a:pos x="connsiteX8" y="connsiteY8"/>
+              </a:cxn>
+              <a:cxn ang="0">
+                <a:pos x="connsiteX9" y="connsiteY9"/>
+              </a:cxn>
+              <a:cxn ang="0">
+                <a:pos x="connsiteX10" y="connsiteY10"/>
+              </a:cxn>
+              <a:cxn ang="0">
+                <a:pos x="connsiteX11" y="connsiteY11"/>
+              </a:cxn>
+              <a:cxn ang="0">
+                <a:pos x="connsiteX12" y="connsiteY12"/>
+              </a:cxn>
+              <a:cxn ang="0">
+                <a:pos x="connsiteX13" y="connsiteY13"/>
+              </a:cxn>
+              <a:cxn ang="0">
+                <a:pos x="connsiteX14" y="connsiteY14"/>
+              </a:cxn>
+              <a:cxn ang="0">
+                <a:pos x="connsiteX15" y="connsiteY15"/>
+              </a:cxn>
+              <a:cxn ang="0">
+                <a:pos x="connsiteX16" y="connsiteY16"/>
+              </a:cxn>
+              <a:cxn ang="0">
+                <a:pos x="connsiteX17" y="connsiteY17"/>
+              </a:cxn>
+              <a:cxn ang="0">
+                <a:pos x="connsiteX18" y="connsiteY18"/>
+              </a:cxn>
+              <a:cxn ang="0">
+                <a:pos x="connsiteX19" y="connsiteY19"/>
+              </a:cxn>
+              <a:cxn ang="0">
+                <a:pos x="connsiteX20" y="connsiteY20"/>
+              </a:cxn>
+              <a:cxn ang="0">
+                <a:pos x="connsiteX21" y="connsiteY21"/>
+              </a:cxn>
+              <a:cxn ang="0">
+                <a:pos x="connsiteX22" y="connsiteY22"/>
+              </a:cxn>
+              <a:cxn ang="0">
+                <a:pos x="connsiteX23" y="connsiteY23"/>
+              </a:cxn>
+              <a:cxn ang="0">
+                <a:pos x="connsiteX24" y="connsiteY24"/>
+              </a:cxn>
+              <a:cxn ang="0">
+                <a:pos x="connsiteX25" y="connsiteY25"/>
+              </a:cxn>
+            </a:cxnLst>
+            <a:rect l="l" t="t" r="r" b="b"/>
+            <a:pathLst>
+              <a:path w="2273300" h="482600">
+                <a:moveTo>
+                  <a:pt x="2273300" y="0"/>
+                </a:moveTo>
+                <a:cubicBezTo>
+                  <a:pt x="2245783" y="42333"/>
+                  <a:pt x="2226452" y="91298"/>
+                  <a:pt x="2190750" y="127000"/>
+                </a:cubicBezTo>
+                <a:cubicBezTo>
+                  <a:pt x="2184400" y="133350"/>
+                  <a:pt x="2177449" y="139151"/>
+                  <a:pt x="2171700" y="146050"/>
+                </a:cubicBezTo>
+                <a:cubicBezTo>
+                  <a:pt x="2151973" y="169723"/>
+                  <a:pt x="2166710" y="166322"/>
+                  <a:pt x="2133600" y="184150"/>
+                </a:cubicBezTo>
+                <a:cubicBezTo>
+                  <a:pt x="2115245" y="194033"/>
+                  <a:pt x="2095290" y="200626"/>
+                  <a:pt x="2076450" y="209550"/>
+                </a:cubicBezTo>
+                <a:cubicBezTo>
+                  <a:pt x="2024804" y="234014"/>
+                  <a:pt x="2023578" y="244506"/>
+                  <a:pt x="1974850" y="247650"/>
+                </a:cubicBezTo>
+                <a:cubicBezTo>
+                  <a:pt x="1922001" y="251060"/>
+                  <a:pt x="1869017" y="251883"/>
+                  <a:pt x="1816100" y="254000"/>
+                </a:cubicBezTo>
+                <a:lnTo>
+                  <a:pt x="1714500" y="266700"/>
+                </a:lnTo>
+                <a:cubicBezTo>
+                  <a:pt x="1701743" y="268440"/>
+                  <a:pt x="1689222" y="271884"/>
+                  <a:pt x="1676400" y="273050"/>
+                </a:cubicBezTo>
+                <a:cubicBezTo>
+                  <a:pt x="1619329" y="278238"/>
+                  <a:pt x="1562205" y="283331"/>
+                  <a:pt x="1504950" y="285750"/>
+                </a:cubicBezTo>
+                <a:cubicBezTo>
+                  <a:pt x="1411876" y="289683"/>
+                  <a:pt x="1318683" y="289983"/>
+                  <a:pt x="1225550" y="292100"/>
+                </a:cubicBezTo>
+                <a:cubicBezTo>
+                  <a:pt x="1208617" y="294217"/>
+                  <a:pt x="1191484" y="295103"/>
+                  <a:pt x="1174750" y="298450"/>
+                </a:cubicBezTo>
+                <a:cubicBezTo>
+                  <a:pt x="1129762" y="307448"/>
+                  <a:pt x="1138519" y="312798"/>
+                  <a:pt x="1098550" y="317500"/>
+                </a:cubicBezTo>
+                <a:cubicBezTo>
+                  <a:pt x="1073237" y="320478"/>
+                  <a:pt x="1047750" y="321733"/>
+                  <a:pt x="1022350" y="323850"/>
+                </a:cubicBezTo>
+                <a:cubicBezTo>
+                  <a:pt x="971766" y="333967"/>
+                  <a:pt x="980323" y="333580"/>
+                  <a:pt x="908050" y="336550"/>
+                </a:cubicBezTo>
+                <a:lnTo>
+                  <a:pt x="527050" y="349250"/>
+                </a:lnTo>
+                <a:cubicBezTo>
+                  <a:pt x="499533" y="351367"/>
+                  <a:pt x="471793" y="351506"/>
+                  <a:pt x="444500" y="355600"/>
+                </a:cubicBezTo>
+                <a:cubicBezTo>
+                  <a:pt x="429261" y="357886"/>
+                  <a:pt x="415050" y="364771"/>
+                  <a:pt x="400050" y="368300"/>
+                </a:cubicBezTo>
+                <a:cubicBezTo>
+                  <a:pt x="379038" y="373244"/>
+                  <a:pt x="356592" y="372983"/>
+                  <a:pt x="336550" y="381000"/>
+                </a:cubicBezTo>
+                <a:cubicBezTo>
+                  <a:pt x="325967" y="385233"/>
+                  <a:pt x="315977" y="391465"/>
+                  <a:pt x="304800" y="393700"/>
+                </a:cubicBezTo>
+                <a:cubicBezTo>
+                  <a:pt x="283941" y="397872"/>
+                  <a:pt x="262386" y="397239"/>
+                  <a:pt x="241300" y="400050"/>
+                </a:cubicBezTo>
+                <a:cubicBezTo>
+                  <a:pt x="230602" y="401476"/>
+                  <a:pt x="220103" y="404139"/>
+                  <a:pt x="209550" y="406400"/>
+                </a:cubicBezTo>
+                <a:cubicBezTo>
+                  <a:pt x="190468" y="410489"/>
+                  <a:pt x="171649" y="415892"/>
+                  <a:pt x="152400" y="419100"/>
+                </a:cubicBezTo>
+                <a:cubicBezTo>
+                  <a:pt x="133494" y="422251"/>
+                  <a:pt x="114300" y="423333"/>
+                  <a:pt x="95250" y="425450"/>
+                </a:cubicBezTo>
+                <a:cubicBezTo>
+                  <a:pt x="16146" y="465002"/>
+                  <a:pt x="126882" y="407741"/>
+                  <a:pt x="44450" y="457200"/>
+                </a:cubicBezTo>
+                <a:cubicBezTo>
+                  <a:pt x="-6522" y="487783"/>
+                  <a:pt x="18539" y="464061"/>
+                  <a:pt x="0" y="482600"/>
+                </a:cubicBezTo>
+              </a:path>
+            </a:pathLst>
+          </a:custGeom>
+          <a:ln w="31750">
+            <a:solidFill>
+              <a:schemeClr val="accent2">
+                <a:lumMod val="75000"/>
+              </a:schemeClr>
+            </a:solidFill>
+            <a:prstDash val="dash"/>
+            <a:tailEnd type="triangle" w="lg" len="med"/>
+          </a:ln>
+        </p:spPr>
+        <p:style>
+          <a:lnRef idx="1">
+            <a:schemeClr val="accent1"/>
+          </a:lnRef>
+          <a:fillRef idx="0">
+            <a:schemeClr val="accent1"/>
+          </a:fillRef>
+          <a:effectRef idx="0">
+            <a:schemeClr val="accent1"/>
+          </a:effectRef>
+          <a:fontRef idx="minor">
+            <a:schemeClr val="tx1"/>
+          </a:fontRef>
+        </p:style>
+        <p:txBody>
+          <a:bodyPr rtlCol="0" anchor="ctr"/>
+          <a:lstStyle/>
+          <a:p>
+            <a:pPr algn="ctr"/>
+            <a:endParaRPr lang="en-IN"/>
+          </a:p>
+        </p:txBody>
+      </p:sp>
+      <p:sp>
+        <p:nvSpPr>
+          <p:cNvPr id="82" name="Freeform: Shape 81">
+            <a:extLst>
+              <a:ext uri="{FF2B5EF4-FFF2-40B4-BE49-F238E27FC236}">
+                <a16:creationId xmlns:a16="http://schemas.microsoft.com/office/drawing/2014/main" id="{94D072A0-5A97-48A6-B300-8C1942E4AAE9}"/>
+              </a:ext>
+            </a:extLst>
+          </p:cNvPr>
+          <p:cNvSpPr/>
+          <p:nvPr/>
+        </p:nvSpPr>
+        <p:spPr>
+          <a:xfrm>
+            <a:off x="6535070" y="5243390"/>
+            <a:ext cx="1834230" cy="471977"/>
+          </a:xfrm>
+          <a:custGeom>
+            <a:avLst/>
+            <a:gdLst>
+              <a:gd name="connsiteX0" fmla="*/ 2273300 w 2273300"/>
+              <a:gd name="connsiteY0" fmla="*/ 0 h 482600"/>
+              <a:gd name="connsiteX1" fmla="*/ 2190750 w 2273300"/>
+              <a:gd name="connsiteY1" fmla="*/ 127000 h 482600"/>
+              <a:gd name="connsiteX2" fmla="*/ 2171700 w 2273300"/>
+              <a:gd name="connsiteY2" fmla="*/ 146050 h 482600"/>
+              <a:gd name="connsiteX3" fmla="*/ 2133600 w 2273300"/>
+              <a:gd name="connsiteY3" fmla="*/ 184150 h 482600"/>
+              <a:gd name="connsiteX4" fmla="*/ 2076450 w 2273300"/>
+              <a:gd name="connsiteY4" fmla="*/ 209550 h 482600"/>
+              <a:gd name="connsiteX5" fmla="*/ 1974850 w 2273300"/>
+              <a:gd name="connsiteY5" fmla="*/ 247650 h 482600"/>
+              <a:gd name="connsiteX6" fmla="*/ 1816100 w 2273300"/>
+              <a:gd name="connsiteY6" fmla="*/ 254000 h 482600"/>
+              <a:gd name="connsiteX7" fmla="*/ 1714500 w 2273300"/>
+              <a:gd name="connsiteY7" fmla="*/ 266700 h 482600"/>
+              <a:gd name="connsiteX8" fmla="*/ 1676400 w 2273300"/>
+              <a:gd name="connsiteY8" fmla="*/ 273050 h 482600"/>
+              <a:gd name="connsiteX9" fmla="*/ 1504950 w 2273300"/>
+              <a:gd name="connsiteY9" fmla="*/ 285750 h 482600"/>
+              <a:gd name="connsiteX10" fmla="*/ 1225550 w 2273300"/>
+              <a:gd name="connsiteY10" fmla="*/ 292100 h 482600"/>
+              <a:gd name="connsiteX11" fmla="*/ 1174750 w 2273300"/>
+              <a:gd name="connsiteY11" fmla="*/ 298450 h 482600"/>
+              <a:gd name="connsiteX12" fmla="*/ 1098550 w 2273300"/>
+              <a:gd name="connsiteY12" fmla="*/ 317500 h 482600"/>
+              <a:gd name="connsiteX13" fmla="*/ 1022350 w 2273300"/>
+              <a:gd name="connsiteY13" fmla="*/ 323850 h 482600"/>
+              <a:gd name="connsiteX14" fmla="*/ 908050 w 2273300"/>
+              <a:gd name="connsiteY14" fmla="*/ 336550 h 482600"/>
+              <a:gd name="connsiteX15" fmla="*/ 527050 w 2273300"/>
+              <a:gd name="connsiteY15" fmla="*/ 349250 h 482600"/>
+              <a:gd name="connsiteX16" fmla="*/ 444500 w 2273300"/>
+              <a:gd name="connsiteY16" fmla="*/ 355600 h 482600"/>
+              <a:gd name="connsiteX17" fmla="*/ 400050 w 2273300"/>
+              <a:gd name="connsiteY17" fmla="*/ 368300 h 482600"/>
+              <a:gd name="connsiteX18" fmla="*/ 336550 w 2273300"/>
+              <a:gd name="connsiteY18" fmla="*/ 381000 h 482600"/>
+              <a:gd name="connsiteX19" fmla="*/ 304800 w 2273300"/>
+              <a:gd name="connsiteY19" fmla="*/ 393700 h 482600"/>
+              <a:gd name="connsiteX20" fmla="*/ 241300 w 2273300"/>
+              <a:gd name="connsiteY20" fmla="*/ 400050 h 482600"/>
+              <a:gd name="connsiteX21" fmla="*/ 209550 w 2273300"/>
+              <a:gd name="connsiteY21" fmla="*/ 406400 h 482600"/>
+              <a:gd name="connsiteX22" fmla="*/ 152400 w 2273300"/>
+              <a:gd name="connsiteY22" fmla="*/ 419100 h 482600"/>
+              <a:gd name="connsiteX23" fmla="*/ 95250 w 2273300"/>
+              <a:gd name="connsiteY23" fmla="*/ 425450 h 482600"/>
+              <a:gd name="connsiteX24" fmla="*/ 44450 w 2273300"/>
+              <a:gd name="connsiteY24" fmla="*/ 457200 h 482600"/>
+              <a:gd name="connsiteX25" fmla="*/ 0 w 2273300"/>
+              <a:gd name="connsiteY25" fmla="*/ 482600 h 482600"/>
+            </a:gdLst>
+            <a:ahLst/>
+            <a:cxnLst>
+              <a:cxn ang="0">
+                <a:pos x="connsiteX0" y="connsiteY0"/>
+              </a:cxn>
+              <a:cxn ang="0">
+                <a:pos x="connsiteX1" y="connsiteY1"/>
+              </a:cxn>
+              <a:cxn ang="0">
+                <a:pos x="connsiteX2" y="connsiteY2"/>
+              </a:cxn>
+              <a:cxn ang="0">
+                <a:pos x="connsiteX3" y="connsiteY3"/>
+              </a:cxn>
+              <a:cxn ang="0">
+                <a:pos x="connsiteX4" y="connsiteY4"/>
+              </a:cxn>
+              <a:cxn ang="0">
+                <a:pos x="connsiteX5" y="connsiteY5"/>
+              </a:cxn>
+              <a:cxn ang="0">
+                <a:pos x="connsiteX6" y="connsiteY6"/>
+              </a:cxn>
+              <a:cxn ang="0">
+                <a:pos x="connsiteX7" y="connsiteY7"/>
+              </a:cxn>
+              <a:cxn ang="0">
+                <a:pos x="connsiteX8" y="connsiteY8"/>
+              </a:cxn>
+              <a:cxn ang="0">
+                <a:pos x="connsiteX9" y="connsiteY9"/>
+              </a:cxn>
+              <a:cxn ang="0">
+                <a:pos x="connsiteX10" y="connsiteY10"/>
+              </a:cxn>
+              <a:cxn ang="0">
+                <a:pos x="connsiteX11" y="connsiteY11"/>
+              </a:cxn>
+              <a:cxn ang="0">
+                <a:pos x="connsiteX12" y="connsiteY12"/>
+              </a:cxn>
+              <a:cxn ang="0">
+                <a:pos x="connsiteX13" y="connsiteY13"/>
+              </a:cxn>
+              <a:cxn ang="0">
+                <a:pos x="connsiteX14" y="connsiteY14"/>
+              </a:cxn>
+              <a:cxn ang="0">
+                <a:pos x="connsiteX15" y="connsiteY15"/>
+              </a:cxn>
+              <a:cxn ang="0">
+                <a:pos x="connsiteX16" y="connsiteY16"/>
+              </a:cxn>
+              <a:cxn ang="0">
+                <a:pos x="connsiteX17" y="connsiteY17"/>
+              </a:cxn>
+              <a:cxn ang="0">
+                <a:pos x="connsiteX18" y="connsiteY18"/>
+              </a:cxn>
+              <a:cxn ang="0">
+                <a:pos x="connsiteX19" y="connsiteY19"/>
+              </a:cxn>
+              <a:cxn ang="0">
+                <a:pos x="connsiteX20" y="connsiteY20"/>
+              </a:cxn>
+              <a:cxn ang="0">
+                <a:pos x="connsiteX21" y="connsiteY21"/>
+              </a:cxn>
+              <a:cxn ang="0">
+                <a:pos x="connsiteX22" y="connsiteY22"/>
+              </a:cxn>
+              <a:cxn ang="0">
+                <a:pos x="connsiteX23" y="connsiteY23"/>
+              </a:cxn>
+              <a:cxn ang="0">
+                <a:pos x="connsiteX24" y="connsiteY24"/>
+              </a:cxn>
+              <a:cxn ang="0">
+                <a:pos x="connsiteX25" y="connsiteY25"/>
+              </a:cxn>
+            </a:cxnLst>
+            <a:rect l="l" t="t" r="r" b="b"/>
+            <a:pathLst>
+              <a:path w="2273300" h="482600">
+                <a:moveTo>
+                  <a:pt x="2273300" y="0"/>
+                </a:moveTo>
+                <a:cubicBezTo>
+                  <a:pt x="2245783" y="42333"/>
+                  <a:pt x="2226452" y="91298"/>
+                  <a:pt x="2190750" y="127000"/>
+                </a:cubicBezTo>
+                <a:cubicBezTo>
+                  <a:pt x="2184400" y="133350"/>
+                  <a:pt x="2177449" y="139151"/>
+                  <a:pt x="2171700" y="146050"/>
+                </a:cubicBezTo>
+                <a:cubicBezTo>
+                  <a:pt x="2151973" y="169723"/>
+                  <a:pt x="2166710" y="166322"/>
+                  <a:pt x="2133600" y="184150"/>
+                </a:cubicBezTo>
+                <a:cubicBezTo>
+                  <a:pt x="2115245" y="194033"/>
+                  <a:pt x="2095290" y="200626"/>
+                  <a:pt x="2076450" y="209550"/>
+                </a:cubicBezTo>
+                <a:cubicBezTo>
+                  <a:pt x="2024804" y="234014"/>
+                  <a:pt x="2023578" y="244506"/>
+                  <a:pt x="1974850" y="247650"/>
+                </a:cubicBezTo>
+                <a:cubicBezTo>
+                  <a:pt x="1922001" y="251060"/>
+                  <a:pt x="1869017" y="251883"/>
+                  <a:pt x="1816100" y="254000"/>
+                </a:cubicBezTo>
+                <a:lnTo>
+                  <a:pt x="1714500" y="266700"/>
+                </a:lnTo>
+                <a:cubicBezTo>
+                  <a:pt x="1701743" y="268440"/>
+                  <a:pt x="1689222" y="271884"/>
+                  <a:pt x="1676400" y="273050"/>
+                </a:cubicBezTo>
+                <a:cubicBezTo>
+                  <a:pt x="1619329" y="278238"/>
+                  <a:pt x="1562205" y="283331"/>
+                  <a:pt x="1504950" y="285750"/>
+                </a:cubicBezTo>
+                <a:cubicBezTo>
+                  <a:pt x="1411876" y="289683"/>
+                  <a:pt x="1318683" y="289983"/>
+                  <a:pt x="1225550" y="292100"/>
+                </a:cubicBezTo>
+                <a:cubicBezTo>
+                  <a:pt x="1208617" y="294217"/>
+                  <a:pt x="1191484" y="295103"/>
+                  <a:pt x="1174750" y="298450"/>
+                </a:cubicBezTo>
+                <a:cubicBezTo>
+                  <a:pt x="1129762" y="307448"/>
+                  <a:pt x="1138519" y="312798"/>
+                  <a:pt x="1098550" y="317500"/>
+                </a:cubicBezTo>
+                <a:cubicBezTo>
+                  <a:pt x="1073237" y="320478"/>
+                  <a:pt x="1047750" y="321733"/>
+                  <a:pt x="1022350" y="323850"/>
+                </a:cubicBezTo>
+                <a:cubicBezTo>
+                  <a:pt x="971766" y="333967"/>
+                  <a:pt x="980323" y="333580"/>
+                  <a:pt x="908050" y="336550"/>
+                </a:cubicBezTo>
+                <a:lnTo>
+                  <a:pt x="527050" y="349250"/>
+                </a:lnTo>
+                <a:cubicBezTo>
+                  <a:pt x="499533" y="351367"/>
+                  <a:pt x="471793" y="351506"/>
+                  <a:pt x="444500" y="355600"/>
+                </a:cubicBezTo>
+                <a:cubicBezTo>
+                  <a:pt x="429261" y="357886"/>
+                  <a:pt x="415050" y="364771"/>
+                  <a:pt x="400050" y="368300"/>
+                </a:cubicBezTo>
+                <a:cubicBezTo>
+                  <a:pt x="379038" y="373244"/>
+                  <a:pt x="356592" y="372983"/>
+                  <a:pt x="336550" y="381000"/>
+                </a:cubicBezTo>
+                <a:cubicBezTo>
+                  <a:pt x="325967" y="385233"/>
+                  <a:pt x="315977" y="391465"/>
+                  <a:pt x="304800" y="393700"/>
+                </a:cubicBezTo>
+                <a:cubicBezTo>
+                  <a:pt x="283941" y="397872"/>
+                  <a:pt x="262386" y="397239"/>
+                  <a:pt x="241300" y="400050"/>
+                </a:cubicBezTo>
+                <a:cubicBezTo>
+                  <a:pt x="230602" y="401476"/>
+                  <a:pt x="220103" y="404139"/>
+                  <a:pt x="209550" y="406400"/>
+                </a:cubicBezTo>
+                <a:cubicBezTo>
+                  <a:pt x="190468" y="410489"/>
+                  <a:pt x="171649" y="415892"/>
+                  <a:pt x="152400" y="419100"/>
+                </a:cubicBezTo>
+                <a:cubicBezTo>
+                  <a:pt x="133494" y="422251"/>
+                  <a:pt x="114300" y="423333"/>
+                  <a:pt x="95250" y="425450"/>
+                </a:cubicBezTo>
+                <a:cubicBezTo>
+                  <a:pt x="16146" y="465002"/>
+                  <a:pt x="126882" y="407741"/>
+                  <a:pt x="44450" y="457200"/>
+                </a:cubicBezTo>
+                <a:cubicBezTo>
+                  <a:pt x="-6522" y="487783"/>
+                  <a:pt x="18539" y="464061"/>
+                  <a:pt x="0" y="482600"/>
+                </a:cubicBezTo>
+              </a:path>
+            </a:pathLst>
+          </a:custGeom>
+          <a:ln w="31750">
+            <a:solidFill>
+              <a:schemeClr val="accent2">
+                <a:lumMod val="75000"/>
+              </a:schemeClr>
+            </a:solidFill>
+            <a:prstDash val="dash"/>
+            <a:tailEnd type="triangle" w="lg" len="med"/>
+          </a:ln>
+        </p:spPr>
+        <p:style>
+          <a:lnRef idx="1">
+            <a:schemeClr val="accent1"/>
+          </a:lnRef>
+          <a:fillRef idx="0">
+            <a:schemeClr val="accent1"/>
+          </a:fillRef>
+          <a:effectRef idx="0">
+            <a:schemeClr val="accent1"/>
+          </a:effectRef>
+          <a:fontRef idx="minor">
+            <a:schemeClr val="tx1"/>
+          </a:fontRef>
+        </p:style>
+        <p:txBody>
+          <a:bodyPr rtlCol="0" anchor="ctr"/>
+          <a:lstStyle/>
+          <a:p>
+            <a:pPr algn="ctr"/>
+            <a:endParaRPr lang="en-IN"/>
+          </a:p>
+        </p:txBody>
+      </p:sp>
+      <p:sp>
+        <p:nvSpPr>
+          <p:cNvPr id="83" name="Freeform: Shape 82">
+            <a:extLst>
+              <a:ext uri="{FF2B5EF4-FFF2-40B4-BE49-F238E27FC236}">
+                <a16:creationId xmlns:a16="http://schemas.microsoft.com/office/drawing/2014/main" id="{C400E877-2FC0-4C6F-8FD5-D639205D6C5D}"/>
+              </a:ext>
+            </a:extLst>
+          </p:cNvPr>
+          <p:cNvSpPr/>
+          <p:nvPr/>
+        </p:nvSpPr>
+        <p:spPr>
+          <a:xfrm>
+            <a:off x="8491581" y="5243390"/>
+            <a:ext cx="1396857" cy="471977"/>
+          </a:xfrm>
+          <a:custGeom>
+            <a:avLst/>
+            <a:gdLst>
+              <a:gd name="connsiteX0" fmla="*/ 2273300 w 2273300"/>
+              <a:gd name="connsiteY0" fmla="*/ 0 h 482600"/>
+              <a:gd name="connsiteX1" fmla="*/ 2190750 w 2273300"/>
+              <a:gd name="connsiteY1" fmla="*/ 127000 h 482600"/>
+              <a:gd name="connsiteX2" fmla="*/ 2171700 w 2273300"/>
+              <a:gd name="connsiteY2" fmla="*/ 146050 h 482600"/>
+              <a:gd name="connsiteX3" fmla="*/ 2133600 w 2273300"/>
+              <a:gd name="connsiteY3" fmla="*/ 184150 h 482600"/>
+              <a:gd name="connsiteX4" fmla="*/ 2076450 w 2273300"/>
+              <a:gd name="connsiteY4" fmla="*/ 209550 h 482600"/>
+              <a:gd name="connsiteX5" fmla="*/ 1974850 w 2273300"/>
+              <a:gd name="connsiteY5" fmla="*/ 247650 h 482600"/>
+              <a:gd name="connsiteX6" fmla="*/ 1816100 w 2273300"/>
+              <a:gd name="connsiteY6" fmla="*/ 254000 h 482600"/>
+              <a:gd name="connsiteX7" fmla="*/ 1714500 w 2273300"/>
+              <a:gd name="connsiteY7" fmla="*/ 266700 h 482600"/>
+              <a:gd name="connsiteX8" fmla="*/ 1676400 w 2273300"/>
+              <a:gd name="connsiteY8" fmla="*/ 273050 h 482600"/>
+              <a:gd name="connsiteX9" fmla="*/ 1504950 w 2273300"/>
+              <a:gd name="connsiteY9" fmla="*/ 285750 h 482600"/>
+              <a:gd name="connsiteX10" fmla="*/ 1225550 w 2273300"/>
+              <a:gd name="connsiteY10" fmla="*/ 292100 h 482600"/>
+              <a:gd name="connsiteX11" fmla="*/ 1174750 w 2273300"/>
+              <a:gd name="connsiteY11" fmla="*/ 298450 h 482600"/>
+              <a:gd name="connsiteX12" fmla="*/ 1098550 w 2273300"/>
+              <a:gd name="connsiteY12" fmla="*/ 317500 h 482600"/>
+              <a:gd name="connsiteX13" fmla="*/ 1022350 w 2273300"/>
+              <a:gd name="connsiteY13" fmla="*/ 323850 h 482600"/>
+              <a:gd name="connsiteX14" fmla="*/ 908050 w 2273300"/>
+              <a:gd name="connsiteY14" fmla="*/ 336550 h 482600"/>
+              <a:gd name="connsiteX15" fmla="*/ 527050 w 2273300"/>
+              <a:gd name="connsiteY15" fmla="*/ 349250 h 482600"/>
+              <a:gd name="connsiteX16" fmla="*/ 444500 w 2273300"/>
+              <a:gd name="connsiteY16" fmla="*/ 355600 h 482600"/>
+              <a:gd name="connsiteX17" fmla="*/ 400050 w 2273300"/>
+              <a:gd name="connsiteY17" fmla="*/ 368300 h 482600"/>
+              <a:gd name="connsiteX18" fmla="*/ 336550 w 2273300"/>
+              <a:gd name="connsiteY18" fmla="*/ 381000 h 482600"/>
+              <a:gd name="connsiteX19" fmla="*/ 304800 w 2273300"/>
+              <a:gd name="connsiteY19" fmla="*/ 393700 h 482600"/>
+              <a:gd name="connsiteX20" fmla="*/ 241300 w 2273300"/>
+              <a:gd name="connsiteY20" fmla="*/ 400050 h 482600"/>
+              <a:gd name="connsiteX21" fmla="*/ 209550 w 2273300"/>
+              <a:gd name="connsiteY21" fmla="*/ 406400 h 482600"/>
+              <a:gd name="connsiteX22" fmla="*/ 152400 w 2273300"/>
+              <a:gd name="connsiteY22" fmla="*/ 419100 h 482600"/>
+              <a:gd name="connsiteX23" fmla="*/ 95250 w 2273300"/>
+              <a:gd name="connsiteY23" fmla="*/ 425450 h 482600"/>
+              <a:gd name="connsiteX24" fmla="*/ 44450 w 2273300"/>
+              <a:gd name="connsiteY24" fmla="*/ 457200 h 482600"/>
+              <a:gd name="connsiteX25" fmla="*/ 0 w 2273300"/>
+              <a:gd name="connsiteY25" fmla="*/ 482600 h 482600"/>
+            </a:gdLst>
+            <a:ahLst/>
+            <a:cxnLst>
+              <a:cxn ang="0">
+                <a:pos x="connsiteX0" y="connsiteY0"/>
+              </a:cxn>
+              <a:cxn ang="0">
+                <a:pos x="connsiteX1" y="connsiteY1"/>
+              </a:cxn>
+              <a:cxn ang="0">
+                <a:pos x="connsiteX2" y="connsiteY2"/>
+              </a:cxn>
+              <a:cxn ang="0">
+                <a:pos x="connsiteX3" y="connsiteY3"/>
+              </a:cxn>
+              <a:cxn ang="0">
+                <a:pos x="connsiteX4" y="connsiteY4"/>
+              </a:cxn>
+              <a:cxn ang="0">
+                <a:pos x="connsiteX5" y="connsiteY5"/>
+              </a:cxn>
+              <a:cxn ang="0">
+                <a:pos x="connsiteX6" y="connsiteY6"/>
+              </a:cxn>
+              <a:cxn ang="0">
+                <a:pos x="connsiteX7" y="connsiteY7"/>
+              </a:cxn>
+              <a:cxn ang="0">
+                <a:pos x="connsiteX8" y="connsiteY8"/>
+              </a:cxn>
+              <a:cxn ang="0">
+                <a:pos x="connsiteX9" y="connsiteY9"/>
+              </a:cxn>
+              <a:cxn ang="0">
+                <a:pos x="connsiteX10" y="connsiteY10"/>
+              </a:cxn>
+              <a:cxn ang="0">
+                <a:pos x="connsiteX11" y="connsiteY11"/>
+              </a:cxn>
+              <a:cxn ang="0">
+                <a:pos x="connsiteX12" y="connsiteY12"/>
+              </a:cxn>
+              <a:cxn ang="0">
+                <a:pos x="connsiteX13" y="connsiteY13"/>
+              </a:cxn>
+              <a:cxn ang="0">
+                <a:pos x="connsiteX14" y="connsiteY14"/>
+              </a:cxn>
+              <a:cxn ang="0">
+                <a:pos x="connsiteX15" y="connsiteY15"/>
+              </a:cxn>
+              <a:cxn ang="0">
+                <a:pos x="connsiteX16" y="connsiteY16"/>
+              </a:cxn>
+              <a:cxn ang="0">
+                <a:pos x="connsiteX17" y="connsiteY17"/>
+              </a:cxn>
+              <a:cxn ang="0">
+                <a:pos x="connsiteX18" y="connsiteY18"/>
+              </a:cxn>
+              <a:cxn ang="0">
+                <a:pos x="connsiteX19" y="connsiteY19"/>
+              </a:cxn>
+              <a:cxn ang="0">
+                <a:pos x="connsiteX20" y="connsiteY20"/>
+              </a:cxn>
+              <a:cxn ang="0">
+                <a:pos x="connsiteX21" y="connsiteY21"/>
+              </a:cxn>
+              <a:cxn ang="0">
+                <a:pos x="connsiteX22" y="connsiteY22"/>
+              </a:cxn>
+              <a:cxn ang="0">
+                <a:pos x="connsiteX23" y="connsiteY23"/>
+              </a:cxn>
+              <a:cxn ang="0">
+                <a:pos x="connsiteX24" y="connsiteY24"/>
+              </a:cxn>
+              <a:cxn ang="0">
+                <a:pos x="connsiteX25" y="connsiteY25"/>
+              </a:cxn>
+            </a:cxnLst>
+            <a:rect l="l" t="t" r="r" b="b"/>
+            <a:pathLst>
+              <a:path w="2273300" h="482600">
+                <a:moveTo>
+                  <a:pt x="2273300" y="0"/>
+                </a:moveTo>
+                <a:cubicBezTo>
+                  <a:pt x="2245783" y="42333"/>
+                  <a:pt x="2226452" y="91298"/>
+                  <a:pt x="2190750" y="127000"/>
+                </a:cubicBezTo>
+                <a:cubicBezTo>
+                  <a:pt x="2184400" y="133350"/>
+                  <a:pt x="2177449" y="139151"/>
+                  <a:pt x="2171700" y="146050"/>
+                </a:cubicBezTo>
+                <a:cubicBezTo>
+                  <a:pt x="2151973" y="169723"/>
+                  <a:pt x="2166710" y="166322"/>
+                  <a:pt x="2133600" y="184150"/>
+                </a:cubicBezTo>
+                <a:cubicBezTo>
+                  <a:pt x="2115245" y="194033"/>
+                  <a:pt x="2095290" y="200626"/>
+                  <a:pt x="2076450" y="209550"/>
+                </a:cubicBezTo>
+                <a:cubicBezTo>
+                  <a:pt x="2024804" y="234014"/>
+                  <a:pt x="2023578" y="244506"/>
+                  <a:pt x="1974850" y="247650"/>
+                </a:cubicBezTo>
+                <a:cubicBezTo>
+                  <a:pt x="1922001" y="251060"/>
+                  <a:pt x="1869017" y="251883"/>
+                  <a:pt x="1816100" y="254000"/>
+                </a:cubicBezTo>
+                <a:lnTo>
+                  <a:pt x="1714500" y="266700"/>
+                </a:lnTo>
+                <a:cubicBezTo>
+                  <a:pt x="1701743" y="268440"/>
+                  <a:pt x="1689222" y="271884"/>
+                  <a:pt x="1676400" y="273050"/>
+                </a:cubicBezTo>
+                <a:cubicBezTo>
+                  <a:pt x="1619329" y="278238"/>
+                  <a:pt x="1562205" y="283331"/>
+                  <a:pt x="1504950" y="285750"/>
+                </a:cubicBezTo>
+                <a:cubicBezTo>
+                  <a:pt x="1411876" y="289683"/>
+                  <a:pt x="1318683" y="289983"/>
+                  <a:pt x="1225550" y="292100"/>
+                </a:cubicBezTo>
+                <a:cubicBezTo>
+                  <a:pt x="1208617" y="294217"/>
+                  <a:pt x="1191484" y="295103"/>
+                  <a:pt x="1174750" y="298450"/>
+                </a:cubicBezTo>
+                <a:cubicBezTo>
+                  <a:pt x="1129762" y="307448"/>
+                  <a:pt x="1138519" y="312798"/>
+                  <a:pt x="1098550" y="317500"/>
+                </a:cubicBezTo>
+                <a:cubicBezTo>
+                  <a:pt x="1073237" y="320478"/>
+                  <a:pt x="1047750" y="321733"/>
+                  <a:pt x="1022350" y="323850"/>
+                </a:cubicBezTo>
+                <a:cubicBezTo>
+                  <a:pt x="971766" y="333967"/>
+                  <a:pt x="980323" y="333580"/>
+                  <a:pt x="908050" y="336550"/>
+                </a:cubicBezTo>
+                <a:lnTo>
+                  <a:pt x="527050" y="349250"/>
+                </a:lnTo>
+                <a:cubicBezTo>
+                  <a:pt x="499533" y="351367"/>
+                  <a:pt x="471793" y="351506"/>
+                  <a:pt x="444500" y="355600"/>
+                </a:cubicBezTo>
+                <a:cubicBezTo>
+                  <a:pt x="429261" y="357886"/>
+                  <a:pt x="415050" y="364771"/>
+                  <a:pt x="400050" y="368300"/>
+                </a:cubicBezTo>
+                <a:cubicBezTo>
+                  <a:pt x="379038" y="373244"/>
+                  <a:pt x="356592" y="372983"/>
+                  <a:pt x="336550" y="381000"/>
+                </a:cubicBezTo>
+                <a:cubicBezTo>
+                  <a:pt x="325967" y="385233"/>
+                  <a:pt x="315977" y="391465"/>
+                  <a:pt x="304800" y="393700"/>
+                </a:cubicBezTo>
+                <a:cubicBezTo>
+                  <a:pt x="283941" y="397872"/>
+                  <a:pt x="262386" y="397239"/>
+                  <a:pt x="241300" y="400050"/>
+                </a:cubicBezTo>
+                <a:cubicBezTo>
+                  <a:pt x="230602" y="401476"/>
+                  <a:pt x="220103" y="404139"/>
+                  <a:pt x="209550" y="406400"/>
+                </a:cubicBezTo>
+                <a:cubicBezTo>
+                  <a:pt x="190468" y="410489"/>
+                  <a:pt x="171649" y="415892"/>
+                  <a:pt x="152400" y="419100"/>
+                </a:cubicBezTo>
+                <a:cubicBezTo>
+                  <a:pt x="133494" y="422251"/>
+                  <a:pt x="114300" y="423333"/>
+                  <a:pt x="95250" y="425450"/>
+                </a:cubicBezTo>
+                <a:cubicBezTo>
+                  <a:pt x="16146" y="465002"/>
+                  <a:pt x="126882" y="407741"/>
+                  <a:pt x="44450" y="457200"/>
+                </a:cubicBezTo>
+                <a:cubicBezTo>
+                  <a:pt x="-6522" y="487783"/>
+                  <a:pt x="18539" y="464061"/>
+                  <a:pt x="0" y="482600"/>
+                </a:cubicBezTo>
+              </a:path>
+            </a:pathLst>
+          </a:custGeom>
+          <a:ln w="31750">
+            <a:solidFill>
+              <a:schemeClr val="accent2">
+                <a:lumMod val="75000"/>
+              </a:schemeClr>
+            </a:solidFill>
+            <a:prstDash val="dash"/>
+            <a:tailEnd type="triangle" w="lg" len="med"/>
+          </a:ln>
+        </p:spPr>
+        <p:style>
+          <a:lnRef idx="1">
+            <a:schemeClr val="accent1"/>
+          </a:lnRef>
+          <a:fillRef idx="0">
+            <a:schemeClr val="accent1"/>
+          </a:fillRef>
+          <a:effectRef idx="0">
+            <a:schemeClr val="accent1"/>
+          </a:effectRef>
+          <a:fontRef idx="minor">
+            <a:schemeClr val="tx1"/>
+          </a:fontRef>
+        </p:style>
+        <p:txBody>
+          <a:bodyPr rtlCol="0" anchor="ctr"/>
+          <a:lstStyle/>
+          <a:p>
+            <a:pPr algn="ctr"/>
+            <a:endParaRPr lang="en-IN"/>
+          </a:p>
+        </p:txBody>
+      </p:sp>
+      <p:sp>
+        <p:nvSpPr>
+          <p:cNvPr id="84" name="TextBox 83">
+            <a:extLst>
+              <a:ext uri="{FF2B5EF4-FFF2-40B4-BE49-F238E27FC236}">
+                <a16:creationId xmlns:a16="http://schemas.microsoft.com/office/drawing/2014/main" id="{BD5FAC31-079B-488E-AF62-0A09A336734F}"/>
+              </a:ext>
+            </a:extLst>
+          </p:cNvPr>
+          <p:cNvSpPr txBox="1"/>
+          <p:nvPr/>
+        </p:nvSpPr>
+        <p:spPr>
+          <a:xfrm>
+            <a:off x="1679155" y="4965700"/>
+            <a:ext cx="918495" cy="369332"/>
+          </a:xfrm>
+          <a:prstGeom prst="rect">
+            <a:avLst/>
+          </a:prstGeom>
+          <a:noFill/>
+        </p:spPr>
+        <p:txBody>
+          <a:bodyPr wrap="square" rtlCol="0">
+            <a:spAutoFit/>
+          </a:bodyPr>
+          <a:lstStyle/>
+          <a:p>
+            <a:r>
+              <a:rPr lang="en-US" b="1" dirty="0">
+                <a:latin typeface="Courier New" panose="02070309020205020404" pitchFamily="49" charset="0"/>
+                <a:cs typeface="Courier New" panose="02070309020205020404" pitchFamily="49" charset="0"/>
+              </a:rPr>
+              <a:t>tree</a:t>
+            </a:r>
+            <a:endParaRPr lang="en-IN" b="1" dirty="0">
+              <a:latin typeface="Courier New" panose="02070309020205020404" pitchFamily="49" charset="0"/>
+              <a:cs typeface="Courier New" panose="02070309020205020404" pitchFamily="49" charset="0"/>
+            </a:endParaRPr>
+          </a:p>
+        </p:txBody>
+      </p:sp>
+      <p:sp>
+        <p:nvSpPr>
+          <p:cNvPr id="85" name="TextBox 84">
+            <a:extLst>
+              <a:ext uri="{FF2B5EF4-FFF2-40B4-BE49-F238E27FC236}">
+                <a16:creationId xmlns:a16="http://schemas.microsoft.com/office/drawing/2014/main" id="{6C3CBE19-9C68-454F-865E-0F086E6DD6B4}"/>
+              </a:ext>
+            </a:extLst>
+          </p:cNvPr>
+          <p:cNvSpPr txBox="1"/>
+          <p:nvPr/>
+        </p:nvSpPr>
+        <p:spPr>
+          <a:xfrm>
+            <a:off x="1454151" y="5754166"/>
+            <a:ext cx="1143500" cy="369332"/>
+          </a:xfrm>
+          <a:prstGeom prst="rect">
+            <a:avLst/>
+          </a:prstGeom>
+          <a:noFill/>
+        </p:spPr>
+        <p:txBody>
+          <a:bodyPr wrap="square" rtlCol="0">
+            <a:spAutoFit/>
+          </a:bodyPr>
+          <a:lstStyle/>
+          <a:p>
+            <a:r>
+              <a:rPr lang="en-US" b="1" dirty="0">
+                <a:latin typeface="Courier New" panose="02070309020205020404" pitchFamily="49" charset="0"/>
+                <a:cs typeface="Courier New" panose="02070309020205020404" pitchFamily="49" charset="0"/>
+              </a:rPr>
+              <a:t>leaves</a:t>
+            </a:r>
+            <a:endParaRPr lang="en-IN" b="1" dirty="0">
+              <a:latin typeface="Courier New" panose="02070309020205020404" pitchFamily="49" charset="0"/>
+              <a:cs typeface="Courier New" panose="02070309020205020404" pitchFamily="49" charset="0"/>
+            </a:endParaRPr>
+          </a:p>
+        </p:txBody>
+      </p:sp>
+      <p:grpSp>
+        <p:nvGrpSpPr>
+          <p:cNvPr id="36" name="Group 35">
+            <a:extLst>
+              <a:ext uri="{FF2B5EF4-FFF2-40B4-BE49-F238E27FC236}">
+                <a16:creationId xmlns:a16="http://schemas.microsoft.com/office/drawing/2014/main" id="{EB482511-3142-4AB4-9A31-40C0873AB9EE}"/>
+              </a:ext>
+            </a:extLst>
+          </p:cNvPr>
+          <p:cNvGrpSpPr/>
+          <p:nvPr/>
+        </p:nvGrpSpPr>
+        <p:grpSpPr>
+          <a:xfrm>
+            <a:off x="8610599" y="4972050"/>
+            <a:ext cx="1514476" cy="409575"/>
+            <a:chOff x="2552699" y="4972050"/>
+            <a:chExt cx="1514476" cy="409575"/>
+          </a:xfrm>
+        </p:grpSpPr>
+        <p:sp>
+          <p:nvSpPr>
+            <p:cNvPr id="37" name="Rectangle 36">
+              <a:extLst>
+                <a:ext uri="{FF2B5EF4-FFF2-40B4-BE49-F238E27FC236}">
+                  <a16:creationId xmlns:a16="http://schemas.microsoft.com/office/drawing/2014/main" id="{506D49C4-A3B7-411E-AC07-A25E8CBD9261}"/>
+                </a:ext>
+              </a:extLst>
+            </p:cNvPr>
+            <p:cNvSpPr/>
+            <p:nvPr/>
+          </p:nvSpPr>
+          <p:spPr>
+            <a:xfrm>
+              <a:off x="2552699" y="4972050"/>
+              <a:ext cx="1514475" cy="409575"/>
+            </a:xfrm>
+            <a:prstGeom prst="rect">
+              <a:avLst/>
+            </a:prstGeom>
+            <a:ln w="25400"/>
+          </p:spPr>
+          <p:style>
+            <a:lnRef idx="2">
+              <a:schemeClr val="accent5"/>
+            </a:lnRef>
+            <a:fillRef idx="1">
+              <a:schemeClr val="lt1"/>
+            </a:fillRef>
+            <a:effectRef idx="0">
+              <a:schemeClr val="accent5"/>
+            </a:effectRef>
+            <a:fontRef idx="minor">
+              <a:schemeClr val="dk1"/>
+            </a:fontRef>
+          </p:style>
+          <p:txBody>
+            <a:bodyPr rtlCol="0" anchor="ctr"/>
+            <a:lstStyle/>
+            <a:p>
+              <a:pPr algn="ctr"/>
+              <a:r>
+                <a:rPr lang="en-US" sz="2400" dirty="0"/>
+                <a:t>T</a:t>
+              </a:r>
+              <a:r>
+                <a:rPr lang="en-US" sz="2400" baseline="-25000" dirty="0"/>
+                <a:t>2</a:t>
+              </a:r>
+              <a:endParaRPr lang="en-IN" sz="2400" baseline="-25000" dirty="0"/>
+            </a:p>
+          </p:txBody>
+        </p:sp>
+        <p:sp>
+          <p:nvSpPr>
+            <p:cNvPr id="38" name="Rectangle 37">
+              <a:extLst>
+                <a:ext uri="{FF2B5EF4-FFF2-40B4-BE49-F238E27FC236}">
+                  <a16:creationId xmlns:a16="http://schemas.microsoft.com/office/drawing/2014/main" id="{E967C829-1F86-4CF9-A23A-00EFE2D7DF39}"/>
+                </a:ext>
+              </a:extLst>
+            </p:cNvPr>
+            <p:cNvSpPr/>
+            <p:nvPr/>
+          </p:nvSpPr>
+          <p:spPr>
+            <a:xfrm>
+              <a:off x="3629025" y="4972050"/>
+              <a:ext cx="438150" cy="409575"/>
+            </a:xfrm>
+            <a:prstGeom prst="rect">
+              <a:avLst/>
+            </a:prstGeom>
+            <a:ln w="25400">
+              <a:solidFill>
+                <a:schemeClr val="accent5"/>
+              </a:solidFill>
+              <a:prstDash val="dash"/>
+            </a:ln>
+          </p:spPr>
+          <p:style>
+            <a:lnRef idx="2">
+              <a:schemeClr val="accent5"/>
+            </a:lnRef>
+            <a:fillRef idx="1">
+              <a:schemeClr val="lt1"/>
+            </a:fillRef>
+            <a:effectRef idx="0">
+              <a:schemeClr val="accent5"/>
+            </a:effectRef>
+            <a:fontRef idx="minor">
+              <a:schemeClr val="dk1"/>
+            </a:fontRef>
+          </p:style>
+          <p:txBody>
+            <a:bodyPr rtlCol="0" anchor="ctr"/>
+            <a:lstStyle/>
+            <a:p>
+              <a:pPr algn="ctr"/>
+              <a:endParaRPr lang="en-IN"/>
+            </a:p>
+          </p:txBody>
+        </p:sp>
+      </p:grpSp>
     </p:spTree>
     <p:extLst>
       <p:ext uri="{BB962C8B-B14F-4D97-AF65-F5344CB8AC3E}">
@@ -8497,8 +11588,8 @@
         </p:nvSpPr>
         <p:spPr>
           <a:xfrm>
-            <a:off x="2867705" y="2338432"/>
-            <a:ext cx="726465" cy="830997"/>
+            <a:off x="2914467" y="2224637"/>
+            <a:ext cx="726465" cy="1200329"/>
           </a:xfrm>
           <a:prstGeom prst="rect">
             <a:avLst/>
@@ -8512,7 +11603,7 @@
           <a:lstStyle/>
           <a:p>
             <a:r>
-              <a:rPr lang="en-US" sz="1200" dirty="0">
+              <a:rPr lang="en-US" b="1" dirty="0">
                 <a:solidFill>
                   <a:schemeClr val="accent2"/>
                 </a:solidFill>
@@ -8522,7 +11613,7 @@
           </a:p>
           <a:p>
             <a:r>
-              <a:rPr lang="en-US" sz="1200" dirty="0">
+              <a:rPr lang="en-US" b="1" dirty="0">
                 <a:solidFill>
                   <a:schemeClr val="accent2"/>
                 </a:solidFill>
@@ -8532,7 +11623,7 @@
           </a:p>
           <a:p>
             <a:r>
-              <a:rPr lang="en-US" sz="1200" dirty="0">
+              <a:rPr lang="en-US" b="1" dirty="0">
                 <a:solidFill>
                   <a:schemeClr val="accent2"/>
                 </a:solidFill>
@@ -8542,14 +11633,14 @@
           </a:p>
           <a:p>
             <a:r>
-              <a:rPr lang="en-US" sz="1200" dirty="0">
+              <a:rPr lang="en-US" b="1" dirty="0">
                 <a:solidFill>
                   <a:schemeClr val="accent2"/>
                 </a:solidFill>
               </a:rPr>
               <a:t>011</a:t>
             </a:r>
-            <a:endParaRPr lang="en-IN" sz="1200" dirty="0">
+            <a:endParaRPr lang="en-IN" sz="1200" b="1" dirty="0">
               <a:solidFill>
                 <a:schemeClr val="accent2"/>
               </a:solidFill>
@@ -8571,8 +11662,8 @@
         </p:nvSpPr>
         <p:spPr>
           <a:xfrm>
-            <a:off x="2234485" y="3237479"/>
-            <a:ext cx="726465" cy="461665"/>
+            <a:off x="2129542" y="3379355"/>
+            <a:ext cx="726465" cy="646331"/>
           </a:xfrm>
           <a:prstGeom prst="rect">
             <a:avLst/>
@@ -8586,7 +11677,7 @@
           <a:lstStyle/>
           <a:p>
             <a:r>
-              <a:rPr lang="en-US" sz="1200" dirty="0">
+              <a:rPr lang="en-US" b="1" dirty="0">
                 <a:solidFill>
                   <a:schemeClr val="accent2"/>
                 </a:solidFill>
@@ -8596,7 +11687,7 @@
           </a:p>
           <a:p>
             <a:r>
-              <a:rPr lang="en-US" sz="1200" dirty="0">
+              <a:rPr lang="en-US" b="1" dirty="0">
                 <a:solidFill>
                   <a:schemeClr val="accent2"/>
                 </a:solidFill>
@@ -8621,7 +11712,7 @@
         <p:spPr>
           <a:xfrm>
             <a:off x="1480888" y="4261271"/>
-            <a:ext cx="726465" cy="276999"/>
+            <a:ext cx="726465" cy="369332"/>
           </a:xfrm>
           <a:prstGeom prst="rect">
             <a:avLst/>
@@ -8635,7 +11726,7 @@
           <a:lstStyle/>
           <a:p>
             <a:r>
-              <a:rPr lang="en-US" sz="1200" dirty="0">
+              <a:rPr lang="en-US" b="1" dirty="0">
                 <a:solidFill>
                   <a:schemeClr val="accent2"/>
                 </a:solidFill>
@@ -8660,7 +11751,7 @@
         <p:spPr>
           <a:xfrm>
             <a:off x="539610" y="4261271"/>
-            <a:ext cx="726465" cy="276999"/>
+            <a:ext cx="726465" cy="369332"/>
           </a:xfrm>
           <a:prstGeom prst="rect">
             <a:avLst/>
@@ -8674,7 +11765,7 @@
           <a:lstStyle/>
           <a:p>
             <a:r>
-              <a:rPr lang="en-US" sz="1200" dirty="0">
+              <a:rPr lang="en-US" b="1" dirty="0">
                 <a:solidFill>
                   <a:schemeClr val="accent2"/>
                 </a:solidFill>
@@ -9481,7 +12572,7 @@
         <p:spPr>
           <a:xfrm>
             <a:off x="6744380" y="2338432"/>
-            <a:ext cx="726465" cy="830997"/>
+            <a:ext cx="726465" cy="1200329"/>
           </a:xfrm>
           <a:prstGeom prst="rect">
             <a:avLst/>
@@ -9495,7 +12586,7 @@
           <a:lstStyle/>
           <a:p>
             <a:r>
-              <a:rPr lang="en-US" sz="1200" dirty="0">
+              <a:rPr lang="en-US" b="1" dirty="0">
                 <a:solidFill>
                   <a:schemeClr val="accent2"/>
                 </a:solidFill>
@@ -9505,7 +12596,7 @@
           </a:p>
           <a:p>
             <a:r>
-              <a:rPr lang="en-US" sz="1200" dirty="0">
+              <a:rPr lang="en-US" b="1" dirty="0">
                 <a:solidFill>
                   <a:schemeClr val="accent2"/>
                 </a:solidFill>
@@ -9515,7 +12606,7 @@
           </a:p>
           <a:p>
             <a:r>
-              <a:rPr lang="en-US" sz="1200" dirty="0">
+              <a:rPr lang="en-US" b="1" dirty="0">
                 <a:solidFill>
                   <a:schemeClr val="accent2"/>
                 </a:solidFill>
@@ -9525,14 +12616,14 @@
           </a:p>
           <a:p>
             <a:r>
-              <a:rPr lang="en-US" sz="1200" dirty="0">
+              <a:rPr lang="en-US" b="1" dirty="0">
                 <a:solidFill>
                   <a:schemeClr val="accent2"/>
                 </a:solidFill>
               </a:rPr>
               <a:t>011</a:t>
             </a:r>
-            <a:endParaRPr lang="en-IN" sz="1200" dirty="0">
+            <a:endParaRPr lang="en-IN" b="1" dirty="0">
               <a:solidFill>
                 <a:schemeClr val="accent2"/>
               </a:solidFill>
@@ -9555,7 +12646,7 @@
         <p:spPr>
           <a:xfrm>
             <a:off x="6221053" y="4260159"/>
-            <a:ext cx="726465" cy="276999"/>
+            <a:ext cx="726465" cy="369332"/>
           </a:xfrm>
           <a:prstGeom prst="rect">
             <a:avLst/>
@@ -9569,7 +12660,7 @@
           <a:lstStyle/>
           <a:p>
             <a:r>
-              <a:rPr lang="en-US" sz="1200" dirty="0">
+              <a:rPr lang="en-US" b="1" dirty="0">
                 <a:solidFill>
                   <a:schemeClr val="accent2"/>
                 </a:solidFill>
@@ -9594,7 +12685,7 @@
         <p:spPr>
           <a:xfrm>
             <a:off x="5357563" y="4261271"/>
-            <a:ext cx="726465" cy="276999"/>
+            <a:ext cx="726465" cy="369332"/>
           </a:xfrm>
           <a:prstGeom prst="rect">
             <a:avLst/>
@@ -9608,7 +12699,7 @@
           <a:lstStyle/>
           <a:p>
             <a:r>
-              <a:rPr lang="en-US" sz="1200" dirty="0">
+              <a:rPr lang="en-US" b="1" dirty="0">
                 <a:solidFill>
                   <a:schemeClr val="accent2"/>
                 </a:solidFill>
@@ -9633,7 +12724,7 @@
         <p:spPr>
           <a:xfrm>
             <a:off x="4683686" y="3346496"/>
-            <a:ext cx="726465" cy="461665"/>
+            <a:ext cx="726465" cy="646331"/>
           </a:xfrm>
           <a:prstGeom prst="rect">
             <a:avLst/>
@@ -9647,7 +12738,7 @@
           <a:lstStyle/>
           <a:p>
             <a:r>
-              <a:rPr lang="en-US" sz="1200" dirty="0">
+              <a:rPr lang="en-US" b="1" dirty="0">
                 <a:solidFill>
                   <a:schemeClr val="accent2"/>
                 </a:solidFill>
@@ -9657,7 +12748,7 @@
           </a:p>
           <a:p>
             <a:r>
-              <a:rPr lang="en-US" sz="1200" dirty="0">
+              <a:rPr lang="en-US" b="1" dirty="0">
                 <a:solidFill>
                   <a:schemeClr val="accent2"/>
                 </a:solidFill>
@@ -10387,7 +13478,7 @@
         <p:spPr>
           <a:xfrm>
             <a:off x="11084286" y="3323937"/>
-            <a:ext cx="726465" cy="461665"/>
+            <a:ext cx="726465" cy="646331"/>
           </a:xfrm>
           <a:prstGeom prst="rect">
             <a:avLst/>
@@ -10401,7 +13492,7 @@
           <a:lstStyle/>
           <a:p>
             <a:r>
-              <a:rPr lang="en-US" sz="1200" dirty="0">
+              <a:rPr lang="en-US" b="1" dirty="0">
                 <a:solidFill>
                   <a:schemeClr val="accent2"/>
                 </a:solidFill>
@@ -10411,7 +13502,7 @@
           </a:p>
           <a:p>
             <a:r>
-              <a:rPr lang="en-US" sz="1200" dirty="0">
+              <a:rPr lang="en-US" b="1" dirty="0">
                 <a:solidFill>
                   <a:schemeClr val="accent2"/>
                 </a:solidFill>
@@ -10436,7 +13527,7 @@
         <p:spPr>
           <a:xfrm>
             <a:off x="10235528" y="3355204"/>
-            <a:ext cx="726465" cy="461665"/>
+            <a:ext cx="726465" cy="646331"/>
           </a:xfrm>
           <a:prstGeom prst="rect">
             <a:avLst/>
@@ -10450,7 +13541,7 @@
           <a:lstStyle/>
           <a:p>
             <a:r>
-              <a:rPr lang="en-US" sz="1200" dirty="0">
+              <a:rPr lang="en-US" b="1" dirty="0">
                 <a:solidFill>
                   <a:schemeClr val="accent2"/>
                 </a:solidFill>
@@ -10460,7 +13551,7 @@
           </a:p>
           <a:p>
             <a:r>
-              <a:rPr lang="en-US" sz="1200" dirty="0">
+              <a:rPr lang="en-US" b="1" dirty="0">
                 <a:solidFill>
                   <a:schemeClr val="accent2"/>
                 </a:solidFill>
@@ -10485,7 +13576,7 @@
         <p:spPr>
           <a:xfrm>
             <a:off x="9451346" y="3339743"/>
-            <a:ext cx="726465" cy="461665"/>
+            <a:ext cx="726465" cy="646331"/>
           </a:xfrm>
           <a:prstGeom prst="rect">
             <a:avLst/>
@@ -10499,7 +13590,7 @@
           <a:lstStyle/>
           <a:p>
             <a:r>
-              <a:rPr lang="en-US" sz="1200" dirty="0">
+              <a:rPr lang="en-US" b="1" dirty="0">
                 <a:solidFill>
                   <a:schemeClr val="accent2"/>
                 </a:solidFill>
@@ -10509,7 +13600,7 @@
           </a:p>
           <a:p>
             <a:r>
-              <a:rPr lang="en-US" sz="1200" dirty="0">
+              <a:rPr lang="en-US" b="1" dirty="0">
                 <a:solidFill>
                   <a:schemeClr val="accent2"/>
                 </a:solidFill>
@@ -10534,7 +13625,7 @@
         <p:spPr>
           <a:xfrm>
             <a:off x="8579411" y="3336971"/>
-            <a:ext cx="726465" cy="461665"/>
+            <a:ext cx="726465" cy="646331"/>
           </a:xfrm>
           <a:prstGeom prst="rect">
             <a:avLst/>
@@ -10548,7 +13639,7 @@
           <a:lstStyle/>
           <a:p>
             <a:r>
-              <a:rPr lang="en-US" sz="1200" dirty="0">
+              <a:rPr lang="en-US" b="1" dirty="0">
                 <a:solidFill>
                   <a:schemeClr val="accent2"/>
                 </a:solidFill>
@@ -10558,7 +13649,7 @@
           </a:p>
           <a:p>
             <a:r>
-              <a:rPr lang="en-US" sz="1200" dirty="0">
+              <a:rPr lang="en-US" b="1" dirty="0">
                 <a:solidFill>
                   <a:schemeClr val="accent2"/>
                 </a:solidFill>
@@ -10649,6 +13740,153 @@
     <p:extLst>
       <p:ext uri="{BB962C8B-B14F-4D97-AF65-F5344CB8AC3E}">
         <p14:creationId xmlns:p14="http://schemas.microsoft.com/office/powerpoint/2010/main" val="3788685311"/>
+      </p:ext>
+    </p:extLst>
+  </p:cSld>
+  <p:clrMapOvr>
+    <a:masterClrMapping/>
+  </p:clrMapOvr>
+</p:sld>
+</file>
+
+<file path=ppt/slides/slide5.xml><?xml version="1.0" encoding="utf-8"?>
+<p:sld xmlns:a="http://schemas.openxmlformats.org/drawingml/2006/main" xmlns:r="http://schemas.openxmlformats.org/officeDocument/2006/relationships" xmlns:p="http://schemas.openxmlformats.org/presentationml/2006/main">
+  <p:cSld>
+    <p:spTree>
+      <p:nvGrpSpPr>
+        <p:cNvPr id="1" name=""/>
+        <p:cNvGrpSpPr/>
+        <p:nvPr/>
+      </p:nvGrpSpPr>
+      <p:grpSpPr>
+        <a:xfrm>
+          <a:off x="0" y="0"/>
+          <a:ext cx="0" cy="0"/>
+          <a:chOff x="0" y="0"/>
+          <a:chExt cx="0" cy="0"/>
+        </a:xfrm>
+      </p:grpSpPr>
+      <p:pic>
+        <p:nvPicPr>
+          <p:cNvPr id="5" name="Picture 4">
+            <a:extLst>
+              <a:ext uri="{FF2B5EF4-FFF2-40B4-BE49-F238E27FC236}">
+                <a16:creationId xmlns:a16="http://schemas.microsoft.com/office/drawing/2014/main" id="{22471AA4-2B2A-4FFF-8938-14A2B825244A}"/>
+              </a:ext>
+            </a:extLst>
+          </p:cNvPr>
+          <p:cNvPicPr>
+            <a:picLocks noChangeAspect="1"/>
+          </p:cNvPicPr>
+          <p:nvPr/>
+        </p:nvPicPr>
+        <p:blipFill>
+          <a:blip r:embed="rId2"/>
+          <a:stretch>
+            <a:fillRect/>
+          </a:stretch>
+        </p:blipFill>
+        <p:spPr>
+          <a:xfrm>
+            <a:off x="127000" y="991622"/>
+            <a:ext cx="6629400" cy="3617681"/>
+          </a:xfrm>
+          <a:prstGeom prst="rect">
+            <a:avLst/>
+          </a:prstGeom>
+        </p:spPr>
+      </p:pic>
+      <p:pic>
+        <p:nvPicPr>
+          <p:cNvPr id="9" name="Picture 8">
+            <a:extLst>
+              <a:ext uri="{FF2B5EF4-FFF2-40B4-BE49-F238E27FC236}">
+                <a16:creationId xmlns:a16="http://schemas.microsoft.com/office/drawing/2014/main" id="{26942142-AA2D-4548-A6C6-AD7793E484FD}"/>
+              </a:ext>
+            </a:extLst>
+          </p:cNvPr>
+          <p:cNvPicPr>
+            <a:picLocks noChangeAspect="1"/>
+          </p:cNvPicPr>
+          <p:nvPr/>
+        </p:nvPicPr>
+        <p:blipFill rotWithShape="1">
+          <a:blip r:embed="rId3"/>
+          <a:srcRect l="3333"/>
+          <a:stretch/>
+        </p:blipFill>
+        <p:spPr>
+          <a:xfrm>
+            <a:off x="241300" y="4423156"/>
+            <a:ext cx="11785600" cy="2405888"/>
+          </a:xfrm>
+          <a:prstGeom prst="rect">
+            <a:avLst/>
+          </a:prstGeom>
+        </p:spPr>
+      </p:pic>
+      <p:pic>
+        <p:nvPicPr>
+          <p:cNvPr id="3" name="Picture 2">
+            <a:extLst>
+              <a:ext uri="{FF2B5EF4-FFF2-40B4-BE49-F238E27FC236}">
+                <a16:creationId xmlns:a16="http://schemas.microsoft.com/office/drawing/2014/main" id="{B7558938-4AA5-476D-A588-04C1A53CEE5B}"/>
+              </a:ext>
+            </a:extLst>
+          </p:cNvPr>
+          <p:cNvPicPr>
+            <a:picLocks noChangeAspect="1"/>
+          </p:cNvPicPr>
+          <p:nvPr/>
+        </p:nvPicPr>
+        <p:blipFill rotWithShape="1">
+          <a:blip r:embed="rId4"/>
+          <a:srcRect l="1660" t="2459" r="6192" b="4684"/>
+          <a:stretch/>
+        </p:blipFill>
+        <p:spPr>
+          <a:xfrm>
+            <a:off x="46613" y="733529"/>
+            <a:ext cx="7047523" cy="3689627"/>
+          </a:xfrm>
+          <a:prstGeom prst="rect">
+            <a:avLst/>
+          </a:prstGeom>
+        </p:spPr>
+      </p:pic>
+      <p:pic>
+        <p:nvPicPr>
+          <p:cNvPr id="4" name="Picture 3">
+            <a:extLst>
+              <a:ext uri="{FF2B5EF4-FFF2-40B4-BE49-F238E27FC236}">
+                <a16:creationId xmlns:a16="http://schemas.microsoft.com/office/drawing/2014/main" id="{BBC67903-29F6-4E86-A5E2-BCFDBE3AC0DD}"/>
+              </a:ext>
+            </a:extLst>
+          </p:cNvPr>
+          <p:cNvPicPr>
+            <a:picLocks noChangeAspect="1"/>
+          </p:cNvPicPr>
+          <p:nvPr/>
+        </p:nvPicPr>
+        <p:blipFill rotWithShape="1">
+          <a:blip r:embed="rId5"/>
+          <a:srcRect l="4447" t="1990" r="2447" b="1990"/>
+          <a:stretch/>
+        </p:blipFill>
+        <p:spPr>
+          <a:xfrm>
+            <a:off x="7094136" y="844518"/>
+            <a:ext cx="5097864" cy="3392491"/>
+          </a:xfrm>
+          <a:prstGeom prst="rect">
+            <a:avLst/>
+          </a:prstGeom>
+        </p:spPr>
+      </p:pic>
+    </p:spTree>
+    <p:extLst>
+      <p:ext uri="{BB962C8B-B14F-4D97-AF65-F5344CB8AC3E}">
+        <p14:creationId xmlns:p14="http://schemas.microsoft.com/office/powerpoint/2010/main" val="356528031"/>
       </p:ext>
     </p:extLst>
   </p:cSld>
